--- a/Gradient Descent/Gradient Descent.pptx
+++ b/Gradient Descent/Gradient Descent.pptx
@@ -202,7 +202,7 @@
           <a:p>
             <a:fld id="{00CEBC49-C236-4202-9B5B-6B6D4A75860F}" type="datetimeFigureOut">
               <a:rPr lang="en-US" smtClean="0"/>
-              <a:t>3/6/2022</a:t>
+              <a:t>9/7/2022</a:t>
             </a:fld>
             <a:endParaRPr lang="en-US"/>
           </a:p>
@@ -266,38 +266,37 @@
           <a:p>
             <a:pPr lvl="0"/>
             <a:r>
-              <a:rPr lang="en-US" smtClean="0"/>
+              <a:rPr lang="en-US"/>
               <a:t>Edit Master text styles</a:t>
             </a:r>
           </a:p>
           <a:p>
             <a:pPr lvl="1"/>
             <a:r>
-              <a:rPr lang="en-US" smtClean="0"/>
+              <a:rPr lang="en-US"/>
               <a:t>Second level</a:t>
             </a:r>
           </a:p>
           <a:p>
             <a:pPr lvl="2"/>
             <a:r>
-              <a:rPr lang="en-US" smtClean="0"/>
+              <a:rPr lang="en-US"/>
               <a:t>Third level</a:t>
             </a:r>
           </a:p>
           <a:p>
             <a:pPr lvl="3"/>
             <a:r>
-              <a:rPr lang="en-US" smtClean="0"/>
+              <a:rPr lang="en-US"/>
               <a:t>Fourth level</a:t>
             </a:r>
           </a:p>
           <a:p>
             <a:pPr lvl="4"/>
             <a:r>
-              <a:rPr lang="en-US" smtClean="0"/>
+              <a:rPr lang="en-US"/>
               <a:t>Fifth level</a:t>
             </a:r>
-            <a:endParaRPr lang="en-US"/>
           </a:p>
         </p:txBody>
       </p:sp>
@@ -514,10 +513,9 @@
           </a:lstStyle>
           <a:p>
             <a:r>
-              <a:rPr lang="en-US" dirty="0" smtClean="0"/>
+              <a:rPr lang="en-US" dirty="0"/>
               <a:t>Click to edit Master title style</a:t>
             </a:r>
-            <a:endParaRPr lang="en-US" dirty="0"/>
           </a:p>
         </p:txBody>
       </p:sp>
@@ -581,10 +579,9 @@
           </a:lstStyle>
           <a:p>
             <a:r>
-              <a:rPr lang="en-US" dirty="0" smtClean="0"/>
+              <a:rPr lang="en-US" dirty="0"/>
               <a:t>Click to edit Master subtitle style</a:t>
             </a:r>
-            <a:endParaRPr lang="en-US" dirty="0"/>
           </a:p>
         </p:txBody>
       </p:sp>
@@ -605,7 +602,7 @@
           <a:p>
             <a:fld id="{935A21C4-51AB-496B-A046-E18C5BF8E883}" type="datetime1">
               <a:rPr lang="en-US" smtClean="0"/>
-              <a:t>3/6/2022</a:t>
+              <a:t>9/7/2022</a:t>
             </a:fld>
             <a:endParaRPr lang="en-US"/>
           </a:p>
@@ -714,7 +711,7 @@
           </a:lstStyle>
           <a:p>
             <a:r>
-              <a:rPr lang="en-US" sz="2000" b="0" cap="none" spc="0" dirty="0" err="1" smtClean="0">
+              <a:rPr lang="en-US" sz="2000" b="0" cap="none" spc="0" dirty="0" err="1">
                 <a:ln w="0"/>
                 <a:solidFill>
                   <a:schemeClr val="bg1"/>
@@ -731,7 +728,7 @@
               <a:t>StudywithT</a:t>
             </a:r>
             <a:r>
-              <a:rPr lang="en-US" sz="2000" b="0" cap="none" spc="0" dirty="0" smtClean="0">
+              <a:rPr lang="en-US" sz="2000" b="0" cap="none" spc="0" dirty="0">
                 <a:ln w="0"/>
                 <a:solidFill>
                   <a:schemeClr val="bg1"/>
@@ -747,20 +744,6 @@
               </a:rPr>
               <a:t> - Study</a:t>
             </a:r>
-            <a:endParaRPr lang="en-US" sz="2000" b="0" cap="none" spc="0" dirty="0">
-              <a:ln w="0"/>
-              <a:solidFill>
-                <a:schemeClr val="bg1"/>
-              </a:solidFill>
-              <a:effectLst>
-                <a:outerShdw blurRad="38100" dist="19050" dir="2700000" algn="tl" rotWithShape="0">
-                  <a:schemeClr val="dk1">
-                    <a:alpha val="40000"/>
-                  </a:schemeClr>
-                </a:outerShdw>
-              </a:effectLst>
-              <a:latin typeface="Be Vietnam" panose="00000500000000000000" pitchFamily="2" charset="-93"/>
-            </a:endParaRPr>
           </a:p>
         </p:txBody>
       </p:sp>
@@ -774,13 +757,6 @@
   <p:clrMapOvr>
     <a:masterClrMapping/>
   </p:clrMapOvr>
-  <p:timing>
-    <p:tnLst>
-      <p:par>
-        <p:cTn id="1" dur="indefinite" restart="never" nodeType="tmRoot"/>
-      </p:par>
-    </p:tnLst>
-  </p:timing>
 </p:sldLayout>
 </file>
 
@@ -817,10 +793,9 @@
           <a:lstStyle/>
           <a:p>
             <a:r>
-              <a:rPr lang="en-US" smtClean="0"/>
+              <a:rPr lang="en-US"/>
               <a:t>Click to edit Master title style</a:t>
             </a:r>
-            <a:endParaRPr lang="en-US"/>
           </a:p>
         </p:txBody>
       </p:sp>
@@ -841,38 +816,37 @@
           <a:p>
             <a:pPr lvl="0"/>
             <a:r>
-              <a:rPr lang="en-US" smtClean="0"/>
+              <a:rPr lang="en-US"/>
               <a:t>Edit Master text styles</a:t>
             </a:r>
           </a:p>
           <a:p>
             <a:pPr lvl="1"/>
             <a:r>
-              <a:rPr lang="en-US" smtClean="0"/>
+              <a:rPr lang="en-US"/>
               <a:t>Second level</a:t>
             </a:r>
           </a:p>
           <a:p>
             <a:pPr lvl="2"/>
             <a:r>
-              <a:rPr lang="en-US" smtClean="0"/>
+              <a:rPr lang="en-US"/>
               <a:t>Third level</a:t>
             </a:r>
           </a:p>
           <a:p>
             <a:pPr lvl="3"/>
             <a:r>
-              <a:rPr lang="en-US" smtClean="0"/>
+              <a:rPr lang="en-US"/>
               <a:t>Fourth level</a:t>
             </a:r>
           </a:p>
           <a:p>
             <a:pPr lvl="4"/>
             <a:r>
-              <a:rPr lang="en-US" smtClean="0"/>
+              <a:rPr lang="en-US"/>
               <a:t>Fifth level</a:t>
             </a:r>
-            <a:endParaRPr lang="en-US"/>
           </a:p>
         </p:txBody>
       </p:sp>
@@ -893,7 +867,7 @@
           <a:p>
             <a:fld id="{E72A4EC7-74AF-419A-9020-631D627E4499}" type="datetime1">
               <a:rPr lang="en-US" smtClean="0"/>
-              <a:t>3/6/2022</a:t>
+              <a:t>9/7/2022</a:t>
             </a:fld>
             <a:endParaRPr lang="en-US"/>
           </a:p>
@@ -992,10 +966,9 @@
           <a:lstStyle/>
           <a:p>
             <a:r>
-              <a:rPr lang="en-US" smtClean="0"/>
+              <a:rPr lang="en-US"/>
               <a:t>Click to edit Master title style</a:t>
             </a:r>
-            <a:endParaRPr lang="en-US"/>
           </a:p>
         </p:txBody>
       </p:sp>
@@ -1021,38 +994,37 @@
           <a:p>
             <a:pPr lvl="0"/>
             <a:r>
-              <a:rPr lang="en-US" smtClean="0"/>
+              <a:rPr lang="en-US"/>
               <a:t>Edit Master text styles</a:t>
             </a:r>
           </a:p>
           <a:p>
             <a:pPr lvl="1"/>
             <a:r>
-              <a:rPr lang="en-US" smtClean="0"/>
+              <a:rPr lang="en-US"/>
               <a:t>Second level</a:t>
             </a:r>
           </a:p>
           <a:p>
             <a:pPr lvl="2"/>
             <a:r>
-              <a:rPr lang="en-US" smtClean="0"/>
+              <a:rPr lang="en-US"/>
               <a:t>Third level</a:t>
             </a:r>
           </a:p>
           <a:p>
             <a:pPr lvl="3"/>
             <a:r>
-              <a:rPr lang="en-US" smtClean="0"/>
+              <a:rPr lang="en-US"/>
               <a:t>Fourth level</a:t>
             </a:r>
           </a:p>
           <a:p>
             <a:pPr lvl="4"/>
             <a:r>
-              <a:rPr lang="en-US" smtClean="0"/>
+              <a:rPr lang="en-US"/>
               <a:t>Fifth level</a:t>
             </a:r>
-            <a:endParaRPr lang="en-US"/>
           </a:p>
         </p:txBody>
       </p:sp>
@@ -1073,7 +1045,7 @@
           <a:p>
             <a:fld id="{7CAAA9DD-8BC0-4999-B72D-315D4AC8F29C}" type="datetime1">
               <a:rPr lang="en-US" smtClean="0"/>
-              <a:t>3/6/2022</a:t>
+              <a:t>9/7/2022</a:t>
             </a:fld>
             <a:endParaRPr lang="en-US"/>
           </a:p>
@@ -1252,38 +1224,37 @@
           <a:p>
             <a:pPr lvl="0"/>
             <a:r>
-              <a:rPr lang="en-US" dirty="0" smtClean="0"/>
+              <a:rPr lang="en-US" dirty="0"/>
               <a:t>Edit Master text styles</a:t>
             </a:r>
           </a:p>
           <a:p>
             <a:pPr lvl="1"/>
             <a:r>
-              <a:rPr lang="en-US" dirty="0" smtClean="0"/>
+              <a:rPr lang="en-US" dirty="0"/>
               <a:t>Second level</a:t>
             </a:r>
           </a:p>
           <a:p>
             <a:pPr lvl="2"/>
             <a:r>
-              <a:rPr lang="en-US" dirty="0" smtClean="0"/>
+              <a:rPr lang="en-US" dirty="0"/>
               <a:t>Third level</a:t>
             </a:r>
           </a:p>
           <a:p>
             <a:pPr lvl="3"/>
             <a:r>
-              <a:rPr lang="en-US" dirty="0" smtClean="0"/>
+              <a:rPr lang="en-US" dirty="0"/>
               <a:t>Fourth level</a:t>
             </a:r>
           </a:p>
           <a:p>
             <a:pPr lvl="4"/>
             <a:r>
-              <a:rPr lang="en-US" dirty="0" smtClean="0"/>
+              <a:rPr lang="en-US" dirty="0"/>
               <a:t>Fifth level</a:t>
             </a:r>
-            <a:endParaRPr lang="en-US" dirty="0"/>
           </a:p>
         </p:txBody>
       </p:sp>
@@ -1304,7 +1275,7 @@
           <a:p>
             <a:fld id="{FF844BC6-676C-49E2-BDB5-CE0DE4608AC2}" type="datetime1">
               <a:rPr lang="en-US" smtClean="0"/>
-              <a:t>3/6/2022</a:t>
+              <a:t>9/7/2022</a:t>
             </a:fld>
             <a:endParaRPr lang="en-US"/>
           </a:p>
@@ -1417,13 +1388,6 @@
   <p:clrMapOvr>
     <a:masterClrMapping/>
   </p:clrMapOvr>
-  <p:timing>
-    <p:tnLst>
-      <p:par>
-        <p:cTn id="1" dur="indefinite" restart="never" nodeType="tmRoot"/>
-      </p:par>
-    </p:tnLst>
-  </p:timing>
 </p:sldLayout>
 </file>
 
@@ -1471,10 +1435,9 @@
           </a:lstStyle>
           <a:p>
             <a:r>
-              <a:rPr lang="en-US" dirty="0" smtClean="0"/>
+              <a:rPr lang="en-US" dirty="0"/>
               <a:t>Click to edit Master title style</a:t>
             </a:r>
-            <a:endParaRPr lang="en-US" dirty="0"/>
           </a:p>
         </p:txBody>
       </p:sp>
@@ -1591,7 +1554,7 @@
           <a:p>
             <a:pPr lvl="0"/>
             <a:r>
-              <a:rPr lang="en-US" smtClean="0"/>
+              <a:rPr lang="en-US"/>
               <a:t>Edit Master text styles</a:t>
             </a:r>
           </a:p>
@@ -1614,7 +1577,7 @@
           <a:p>
             <a:fld id="{38EBDBFE-540A-42F2-86D1-F10989800303}" type="datetime1">
               <a:rPr lang="en-US" smtClean="0"/>
-              <a:t>3/6/2022</a:t>
+              <a:t>9/7/2022</a:t>
             </a:fld>
             <a:endParaRPr lang="en-US"/>
           </a:p>
@@ -1672,13 +1635,6 @@
   <p:clrMapOvr>
     <a:masterClrMapping/>
   </p:clrMapOvr>
-  <p:timing>
-    <p:tnLst>
-      <p:par>
-        <p:cTn id="1" dur="indefinite" restart="never" nodeType="tmRoot"/>
-      </p:par>
-    </p:tnLst>
-  </p:timing>
 </p:sldLayout>
 </file>
 
@@ -1721,10 +1677,9 @@
           </a:lstStyle>
           <a:p>
             <a:r>
-              <a:rPr lang="en-US" dirty="0" smtClean="0"/>
+              <a:rPr lang="en-US" dirty="0"/>
               <a:t>Click to edit Master title style</a:t>
             </a:r>
-            <a:endParaRPr lang="en-US" dirty="0"/>
           </a:p>
         </p:txBody>
       </p:sp>
@@ -1750,38 +1705,37 @@
           <a:p>
             <a:pPr lvl="0"/>
             <a:r>
-              <a:rPr lang="en-US" smtClean="0"/>
+              <a:rPr lang="en-US"/>
               <a:t>Edit Master text styles</a:t>
             </a:r>
           </a:p>
           <a:p>
             <a:pPr lvl="1"/>
             <a:r>
-              <a:rPr lang="en-US" smtClean="0"/>
+              <a:rPr lang="en-US"/>
               <a:t>Second level</a:t>
             </a:r>
           </a:p>
           <a:p>
             <a:pPr lvl="2"/>
             <a:r>
-              <a:rPr lang="en-US" smtClean="0"/>
+              <a:rPr lang="en-US"/>
               <a:t>Third level</a:t>
             </a:r>
           </a:p>
           <a:p>
             <a:pPr lvl="3"/>
             <a:r>
-              <a:rPr lang="en-US" smtClean="0"/>
+              <a:rPr lang="en-US"/>
               <a:t>Fourth level</a:t>
             </a:r>
           </a:p>
           <a:p>
             <a:pPr lvl="4"/>
             <a:r>
-              <a:rPr lang="en-US" smtClean="0"/>
+              <a:rPr lang="en-US"/>
               <a:t>Fifth level</a:t>
             </a:r>
-            <a:endParaRPr lang="en-US"/>
           </a:p>
         </p:txBody>
       </p:sp>
@@ -1807,38 +1761,37 @@
           <a:p>
             <a:pPr lvl="0"/>
             <a:r>
-              <a:rPr lang="en-US" smtClean="0"/>
+              <a:rPr lang="en-US"/>
               <a:t>Edit Master text styles</a:t>
             </a:r>
           </a:p>
           <a:p>
             <a:pPr lvl="1"/>
             <a:r>
-              <a:rPr lang="en-US" smtClean="0"/>
+              <a:rPr lang="en-US"/>
               <a:t>Second level</a:t>
             </a:r>
           </a:p>
           <a:p>
             <a:pPr lvl="2"/>
             <a:r>
-              <a:rPr lang="en-US" smtClean="0"/>
+              <a:rPr lang="en-US"/>
               <a:t>Third level</a:t>
             </a:r>
           </a:p>
           <a:p>
             <a:pPr lvl="3"/>
             <a:r>
-              <a:rPr lang="en-US" smtClean="0"/>
+              <a:rPr lang="en-US"/>
               <a:t>Fourth level</a:t>
             </a:r>
           </a:p>
           <a:p>
             <a:pPr lvl="4"/>
             <a:r>
-              <a:rPr lang="en-US" smtClean="0"/>
+              <a:rPr lang="en-US"/>
               <a:t>Fifth level</a:t>
             </a:r>
-            <a:endParaRPr lang="en-US"/>
           </a:p>
         </p:txBody>
       </p:sp>
@@ -1859,7 +1812,7 @@
           <a:p>
             <a:fld id="{E256DE8F-C7B0-4060-A518-897CCF54107B}" type="datetime1">
               <a:rPr lang="en-US" smtClean="0"/>
-              <a:t>3/6/2022</a:t>
+              <a:t>9/7/2022</a:t>
             </a:fld>
             <a:endParaRPr lang="en-US"/>
           </a:p>
@@ -1917,13 +1870,6 @@
   <p:clrMapOvr>
     <a:masterClrMapping/>
   </p:clrMapOvr>
-  <p:timing>
-    <p:tnLst>
-      <p:par>
-        <p:cTn id="1" dur="indefinite" restart="never" nodeType="tmRoot"/>
-      </p:par>
-    </p:tnLst>
-  </p:timing>
 </p:sldLayout>
 </file>
 
@@ -1965,10 +1911,9 @@
           <a:lstStyle/>
           <a:p>
             <a:r>
-              <a:rPr lang="en-US" smtClean="0"/>
+              <a:rPr lang="en-US"/>
               <a:t>Click to edit Master title style</a:t>
             </a:r>
-            <a:endParaRPr lang="en-US"/>
           </a:p>
         </p:txBody>
       </p:sp>
@@ -2031,7 +1976,7 @@
           <a:p>
             <a:pPr lvl="0"/>
             <a:r>
-              <a:rPr lang="en-US" smtClean="0"/>
+              <a:rPr lang="en-US"/>
               <a:t>Edit Master text styles</a:t>
             </a:r>
           </a:p>
@@ -2059,38 +2004,37 @@
           <a:p>
             <a:pPr lvl="0"/>
             <a:r>
-              <a:rPr lang="en-US" smtClean="0"/>
+              <a:rPr lang="en-US"/>
               <a:t>Edit Master text styles</a:t>
             </a:r>
           </a:p>
           <a:p>
             <a:pPr lvl="1"/>
             <a:r>
-              <a:rPr lang="en-US" smtClean="0"/>
+              <a:rPr lang="en-US"/>
               <a:t>Second level</a:t>
             </a:r>
           </a:p>
           <a:p>
             <a:pPr lvl="2"/>
             <a:r>
-              <a:rPr lang="en-US" smtClean="0"/>
+              <a:rPr lang="en-US"/>
               <a:t>Third level</a:t>
             </a:r>
           </a:p>
           <a:p>
             <a:pPr lvl="3"/>
             <a:r>
-              <a:rPr lang="en-US" smtClean="0"/>
+              <a:rPr lang="en-US"/>
               <a:t>Fourth level</a:t>
             </a:r>
           </a:p>
           <a:p>
             <a:pPr lvl="4"/>
             <a:r>
-              <a:rPr lang="en-US" smtClean="0"/>
+              <a:rPr lang="en-US"/>
               <a:t>Fifth level</a:t>
             </a:r>
-            <a:endParaRPr lang="en-US"/>
           </a:p>
         </p:txBody>
       </p:sp>
@@ -2153,7 +2097,7 @@
           <a:p>
             <a:pPr lvl="0"/>
             <a:r>
-              <a:rPr lang="en-US" smtClean="0"/>
+              <a:rPr lang="en-US"/>
               <a:t>Edit Master text styles</a:t>
             </a:r>
           </a:p>
@@ -2181,38 +2125,37 @@
           <a:p>
             <a:pPr lvl="0"/>
             <a:r>
-              <a:rPr lang="en-US" smtClean="0"/>
+              <a:rPr lang="en-US"/>
               <a:t>Edit Master text styles</a:t>
             </a:r>
           </a:p>
           <a:p>
             <a:pPr lvl="1"/>
             <a:r>
-              <a:rPr lang="en-US" smtClean="0"/>
+              <a:rPr lang="en-US"/>
               <a:t>Second level</a:t>
             </a:r>
           </a:p>
           <a:p>
             <a:pPr lvl="2"/>
             <a:r>
-              <a:rPr lang="en-US" smtClean="0"/>
+              <a:rPr lang="en-US"/>
               <a:t>Third level</a:t>
             </a:r>
           </a:p>
           <a:p>
             <a:pPr lvl="3"/>
             <a:r>
-              <a:rPr lang="en-US" smtClean="0"/>
+              <a:rPr lang="en-US"/>
               <a:t>Fourth level</a:t>
             </a:r>
           </a:p>
           <a:p>
             <a:pPr lvl="4"/>
             <a:r>
-              <a:rPr lang="en-US" smtClean="0"/>
+              <a:rPr lang="en-US"/>
               <a:t>Fifth level</a:t>
             </a:r>
-            <a:endParaRPr lang="en-US"/>
           </a:p>
         </p:txBody>
       </p:sp>
@@ -2233,7 +2176,7 @@
           <a:p>
             <a:fld id="{3C382A1F-4032-43D1-BD10-77E052CF27F5}" type="datetime1">
               <a:rPr lang="en-US" smtClean="0"/>
-              <a:t>3/6/2022</a:t>
+              <a:t>9/7/2022</a:t>
             </a:fld>
             <a:endParaRPr lang="en-US"/>
           </a:p>
@@ -2291,13 +2234,6 @@
   <p:clrMapOvr>
     <a:masterClrMapping/>
   </p:clrMapOvr>
-  <p:timing>
-    <p:tnLst>
-      <p:par>
-        <p:cTn id="1" dur="indefinite" restart="never" nodeType="tmRoot"/>
-      </p:par>
-    </p:tnLst>
-  </p:timing>
 </p:sldLayout>
 </file>
 
@@ -2334,10 +2270,9 @@
           <a:lstStyle/>
           <a:p>
             <a:r>
-              <a:rPr lang="en-US" dirty="0" smtClean="0"/>
+              <a:rPr lang="en-US" dirty="0"/>
               <a:t>Click to edit Master title style</a:t>
             </a:r>
-            <a:endParaRPr lang="en-US" dirty="0"/>
           </a:p>
         </p:txBody>
       </p:sp>
@@ -2358,7 +2293,7 @@
           <a:p>
             <a:fld id="{1CB73BAB-CD64-4C6A-BCE5-D9090BFDB7C6}" type="datetime1">
               <a:rPr lang="en-US" smtClean="0"/>
-              <a:t>3/6/2022</a:t>
+              <a:t>9/7/2022</a:t>
             </a:fld>
             <a:endParaRPr lang="en-US"/>
           </a:p>
@@ -2416,13 +2351,6 @@
   <p:clrMapOvr>
     <a:masterClrMapping/>
   </p:clrMapOvr>
-  <p:timing>
-    <p:tnLst>
-      <p:par>
-        <p:cTn id="1" dur="indefinite" restart="never" nodeType="tmRoot"/>
-      </p:par>
-    </p:tnLst>
-  </p:timing>
 </p:sldLayout>
 </file>
 
@@ -2460,7 +2388,7 @@
           <a:p>
             <a:fld id="{677D7CF7-D283-4BF6-935D-CE9E9A7EE348}" type="datetime1">
               <a:rPr lang="en-US" smtClean="0"/>
-              <a:t>3/6/2022</a:t>
+              <a:t>9/7/2022</a:t>
             </a:fld>
             <a:endParaRPr lang="en-US"/>
           </a:p>
@@ -2518,13 +2446,6 @@
   <p:clrMapOvr>
     <a:masterClrMapping/>
   </p:clrMapOvr>
-  <p:timing>
-    <p:tnLst>
-      <p:par>
-        <p:cTn id="1" dur="indefinite" restart="never" nodeType="tmRoot"/>
-      </p:par>
-    </p:tnLst>
-  </p:timing>
 </p:sldLayout>
 </file>
 
@@ -2570,10 +2491,9 @@
           </a:lstStyle>
           <a:p>
             <a:r>
-              <a:rPr lang="en-US" smtClean="0"/>
+              <a:rPr lang="en-US"/>
               <a:t>Click to edit Master title style</a:t>
             </a:r>
-            <a:endParaRPr lang="en-US"/>
           </a:p>
         </p:txBody>
       </p:sp>
@@ -2627,38 +2547,37 @@
           <a:p>
             <a:pPr lvl="0"/>
             <a:r>
-              <a:rPr lang="en-US" smtClean="0"/>
+              <a:rPr lang="en-US"/>
               <a:t>Edit Master text styles</a:t>
             </a:r>
           </a:p>
           <a:p>
             <a:pPr lvl="1"/>
             <a:r>
-              <a:rPr lang="en-US" smtClean="0"/>
+              <a:rPr lang="en-US"/>
               <a:t>Second level</a:t>
             </a:r>
           </a:p>
           <a:p>
             <a:pPr lvl="2"/>
             <a:r>
-              <a:rPr lang="en-US" smtClean="0"/>
+              <a:rPr lang="en-US"/>
               <a:t>Third level</a:t>
             </a:r>
           </a:p>
           <a:p>
             <a:pPr lvl="3"/>
             <a:r>
-              <a:rPr lang="en-US" smtClean="0"/>
+              <a:rPr lang="en-US"/>
               <a:t>Fourth level</a:t>
             </a:r>
           </a:p>
           <a:p>
             <a:pPr lvl="4"/>
             <a:r>
-              <a:rPr lang="en-US" smtClean="0"/>
+              <a:rPr lang="en-US"/>
               <a:t>Fifth level</a:t>
             </a:r>
-            <a:endParaRPr lang="en-US"/>
           </a:p>
         </p:txBody>
       </p:sp>
@@ -2721,7 +2640,7 @@
           <a:p>
             <a:pPr lvl="0"/>
             <a:r>
-              <a:rPr lang="en-US" smtClean="0"/>
+              <a:rPr lang="en-US"/>
               <a:t>Edit Master text styles</a:t>
             </a:r>
           </a:p>
@@ -2744,7 +2663,7 @@
           <a:p>
             <a:fld id="{BC825614-AC55-46C2-BF6E-FD24F0AAF974}" type="datetime1">
               <a:rPr lang="en-US" smtClean="0"/>
-              <a:t>3/6/2022</a:t>
+              <a:t>9/7/2022</a:t>
             </a:fld>
             <a:endParaRPr lang="en-US"/>
           </a:p>
@@ -2847,10 +2766,9 @@
           </a:lstStyle>
           <a:p>
             <a:r>
-              <a:rPr lang="en-US" smtClean="0"/>
+              <a:rPr lang="en-US"/>
               <a:t>Click to edit Master title style</a:t>
             </a:r>
-            <a:endParaRPr lang="en-US"/>
           </a:p>
         </p:txBody>
       </p:sp>
@@ -2974,7 +2892,7 @@
           <a:p>
             <a:pPr lvl="0"/>
             <a:r>
-              <a:rPr lang="en-US" smtClean="0"/>
+              <a:rPr lang="en-US"/>
               <a:t>Edit Master text styles</a:t>
             </a:r>
           </a:p>
@@ -2997,7 +2915,7 @@
           <a:p>
             <a:fld id="{4A8FC662-AA08-4B9A-83D0-BB2961D73107}" type="datetime1">
               <a:rPr lang="en-US" smtClean="0"/>
-              <a:t>3/6/2022</a:t>
+              <a:t>9/7/2022</a:t>
             </a:fld>
             <a:endParaRPr lang="en-US"/>
           </a:p>
@@ -3106,10 +3024,9 @@
           <a:lstStyle/>
           <a:p>
             <a:r>
-              <a:rPr lang="en-US" smtClean="0"/>
+              <a:rPr lang="en-US"/>
               <a:t>Click to edit Master title style</a:t>
             </a:r>
-            <a:endParaRPr lang="en-US"/>
           </a:p>
         </p:txBody>
       </p:sp>
@@ -3140,38 +3057,37 @@
           <a:p>
             <a:pPr lvl="0"/>
             <a:r>
-              <a:rPr lang="en-US" dirty="0" smtClean="0"/>
+              <a:rPr lang="en-US" dirty="0"/>
               <a:t>Edit Master text styles</a:t>
             </a:r>
           </a:p>
           <a:p>
             <a:pPr lvl="1"/>
             <a:r>
-              <a:rPr lang="en-US" dirty="0" smtClean="0"/>
+              <a:rPr lang="en-US" dirty="0"/>
               <a:t>Second level</a:t>
             </a:r>
           </a:p>
           <a:p>
             <a:pPr lvl="2"/>
             <a:r>
-              <a:rPr lang="en-US" dirty="0" smtClean="0"/>
+              <a:rPr lang="en-US" dirty="0"/>
               <a:t>Third level</a:t>
             </a:r>
           </a:p>
           <a:p>
             <a:pPr lvl="3"/>
             <a:r>
-              <a:rPr lang="en-US" dirty="0" smtClean="0"/>
+              <a:rPr lang="en-US" dirty="0"/>
               <a:t>Fourth level</a:t>
             </a:r>
           </a:p>
           <a:p>
             <a:pPr lvl="4"/>
             <a:r>
-              <a:rPr lang="en-US" dirty="0" smtClean="0"/>
+              <a:rPr lang="en-US" dirty="0"/>
               <a:t>Fifth level</a:t>
             </a:r>
-            <a:endParaRPr lang="en-US" dirty="0"/>
           </a:p>
         </p:txBody>
       </p:sp>
@@ -3210,7 +3126,7 @@
           <a:p>
             <a:fld id="{B1F2204A-5419-4B55-8721-AD73E7233CEF}" type="datetime1">
               <a:rPr lang="en-US" smtClean="0"/>
-              <a:t>3/6/2022</a:t>
+              <a:t>9/7/2022</a:t>
             </a:fld>
             <a:endParaRPr lang="en-US"/>
           </a:p>
@@ -3315,13 +3231,6 @@
     <p:sldLayoutId id="2147483658" r:id="rId10"/>
     <p:sldLayoutId id="2147483659" r:id="rId11"/>
   </p:sldLayoutIdLst>
-  <p:timing>
-    <p:tnLst>
-      <p:par>
-        <p:cTn id="1" dur="indefinite" restart="never" nodeType="tmRoot"/>
-      </p:par>
-    </p:tnLst>
-  </p:timing>
   <p:hf hdr="0" ftr="0" dt="0"/>
   <p:txStyles>
     <p:titleStyle>
@@ -3646,14 +3555,11 @@
           <a:lstStyle/>
           <a:p>
             <a:r>
-              <a:rPr lang="en-US" sz="7200" b="1" dirty="0" smtClean="0">
+              <a:rPr lang="en-US" sz="7200" b="1" dirty="0">
                 <a:latin typeface="Be Vietnam" panose="00000500000000000000" pitchFamily="2" charset="-93"/>
               </a:rPr>
               <a:t>Gradient Descent</a:t>
             </a:r>
-            <a:endParaRPr lang="en-US" sz="7200" b="1" dirty="0">
-              <a:latin typeface="Be Vietnam" panose="00000500000000000000" pitchFamily="2" charset="-93"/>
-            </a:endParaRPr>
           </a:p>
         </p:txBody>
       </p:sp>
@@ -3673,26 +3579,23 @@
           <a:lstStyle/>
           <a:p>
             <a:r>
-              <a:rPr lang="en-US" dirty="0" smtClean="0">
+              <a:rPr lang="en-US" dirty="0">
                 <a:latin typeface="Be Vietnam" panose="00000500000000000000" pitchFamily="2" charset="-93"/>
               </a:rPr>
               <a:t>Ngô </a:t>
             </a:r>
             <a:r>
-              <a:rPr lang="en-US" dirty="0" err="1" smtClean="0">
+              <a:rPr lang="en-US" dirty="0" err="1">
                 <a:latin typeface="Be Vietnam" panose="00000500000000000000" pitchFamily="2" charset="-93"/>
               </a:rPr>
               <a:t>Doãn</a:t>
             </a:r>
             <a:r>
-              <a:rPr lang="en-US" dirty="0" smtClean="0">
+              <a:rPr lang="en-US" dirty="0">
                 <a:latin typeface="Be Vietnam" panose="00000500000000000000" pitchFamily="2" charset="-93"/>
               </a:rPr>
               <a:t> Thịnh</a:t>
             </a:r>
-            <a:endParaRPr lang="en-US" dirty="0">
-              <a:latin typeface="Be Vietnam" panose="00000500000000000000" pitchFamily="2" charset="-93"/>
-            </a:endParaRPr>
           </a:p>
         </p:txBody>
       </p:sp>
@@ -3736,13 +3639,6 @@
   <p:clrMapOvr>
     <a:masterClrMapping/>
   </p:clrMapOvr>
-  <p:timing>
-    <p:tnLst>
-      <p:par>
-        <p:cTn id="1" dur="indefinite" restart="never" nodeType="tmRoot"/>
-      </p:par>
-    </p:tnLst>
-  </p:timing>
 </p:sld>
 </file>
 
@@ -3779,39 +3675,39 @@
           <a:lstStyle/>
           <a:p>
             <a:r>
-              <a:rPr lang="en-US" dirty="0" err="1" smtClean="0"/>
+              <a:rPr lang="en-US" dirty="0" err="1"/>
               <a:t>Cực</a:t>
             </a:r>
             <a:r>
-              <a:rPr lang="en-US" dirty="0" smtClean="0"/>
+              <a:rPr lang="en-US" dirty="0"/>
               <a:t> </a:t>
             </a:r>
             <a:r>
-              <a:rPr lang="en-US" dirty="0" err="1" smtClean="0"/>
+              <a:rPr lang="en-US" dirty="0" err="1"/>
               <a:t>trị</a:t>
             </a:r>
             <a:r>
-              <a:rPr lang="en-US" dirty="0" smtClean="0"/>
+              <a:rPr lang="en-US" dirty="0"/>
               <a:t> </a:t>
             </a:r>
             <a:r>
-              <a:rPr lang="en-US" dirty="0" err="1" smtClean="0"/>
+              <a:rPr lang="en-US" dirty="0" err="1"/>
               <a:t>của</a:t>
             </a:r>
             <a:r>
-              <a:rPr lang="en-US" dirty="0" smtClean="0"/>
+              <a:rPr lang="en-US" dirty="0"/>
               <a:t> </a:t>
             </a:r>
             <a:r>
-              <a:rPr lang="en-US" dirty="0" err="1" smtClean="0"/>
+              <a:rPr lang="en-US" dirty="0" err="1"/>
               <a:t>hàm</a:t>
             </a:r>
             <a:r>
-              <a:rPr lang="en-US" dirty="0" smtClean="0"/>
+              <a:rPr lang="en-US" dirty="0"/>
               <a:t> </a:t>
             </a:r>
             <a:r>
-              <a:rPr lang="en-US" dirty="0" err="1" smtClean="0"/>
+              <a:rPr lang="en-US" dirty="0" err="1"/>
               <a:t>số</a:t>
             </a:r>
             <a:endParaRPr lang="en-US" dirty="0"/>
@@ -3842,18 +3738,13 @@
           <a:p>
             <a:pPr algn="ctr"/>
             <a:r>
-              <a:rPr lang="en-US" sz="3600" dirty="0" smtClean="0">
+              <a:rPr lang="en-US" sz="3600" dirty="0">
                 <a:solidFill>
                   <a:schemeClr val="bg1"/>
                 </a:solidFill>
               </a:rPr>
               <a:t>1</a:t>
             </a:r>
-            <a:endParaRPr lang="en-US" sz="3600" dirty="0">
-              <a:solidFill>
-                <a:schemeClr val="bg1"/>
-              </a:solidFill>
-            </a:endParaRPr>
           </a:p>
         </p:txBody>
       </p:sp>
@@ -3921,7 +3812,7 @@
                         <a:p>
                           <a:pPr algn="ctr"/>
                           <a:r>
-                            <a:rPr lang="en-US" sz="1400" b="0" dirty="0" smtClean="0">
+                            <a:rPr lang="en-US" sz="1400" b="0" dirty="0">
                               <a:solidFill>
                                 <a:schemeClr val="tx1"/>
                               </a:solidFill>
@@ -3929,12 +3820,6 @@
                             </a:rPr>
                             <a:t>x</a:t>
                           </a:r>
-                          <a:endParaRPr lang="en-US" sz="1400" b="0" dirty="0">
-                            <a:solidFill>
-                              <a:schemeClr val="tx1"/>
-                            </a:solidFill>
-                            <a:latin typeface="Be Vietnam Light" panose="00000400000000000000" pitchFamily="2" charset="-93"/>
-                          </a:endParaRPr>
                         </a:p>
                       </a:txBody>
                       <a:tcPr anchor="ctr">
@@ -4075,18 +3960,13 @@
                             </a:tabLst>
                           </a:pPr>
                           <a:r>
-                            <a:rPr lang="en-US" sz="1400" b="0" i="0" dirty="0" smtClean="0">
+                            <a:rPr lang="en-US" sz="1400" b="0" i="0" dirty="0">
                               <a:solidFill>
                                 <a:schemeClr val="tx1"/>
                               </a:solidFill>
                             </a:rPr>
                             <a:t>2</a:t>
                           </a:r>
-                          <a:endParaRPr lang="en-US" sz="1400" b="0" i="0" dirty="0">
-                            <a:solidFill>
-                              <a:schemeClr val="tx1"/>
-                            </a:solidFill>
-                          </a:endParaRPr>
                         </a:p>
                       </a:txBody>
                       <a:tcPr anchor="ctr">
@@ -4351,14 +4231,11 @@
                         <a:p>
                           <a:pPr algn="ctr"/>
                           <a:r>
-                            <a:rPr lang="en-US" sz="1400" dirty="0" smtClean="0">
+                            <a:rPr lang="en-US" sz="1400" dirty="0">
                               <a:latin typeface="Be Vietnam Light" panose="00000400000000000000" pitchFamily="2" charset="-93"/>
                             </a:rPr>
                             <a:t>-</a:t>
                           </a:r>
-                          <a:endParaRPr lang="en-US" sz="1400" dirty="0">
-                            <a:latin typeface="Be Vietnam Light" panose="00000400000000000000" pitchFamily="2" charset="-93"/>
-                          </a:endParaRPr>
                         </a:p>
                       </a:txBody>
                       <a:tcPr anchor="ctr">
@@ -4416,14 +4293,11 @@
                         <a:p>
                           <a:pPr algn="ctr"/>
                           <a:r>
-                            <a:rPr lang="en-US" sz="1400" dirty="0" smtClean="0">
+                            <a:rPr lang="en-US" sz="1400" dirty="0">
                               <a:latin typeface="Be Vietnam Light" panose="00000400000000000000" pitchFamily="2" charset="-93"/>
                             </a:rPr>
                             <a:t>0</a:t>
                           </a:r>
-                          <a:endParaRPr lang="en-US" sz="1400" dirty="0">
-                            <a:latin typeface="Be Vietnam Light" panose="00000400000000000000" pitchFamily="2" charset="-93"/>
-                          </a:endParaRPr>
                         </a:p>
                       </a:txBody>
                       <a:tcPr anchor="ctr">
@@ -4479,14 +4353,11 @@
                         <a:p>
                           <a:pPr algn="ctr"/>
                           <a:r>
-                            <a:rPr lang="en-US" sz="1400" dirty="0" smtClean="0">
+                            <a:rPr lang="en-US" sz="1400" dirty="0">
                               <a:latin typeface="Be Vietnam Light" panose="00000400000000000000" pitchFamily="2" charset="-93"/>
                             </a:rPr>
                             <a:t>+</a:t>
                           </a:r>
-                          <a:endParaRPr lang="en-US" sz="1400" dirty="0">
-                            <a:latin typeface="Be Vietnam Light" panose="00000400000000000000" pitchFamily="2" charset="-93"/>
-                          </a:endParaRPr>
                         </a:p>
                       </a:txBody>
                       <a:tcPr anchor="ctr">
@@ -4735,10 +4606,9 @@
                         <a:p>
                           <a:pPr algn="ctr"/>
                           <a:r>
-                            <a:rPr lang="en-US" sz="1400" dirty="0" smtClean="0"/>
+                            <a:rPr lang="en-US" sz="1400" dirty="0"/>
                             <a:t>4</a:t>
                           </a:r>
-                          <a:endParaRPr lang="en-US" sz="1400" dirty="0"/>
                         </a:p>
                       </a:txBody>
                       <a:tcPr anchor="b">
@@ -5794,12 +5664,8 @@
               <a:buChar char="§"/>
             </a:pPr>
             <a:r>
-              <a:rPr lang="vi-VN" dirty="0" smtClean="0"/>
-              <a:t>Cực </a:t>
-            </a:r>
-            <a:r>
               <a:rPr lang="vi-VN" dirty="0"/>
-              <a:t>trị của hàm số là điểm có </a:t>
+              <a:t>Cực trị của hàm số là điểm có </a:t>
             </a:r>
             <a:r>
               <a:rPr lang="vi-VN" b="1" dirty="0"/>
@@ -5817,7 +5683,7 @@
               <a:rPr lang="vi-VN" dirty="0"/>
               <a:t>so với xung quanh mà hàm số có thể đạt được. </a:t>
             </a:r>
-            <a:endParaRPr lang="en-US" dirty="0" smtClean="0"/>
+            <a:endParaRPr lang="en-US" dirty="0"/>
           </a:p>
           <a:p>
             <a:pPr marL="285750" indent="-285750" algn="just">
@@ -5829,13 +5695,8 @@
             </a:pPr>
             <a:r>
               <a:rPr lang="vi-VN" dirty="0"/>
-              <a:t>Đường tiếp tuyến với đồ thị hàm số đó tại 1 điểm bất kỳ có hệ số góc chính bằng đạo hàm của hàm số tại điểm đó</a:t>
+              <a:t>Đường tiếp tuyến với đồ thị hàm số đó tại 1 điểm bất kỳ có hệ số góc chính bằng đạo hàm của hàm số tại điểm đó.</a:t>
             </a:r>
-            <a:r>
-              <a:rPr lang="vi-VN" dirty="0" smtClean="0"/>
-              <a:t>.</a:t>
-            </a:r>
-            <a:endParaRPr lang="vi-VN" dirty="0"/>
           </a:p>
         </p:txBody>
       </p:sp>
@@ -5901,13 +5762,6 @@
   <p:clrMapOvr>
     <a:masterClrMapping/>
   </p:clrMapOvr>
-  <p:timing>
-    <p:tnLst>
-      <p:par>
-        <p:cTn id="1" dur="indefinite" restart="never" nodeType="tmRoot"/>
-      </p:par>
-    </p:tnLst>
-  </p:timing>
 </p:sld>
 </file>
 
@@ -5944,34 +5798,34 @@
           <a:lstStyle/>
           <a:p>
             <a:r>
-              <a:rPr lang="en-US" dirty="0" smtClean="0"/>
+              <a:rPr lang="en-US" dirty="0"/>
               <a:t>Gradient Descent</a:t>
             </a:r>
             <a:br>
-              <a:rPr lang="en-US" dirty="0" smtClean="0"/>
+              <a:rPr lang="en-US" dirty="0"/>
             </a:br>
             <a:r>
-              <a:rPr lang="en-US" sz="1600" dirty="0" smtClean="0"/>
+              <a:rPr lang="en-US" sz="1600" dirty="0"/>
               <a:t>Gradient Descent </a:t>
             </a:r>
             <a:r>
-              <a:rPr lang="en-US" sz="1600" dirty="0" err="1" smtClean="0"/>
+              <a:rPr lang="en-US" sz="1600" dirty="0" err="1"/>
               <a:t>cho</a:t>
             </a:r>
             <a:r>
-              <a:rPr lang="en-US" sz="1600" dirty="0" smtClean="0"/>
+              <a:rPr lang="en-US" sz="1600" dirty="0"/>
               <a:t> 1 </a:t>
             </a:r>
             <a:r>
-              <a:rPr lang="en-US" sz="1600" dirty="0" err="1" smtClean="0"/>
+              <a:rPr lang="en-US" sz="1600" dirty="0" err="1"/>
               <a:t>biến</a:t>
             </a:r>
             <a:endParaRPr lang="en-US" sz="1800" dirty="0"/>
           </a:p>
         </p:txBody>
       </p:sp>
-      <mc:AlternateContent xmlns:mc="http://schemas.openxmlformats.org/markup-compatibility/2006" xmlns:a14="http://schemas.microsoft.com/office/drawing/2010/main">
-        <mc:Choice Requires="a14">
+      <mc:AlternateContent xmlns:mc="http://schemas.openxmlformats.org/markup-compatibility/2006">
+        <mc:Choice xmlns:a14="http://schemas.microsoft.com/office/drawing/2010/main" Requires="a14">
           <p:sp>
             <p:nvSpPr>
               <p:cNvPr id="3" name="Content Placeholder 2"/>
@@ -5997,135 +5851,135 @@
                   <a:buChar char="§"/>
                 </a:pPr>
                 <a:r>
-                  <a:rPr lang="en-US" sz="1800" dirty="0" smtClean="0"/>
+                  <a:rPr lang="en-US" sz="1800" dirty="0"/>
                   <a:t>Nhìn </a:t>
                 </a:r>
                 <a:r>
-                  <a:rPr lang="en-US" sz="1800" dirty="0" err="1" smtClean="0"/>
+                  <a:rPr lang="en-US" sz="1800" dirty="0" err="1"/>
                   <a:t>chung</a:t>
                 </a:r>
                 <a:r>
-                  <a:rPr lang="en-US" sz="1800" dirty="0" smtClean="0"/>
+                  <a:rPr lang="en-US" sz="1800" dirty="0"/>
                   <a:t>, </a:t>
                 </a:r>
                 <a:r>
-                  <a:rPr lang="en-US" sz="1800" dirty="0" err="1" smtClean="0"/>
+                  <a:rPr lang="en-US" sz="1800" dirty="0" err="1"/>
                   <a:t>trong</a:t>
                 </a:r>
                 <a:r>
-                  <a:rPr lang="en-US" sz="1800" dirty="0" smtClean="0"/>
-                  <a:t> </a:t>
-                </a:r>
-                <a:r>
-                  <a:rPr lang="en-US" sz="1800" dirty="0" err="1" smtClean="0"/>
+                  <a:rPr lang="en-US" sz="1800" dirty="0"/>
+                  <a:t> </a:t>
+                </a:r>
+                <a:r>
+                  <a:rPr lang="en-US" sz="1800" dirty="0" err="1"/>
                   <a:t>các</a:t>
                 </a:r>
                 <a:r>
-                  <a:rPr lang="en-US" sz="1800" dirty="0" smtClean="0"/>
-                  <a:t> </a:t>
-                </a:r>
-                <a:r>
-                  <a:rPr lang="en-US" sz="1800" dirty="0" err="1" smtClean="0"/>
+                  <a:rPr lang="en-US" sz="1800" dirty="0"/>
+                  <a:t> </a:t>
+                </a:r>
+                <a:r>
+                  <a:rPr lang="en-US" sz="1800" dirty="0" err="1"/>
                   <a:t>bài</a:t>
                 </a:r>
                 <a:r>
-                  <a:rPr lang="en-US" sz="1800" dirty="0" smtClean="0"/>
-                  <a:t> </a:t>
-                </a:r>
-                <a:r>
-                  <a:rPr lang="en-US" sz="1800" dirty="0" err="1" smtClean="0"/>
+                  <a:rPr lang="en-US" sz="1800" dirty="0"/>
+                  <a:t> </a:t>
+                </a:r>
+                <a:r>
+                  <a:rPr lang="en-US" sz="1800" dirty="0" err="1"/>
                   <a:t>toán</a:t>
                 </a:r>
                 <a:r>
-                  <a:rPr lang="en-US" sz="1800" dirty="0" smtClean="0"/>
+                  <a:rPr lang="en-US" sz="1800" dirty="0"/>
                   <a:t> Machine Learning, </a:t>
                 </a:r>
                 <a:r>
-                  <a:rPr lang="en-US" sz="1800" dirty="0" err="1" smtClean="0"/>
+                  <a:rPr lang="en-US" sz="1800" dirty="0" err="1"/>
                   <a:t>chúng</a:t>
                 </a:r>
                 <a:r>
-                  <a:rPr lang="en-US" sz="1800" dirty="0" smtClean="0"/>
+                  <a:rPr lang="en-US" sz="1800" dirty="0"/>
                   <a:t> ta </a:t>
                 </a:r>
                 <a:r>
-                  <a:rPr lang="en-US" sz="1800" dirty="0" err="1" smtClean="0"/>
+                  <a:rPr lang="en-US" sz="1800" dirty="0" err="1"/>
                   <a:t>thường</a:t>
                 </a:r>
                 <a:r>
-                  <a:rPr lang="en-US" sz="1800" dirty="0" smtClean="0"/>
-                  <a:t> </a:t>
-                </a:r>
-                <a:r>
-                  <a:rPr lang="en-US" sz="1800" dirty="0" err="1" smtClean="0"/>
+                  <a:rPr lang="en-US" sz="1800" dirty="0"/>
+                  <a:t> </a:t>
+                </a:r>
+                <a:r>
+                  <a:rPr lang="en-US" sz="1800" dirty="0" err="1"/>
                   <a:t>sẽ</a:t>
                 </a:r>
                 <a:r>
-                  <a:rPr lang="en-US" sz="1800" dirty="0" smtClean="0"/>
-                  <a:t> </a:t>
-                </a:r>
-                <a:r>
-                  <a:rPr lang="en-US" sz="1800" dirty="0" err="1" smtClean="0"/>
+                  <a:rPr lang="en-US" sz="1800" dirty="0"/>
+                  <a:t> </a:t>
+                </a:r>
+                <a:r>
+                  <a:rPr lang="en-US" sz="1800" dirty="0" err="1"/>
                   <a:t>cố</a:t>
                 </a:r>
                 <a:r>
-                  <a:rPr lang="en-US" sz="1800" dirty="0" smtClean="0"/>
-                  <a:t> </a:t>
-                </a:r>
-                <a:r>
-                  <a:rPr lang="en-US" sz="1800" dirty="0" err="1" smtClean="0"/>
+                  <a:rPr lang="en-US" sz="1800" dirty="0"/>
+                  <a:t> </a:t>
+                </a:r>
+                <a:r>
+                  <a:rPr lang="en-US" sz="1800" dirty="0" err="1"/>
                   <a:t>gắng</a:t>
                 </a:r>
                 <a:r>
-                  <a:rPr lang="en-US" sz="1800" dirty="0" smtClean="0"/>
-                  <a:t> </a:t>
-                </a:r>
-                <a:r>
-                  <a:rPr lang="en-US" sz="1800" dirty="0" err="1" smtClean="0"/>
+                  <a:rPr lang="en-US" sz="1800" dirty="0"/>
+                  <a:t> </a:t>
+                </a:r>
+                <a:r>
+                  <a:rPr lang="en-US" sz="1800" dirty="0" err="1"/>
                   <a:t>tìm</a:t>
                 </a:r>
                 <a:r>
-                  <a:rPr lang="en-US" sz="1800" dirty="0" smtClean="0"/>
-                  <a:t> </a:t>
-                </a:r>
-                <a:r>
-                  <a:rPr lang="en-US" sz="1800" dirty="0" err="1" smtClean="0"/>
+                  <a:rPr lang="en-US" sz="1800" dirty="0"/>
+                  <a:t> </a:t>
+                </a:r>
+                <a:r>
+                  <a:rPr lang="en-US" sz="1800" dirty="0" err="1"/>
                   <a:t>những</a:t>
                 </a:r>
                 <a:r>
-                  <a:rPr lang="en-US" sz="1800" dirty="0" smtClean="0"/>
-                  <a:t> </a:t>
-                </a:r>
-                <a:r>
-                  <a:rPr lang="en-US" sz="1800" dirty="0" err="1" smtClean="0"/>
+                  <a:rPr lang="en-US" sz="1800" dirty="0"/>
+                  <a:t> </a:t>
+                </a:r>
+                <a:r>
+                  <a:rPr lang="en-US" sz="1800" dirty="0" err="1"/>
                   <a:t>điểm</a:t>
                 </a:r>
                 <a:r>
-                  <a:rPr lang="en-US" sz="1800" dirty="0" smtClean="0"/>
-                  <a:t> </a:t>
-                </a:r>
-                <a:r>
-                  <a:rPr lang="en-US" sz="1800" dirty="0" err="1" smtClean="0"/>
+                  <a:rPr lang="en-US" sz="1800" dirty="0"/>
+                  <a:t> </a:t>
+                </a:r>
+                <a:r>
+                  <a:rPr lang="en-US" sz="1800" dirty="0" err="1"/>
                   <a:t>cực</a:t>
                 </a:r>
                 <a:r>
-                  <a:rPr lang="en-US" sz="1800" dirty="0" smtClean="0"/>
-                  <a:t> </a:t>
-                </a:r>
-                <a:r>
-                  <a:rPr lang="en-US" sz="1800" dirty="0" err="1" smtClean="0"/>
+                  <a:rPr lang="en-US" sz="1800" dirty="0"/>
+                  <a:t> </a:t>
+                </a:r>
+                <a:r>
+                  <a:rPr lang="en-US" sz="1800" dirty="0" err="1"/>
                   <a:t>tiểu</a:t>
                 </a:r>
                 <a:r>
-                  <a:rPr lang="en-US" sz="1800" dirty="0" smtClean="0"/>
+                  <a:rPr lang="en-US" sz="1800" dirty="0"/>
                   <a:t> (local </a:t>
                 </a:r>
                 <a:r>
-                  <a:rPr lang="en-US" sz="1800" dirty="0" err="1" smtClean="0"/>
+                  <a:rPr lang="en-US" sz="1800" dirty="0" err="1"/>
                   <a:t>minimun</a:t>
                 </a:r>
                 <a:r>
-                  <a:rPr lang="en-US" sz="1800" dirty="0" smtClean="0"/>
+                  <a:rPr lang="en-US" sz="1800" dirty="0"/>
                   <a:t>).</a:t>
                 </a:r>
               </a:p>
@@ -6138,107 +5992,107 @@
                   <a:buChar char="Þ"/>
                 </a:pPr>
                 <a:r>
-                  <a:rPr lang="en-US" sz="1400" dirty="0" err="1" smtClean="0"/>
+                  <a:rPr lang="en-US" sz="1400" dirty="0" err="1"/>
                   <a:t>Các</a:t>
                 </a:r>
                 <a:r>
-                  <a:rPr lang="en-US" sz="1400" dirty="0" smtClean="0"/>
-                  <a:t> </a:t>
-                </a:r>
-                <a:r>
-                  <a:rPr lang="en-US" sz="1400" dirty="0" err="1" smtClean="0"/>
+                  <a:rPr lang="en-US" sz="1400" dirty="0"/>
+                  <a:t> </a:t>
+                </a:r>
+                <a:r>
+                  <a:rPr lang="en-US" sz="1400" dirty="0" err="1"/>
                   <a:t>điểm</a:t>
                 </a:r>
                 <a:r>
-                  <a:rPr lang="en-US" sz="1400" dirty="0" smtClean="0"/>
+                  <a:rPr lang="en-US" sz="1400" dirty="0"/>
                   <a:t> local </a:t>
                 </a:r>
                 <a:r>
-                  <a:rPr lang="en-US" sz="1400" dirty="0" err="1" smtClean="0"/>
+                  <a:rPr lang="en-US" sz="1400" dirty="0" err="1"/>
                   <a:t>minimun</a:t>
                 </a:r>
                 <a:r>
-                  <a:rPr lang="en-US" sz="1400" dirty="0" smtClean="0"/>
-                  <a:t> </a:t>
-                </a:r>
-                <a:r>
-                  <a:rPr lang="en-US" sz="1400" dirty="0" err="1" smtClean="0"/>
+                  <a:rPr lang="en-US" sz="1400" dirty="0"/>
+                  <a:t> </a:t>
+                </a:r>
+                <a:r>
+                  <a:rPr lang="en-US" sz="1400" dirty="0" err="1"/>
                   <a:t>là</a:t>
                 </a:r>
                 <a:r>
-                  <a:rPr lang="en-US" sz="1400" dirty="0" smtClean="0"/>
-                  <a:t> </a:t>
-                </a:r>
-                <a:r>
-                  <a:rPr lang="en-US" sz="1400" dirty="0" err="1" smtClean="0"/>
+                  <a:rPr lang="en-US" sz="1400" dirty="0"/>
+                  <a:t> </a:t>
+                </a:r>
+                <a:r>
+                  <a:rPr lang="en-US" sz="1400" dirty="0" err="1"/>
                   <a:t>nghiệm</a:t>
                 </a:r>
                 <a:r>
-                  <a:rPr lang="en-US" sz="1400" dirty="0" smtClean="0"/>
-                  <a:t> </a:t>
-                </a:r>
-                <a:r>
-                  <a:rPr lang="en-US" sz="1400" dirty="0" err="1" smtClean="0"/>
+                  <a:rPr lang="en-US" sz="1400" dirty="0"/>
+                  <a:t> </a:t>
+                </a:r>
+                <a:r>
+                  <a:rPr lang="en-US" sz="1400" dirty="0" err="1"/>
                   <a:t>của</a:t>
                 </a:r>
                 <a:r>
-                  <a:rPr lang="en-US" sz="1400" dirty="0" smtClean="0"/>
-                  <a:t> </a:t>
-                </a:r>
-                <a:r>
-                  <a:rPr lang="en-US" sz="1400" dirty="0" err="1" smtClean="0"/>
+                  <a:rPr lang="en-US" sz="1400" dirty="0"/>
+                  <a:t> </a:t>
+                </a:r>
+                <a:r>
+                  <a:rPr lang="en-US" sz="1400" dirty="0" err="1"/>
                   <a:t>phương</a:t>
                 </a:r>
                 <a:r>
-                  <a:rPr lang="en-US" sz="1400" dirty="0" smtClean="0"/>
-                  <a:t> </a:t>
-                </a:r>
-                <a:r>
-                  <a:rPr lang="en-US" sz="1400" dirty="0" err="1" smtClean="0"/>
+                  <a:rPr lang="en-US" sz="1400" dirty="0"/>
+                  <a:t> </a:t>
+                </a:r>
+                <a:r>
+                  <a:rPr lang="en-US" sz="1400" dirty="0" err="1"/>
                   <a:t>trình</a:t>
                 </a:r>
                 <a:r>
-                  <a:rPr lang="en-US" sz="1400" dirty="0" smtClean="0"/>
-                  <a:t> </a:t>
-                </a:r>
-                <a:r>
-                  <a:rPr lang="en-US" sz="1400" dirty="0" err="1" smtClean="0"/>
+                  <a:rPr lang="en-US" sz="1400" dirty="0"/>
+                  <a:t> </a:t>
+                </a:r>
+                <a:r>
+                  <a:rPr lang="en-US" sz="1400" dirty="0" err="1"/>
                   <a:t>đạo</a:t>
                 </a:r>
                 <a:r>
-                  <a:rPr lang="en-US" sz="1400" dirty="0" smtClean="0"/>
-                  <a:t> </a:t>
-                </a:r>
-                <a:r>
-                  <a:rPr lang="en-US" sz="1400" dirty="0" err="1" smtClean="0"/>
+                  <a:rPr lang="en-US" sz="1400" dirty="0"/>
+                  <a:t> </a:t>
+                </a:r>
+                <a:r>
+                  <a:rPr lang="en-US" sz="1400" dirty="0" err="1"/>
                   <a:t>hàm</a:t>
                 </a:r>
                 <a:r>
-                  <a:rPr lang="en-US" sz="1400" dirty="0" smtClean="0"/>
-                  <a:t> </a:t>
-                </a:r>
-                <a:r>
-                  <a:rPr lang="en-US" sz="1400" dirty="0" err="1" smtClean="0"/>
+                  <a:rPr lang="en-US" sz="1400" dirty="0"/>
+                  <a:t> </a:t>
+                </a:r>
+                <a:r>
+                  <a:rPr lang="en-US" sz="1400" dirty="0" err="1"/>
                   <a:t>của</a:t>
                 </a:r>
                 <a:r>
-                  <a:rPr lang="en-US" sz="1400" dirty="0" smtClean="0"/>
-                  <a:t> </a:t>
-                </a:r>
-                <a:r>
-                  <a:rPr lang="en-US" sz="1400" dirty="0" err="1" smtClean="0"/>
+                  <a:rPr lang="en-US" sz="1400" dirty="0"/>
+                  <a:t> </a:t>
+                </a:r>
+                <a:r>
+                  <a:rPr lang="en-US" sz="1400" dirty="0" err="1"/>
                   <a:t>hàm</a:t>
                 </a:r>
                 <a:r>
-                  <a:rPr lang="en-US" sz="1400" dirty="0" smtClean="0"/>
-                  <a:t> </a:t>
-                </a:r>
-                <a:r>
-                  <a:rPr lang="en-US" sz="1400" dirty="0" err="1" smtClean="0"/>
+                  <a:rPr lang="en-US" sz="1400" dirty="0"/>
+                  <a:t> </a:t>
+                </a:r>
+                <a:r>
+                  <a:rPr lang="en-US" sz="1400" dirty="0" err="1"/>
                   <a:t>số</a:t>
                 </a:r>
                 <a:r>
-                  <a:rPr lang="en-US" sz="1400" dirty="0" smtClean="0"/>
+                  <a:rPr lang="en-US" sz="1400" dirty="0"/>
                   <a:t>.</a:t>
                 </a:r>
               </a:p>
@@ -6251,30 +6105,30 @@
                   <a:buChar char="§"/>
                 </a:pPr>
                 <a:r>
-                  <a:rPr lang="en-US" sz="1800" dirty="0" smtClean="0"/>
+                  <a:rPr lang="en-US" sz="1800" dirty="0"/>
                   <a:t>Gradient Descent </a:t>
                 </a:r>
                 <a:r>
-                  <a:rPr lang="en-US" sz="1800" dirty="0" err="1" smtClean="0"/>
+                  <a:rPr lang="en-US" sz="1800" dirty="0" err="1"/>
                   <a:t>cho</a:t>
                 </a:r>
                 <a:r>
-                  <a:rPr lang="en-US" sz="1800" dirty="0" smtClean="0"/>
-                  <a:t> </a:t>
-                </a:r>
-                <a:r>
-                  <a:rPr lang="en-US" sz="1800" dirty="0" err="1" smtClean="0"/>
+                  <a:rPr lang="en-US" sz="1800" dirty="0"/>
+                  <a:t> </a:t>
+                </a:r>
+                <a:r>
+                  <a:rPr lang="en-US" sz="1800" dirty="0" err="1"/>
                   <a:t>hàm</a:t>
                 </a:r>
                 <a:r>
-                  <a:rPr lang="en-US" sz="1800" dirty="0" smtClean="0"/>
+                  <a:rPr lang="en-US" sz="1800" dirty="0"/>
                   <a:t> 1 </a:t>
                 </a:r>
                 <a:r>
-                  <a:rPr lang="en-US" sz="1800" dirty="0" err="1" smtClean="0"/>
+                  <a:rPr lang="en-US" sz="1800" dirty="0" err="1"/>
                   <a:t>biến</a:t>
                 </a:r>
-                <a:endParaRPr lang="en-US" sz="1800" dirty="0" smtClean="0"/>
+                <a:endParaRPr lang="en-US" sz="1800" dirty="0"/>
               </a:p>
               <a:p>
                 <a:pPr marL="742950" lvl="2" indent="-285750" algn="just">
@@ -6283,11 +6137,11 @@
                   </a:spcAft>
                 </a:pPr>
                 <a:r>
-                  <a:rPr lang="en-US" sz="1400" dirty="0" err="1" smtClean="0"/>
+                  <a:rPr lang="en-US" sz="1400" dirty="0" err="1"/>
                   <a:t>Tại</a:t>
                 </a:r>
                 <a:r>
-                  <a:rPr lang="en-US" sz="1400" dirty="0" smtClean="0"/>
+                  <a:rPr lang="en-US" sz="1400" dirty="0"/>
                   <a:t> </a:t>
                 </a:r>
                 <a14:m>
@@ -6393,11 +6247,11 @@
                   </m:oMath>
                 </a14:m>
                 <a:r>
-                  <a:rPr lang="en-US" sz="1400" dirty="0" err="1" smtClean="0"/>
+                  <a:rPr lang="en-US" sz="1400" dirty="0" err="1"/>
                   <a:t>thì</a:t>
                 </a:r>
                 <a:r>
-                  <a:rPr lang="en-US" sz="1400" dirty="0" smtClean="0"/>
+                  <a:rPr lang="en-US" sz="1400" dirty="0"/>
                   <a:t> </a:t>
                 </a:r>
                 <a14:m>
@@ -6430,87 +6284,87 @@
                   </m:oMath>
                 </a14:m>
                 <a:r>
-                  <a:rPr lang="en-US" sz="1400" dirty="0" smtClean="0"/>
-                  <a:t> </a:t>
-                </a:r>
-                <a:r>
-                  <a:rPr lang="en-US" sz="1400" dirty="0" err="1" smtClean="0"/>
+                  <a:rPr lang="en-US" sz="1400" dirty="0"/>
+                  <a:t> </a:t>
+                </a:r>
+                <a:r>
+                  <a:rPr lang="en-US" sz="1400" dirty="0" err="1"/>
                   <a:t>nằm</a:t>
                 </a:r>
                 <a:r>
-                  <a:rPr lang="en-US" sz="1400" dirty="0" smtClean="0"/>
+                  <a:rPr lang="en-US" sz="1400" dirty="0"/>
                   <a:t> ở </a:t>
                 </a:r>
                 <a:r>
-                  <a:rPr lang="en-US" sz="1400" dirty="0" err="1" smtClean="0"/>
+                  <a:rPr lang="en-US" sz="1400" dirty="0" err="1"/>
                   <a:t>bên</a:t>
                 </a:r>
                 <a:r>
-                  <a:rPr lang="en-US" sz="1400" dirty="0" smtClean="0"/>
-                  <a:t> </a:t>
-                </a:r>
-                <a:r>
-                  <a:rPr lang="en-US" sz="1400" dirty="0" err="1" smtClean="0"/>
+                  <a:rPr lang="en-US" sz="1400" dirty="0"/>
+                  <a:t> </a:t>
+                </a:r>
+                <a:r>
+                  <a:rPr lang="en-US" sz="1400" dirty="0" err="1"/>
                   <a:t>phải</a:t>
                 </a:r>
                 <a:r>
-                  <a:rPr lang="en-US" sz="1400" dirty="0" smtClean="0"/>
+                  <a:rPr lang="en-US" sz="1400" dirty="0"/>
                   <a:t> so </a:t>
                 </a:r>
                 <a:r>
-                  <a:rPr lang="en-US" sz="1400" dirty="0" err="1" smtClean="0"/>
+                  <a:rPr lang="en-US" sz="1400" dirty="0" err="1"/>
                   <a:t>với</a:t>
                 </a:r>
                 <a:r>
-                  <a:rPr lang="en-US" sz="1400" dirty="0" smtClean="0"/>
-                  <a:t> </a:t>
-                </a:r>
-                <a:r>
-                  <a:rPr lang="en-US" sz="1400" dirty="0" err="1" smtClean="0"/>
+                  <a:rPr lang="en-US" sz="1400" dirty="0"/>
+                  <a:t> </a:t>
+                </a:r>
+                <a:r>
+                  <a:rPr lang="en-US" sz="1400" dirty="0" err="1"/>
                   <a:t>điểm</a:t>
                 </a:r>
                 <a:r>
-                  <a:rPr lang="en-US" sz="1400" dirty="0" smtClean="0"/>
+                  <a:rPr lang="en-US" sz="1400" dirty="0"/>
                   <a:t> C. </a:t>
                 </a:r>
                 <a:r>
-                  <a:rPr lang="en-US" sz="1400" dirty="0" err="1" smtClean="0"/>
+                  <a:rPr lang="en-US" sz="1400" dirty="0" err="1"/>
                   <a:t>Vậy</a:t>
                 </a:r>
                 <a:r>
-                  <a:rPr lang="en-US" sz="1400" dirty="0" smtClean="0"/>
-                  <a:t> </a:t>
-                </a:r>
-                <a:r>
-                  <a:rPr lang="en-US" sz="1400" dirty="0" err="1" smtClean="0"/>
+                  <a:rPr lang="en-US" sz="1400" dirty="0"/>
+                  <a:t> </a:t>
+                </a:r>
+                <a:r>
+                  <a:rPr lang="en-US" sz="1400" dirty="0" err="1"/>
                   <a:t>để</a:t>
                 </a:r>
                 <a:r>
-                  <a:rPr lang="en-US" sz="1400" dirty="0" smtClean="0"/>
-                  <a:t> </a:t>
-                </a:r>
-                <a:r>
-                  <a:rPr lang="en-US" sz="1400" dirty="0" err="1" smtClean="0"/>
+                  <a:rPr lang="en-US" sz="1400" dirty="0"/>
+                  <a:t> </a:t>
+                </a:r>
+                <a:r>
+                  <a:rPr lang="en-US" sz="1400" dirty="0" err="1"/>
                   <a:t>tiến</a:t>
                 </a:r>
                 <a:r>
-                  <a:rPr lang="en-US" sz="1400" dirty="0" smtClean="0"/>
-                  <a:t> </a:t>
-                </a:r>
-                <a:r>
-                  <a:rPr lang="en-US" sz="1400" dirty="0" err="1" smtClean="0"/>
+                  <a:rPr lang="en-US" sz="1400" dirty="0"/>
+                  <a:t> </a:t>
+                </a:r>
+                <a:r>
+                  <a:rPr lang="en-US" sz="1400" dirty="0" err="1"/>
                   <a:t>gần</a:t>
                 </a:r>
                 <a:r>
-                  <a:rPr lang="en-US" sz="1400" dirty="0" smtClean="0"/>
-                  <a:t> </a:t>
-                </a:r>
-                <a:r>
-                  <a:rPr lang="en-US" sz="1400" dirty="0" err="1" smtClean="0"/>
+                  <a:rPr lang="en-US" sz="1400" dirty="0"/>
+                  <a:t> </a:t>
+                </a:r>
+                <a:r>
+                  <a:rPr lang="en-US" sz="1400" dirty="0" err="1"/>
                   <a:t>điểm</a:t>
                 </a:r>
                 <a:r>
-                  <a:rPr lang="en-US" sz="1400" dirty="0" smtClean="0"/>
+                  <a:rPr lang="en-US" sz="1400" dirty="0"/>
                   <a:t> C, </a:t>
                 </a:r>
               </a:p>
@@ -6522,27 +6376,27 @@
                   <a:buNone/>
                 </a:pPr>
                 <a:r>
-                  <a:rPr lang="en-US" sz="1400" dirty="0" err="1" smtClean="0"/>
+                  <a:rPr lang="en-US" sz="1400" dirty="0" err="1"/>
                   <a:t>thì</a:t>
                 </a:r>
                 <a:r>
-                  <a:rPr lang="en-US" sz="1400" dirty="0" smtClean="0"/>
-                  <a:t> </a:t>
-                </a:r>
-                <a:r>
-                  <a:rPr lang="en-US" sz="1400" dirty="0" err="1" smtClean="0"/>
+                  <a:rPr lang="en-US" sz="1400" dirty="0"/>
+                  <a:t> </a:t>
+                </a:r>
+                <a:r>
+                  <a:rPr lang="en-US" sz="1400" dirty="0" err="1"/>
                   <a:t>cần</a:t>
                 </a:r>
                 <a:r>
-                  <a:rPr lang="en-US" sz="1400" dirty="0" smtClean="0"/>
+                  <a:rPr lang="en-US" sz="1400" dirty="0"/>
                   <a:t> di </a:t>
                 </a:r>
                 <a:r>
-                  <a:rPr lang="en-US" sz="1400" dirty="0" err="1" smtClean="0"/>
+                  <a:rPr lang="en-US" sz="1400" dirty="0" err="1"/>
                   <a:t>chuyển</a:t>
                 </a:r>
                 <a:r>
-                  <a:rPr lang="en-US" sz="1400" dirty="0" smtClean="0"/>
+                  <a:rPr lang="en-US" sz="1400" dirty="0"/>
                   <a:t> </a:t>
                 </a:r>
                 <a14:m>
@@ -6575,31 +6429,31 @@
                   </m:oMath>
                 </a14:m>
                 <a:r>
-                  <a:rPr lang="en-US" sz="1200" dirty="0" smtClean="0"/>
-                  <a:t> </a:t>
-                </a:r>
-                <a:r>
-                  <a:rPr lang="en-US" sz="1400" dirty="0" err="1" smtClean="0"/>
+                  <a:rPr lang="en-US" sz="1200" dirty="0"/>
+                  <a:t> </a:t>
+                </a:r>
+                <a:r>
+                  <a:rPr lang="en-US" sz="1400" dirty="0" err="1"/>
                   <a:t>về</a:t>
                 </a:r>
                 <a:r>
-                  <a:rPr lang="en-US" sz="1400" dirty="0" smtClean="0"/>
-                  <a:t> </a:t>
-                </a:r>
-                <a:r>
-                  <a:rPr lang="en-US" sz="1400" dirty="0" err="1" smtClean="0"/>
+                  <a:rPr lang="en-US" sz="1400" dirty="0"/>
+                  <a:t> </a:t>
+                </a:r>
+                <a:r>
+                  <a:rPr lang="en-US" sz="1400" dirty="0" err="1"/>
                   <a:t>bên</a:t>
                 </a:r>
                 <a:r>
-                  <a:rPr lang="en-US" sz="1400" dirty="0" smtClean="0"/>
-                  <a:t> </a:t>
-                </a:r>
-                <a:r>
-                  <a:rPr lang="en-US" sz="1400" dirty="0" err="1" smtClean="0"/>
+                  <a:rPr lang="en-US" sz="1400" dirty="0"/>
+                  <a:t> </a:t>
+                </a:r>
+                <a:r>
+                  <a:rPr lang="en-US" sz="1400" dirty="0" err="1"/>
                   <a:t>trái</a:t>
                 </a:r>
                 <a:r>
-                  <a:rPr lang="en-US" sz="1400" dirty="0" smtClean="0"/>
+                  <a:rPr lang="en-US" sz="1400" dirty="0"/>
                   <a:t>. </a:t>
                 </a:r>
               </a:p>
@@ -6612,11 +6466,7 @@
                 </a:pPr>
                 <a:r>
                   <a:rPr lang="en-US" sz="1200" dirty="0"/>
-                  <a:t>	</a:t>
-                </a:r>
-                <a:r>
-                  <a:rPr lang="en-US" sz="1200" dirty="0" smtClean="0"/>
-                  <a:t>			</a:t>
+                  <a:t>				</a:t>
                 </a:r>
                 <a14:m>
                   <m:oMath xmlns:m="http://schemas.openxmlformats.org/officeDocument/2006/math">
@@ -6703,7 +6553,7 @@
                     </m:r>
                   </m:oMath>
                 </a14:m>
-                <a:endParaRPr lang="en-US" sz="1800" dirty="0" smtClean="0"/>
+                <a:endParaRPr lang="en-US" sz="1800" dirty="0"/>
               </a:p>
               <a:p>
                 <a:pPr marL="457200" lvl="1" indent="0" algn="just">
@@ -6713,19 +6563,19 @@
                   <a:buNone/>
                 </a:pPr>
                 <a:r>
-                  <a:rPr lang="en-US" sz="1400" dirty="0" err="1" smtClean="0"/>
+                  <a:rPr lang="en-US" sz="1400" dirty="0" err="1"/>
                   <a:t>Trong</a:t>
                 </a:r>
                 <a:r>
-                  <a:rPr lang="en-US" sz="1400" dirty="0" smtClean="0"/>
-                  <a:t> </a:t>
-                </a:r>
-                <a:r>
-                  <a:rPr lang="en-US" sz="1400" dirty="0" err="1" smtClean="0"/>
+                  <a:rPr lang="en-US" sz="1400" dirty="0"/>
+                  <a:t> </a:t>
+                </a:r>
+                <a:r>
+                  <a:rPr lang="en-US" sz="1400" dirty="0" err="1"/>
                   <a:t>đó</a:t>
                 </a:r>
                 <a:r>
-                  <a:rPr lang="en-US" sz="1400" dirty="0" smtClean="0"/>
+                  <a:rPr lang="en-US" sz="1400" dirty="0"/>
                   <a:t>, </a:t>
                 </a:r>
                 <a14:m>
@@ -6740,55 +6590,55 @@
                   </m:oMath>
                 </a14:m>
                 <a:r>
-                  <a:rPr lang="en-US" sz="1400" dirty="0" smtClean="0"/>
-                  <a:t> </a:t>
-                </a:r>
-                <a:r>
-                  <a:rPr lang="en-US" sz="1400" dirty="0" err="1" smtClean="0"/>
+                  <a:rPr lang="en-US" sz="1400" dirty="0"/>
+                  <a:t> </a:t>
+                </a:r>
+                <a:r>
+                  <a:rPr lang="en-US" sz="1400" dirty="0" err="1"/>
                   <a:t>là</a:t>
                 </a:r>
                 <a:r>
-                  <a:rPr lang="en-US" sz="1400" dirty="0" smtClean="0"/>
-                  <a:t> </a:t>
-                </a:r>
-                <a:r>
-                  <a:rPr lang="en-US" sz="1400" dirty="0" err="1" smtClean="0"/>
+                  <a:rPr lang="en-US" sz="1400" dirty="0"/>
+                  <a:t> </a:t>
+                </a:r>
+                <a:r>
+                  <a:rPr lang="en-US" sz="1400" dirty="0" err="1"/>
                   <a:t>đại</a:t>
                 </a:r>
                 <a:r>
-                  <a:rPr lang="en-US" sz="1400" dirty="0" smtClean="0"/>
-                  <a:t> </a:t>
-                </a:r>
-                <a:r>
-                  <a:rPr lang="en-US" sz="1400" dirty="0" err="1" smtClean="0"/>
+                  <a:rPr lang="en-US" sz="1400" dirty="0"/>
+                  <a:t> </a:t>
+                </a:r>
+                <a:r>
+                  <a:rPr lang="en-US" sz="1400" dirty="0" err="1"/>
                   <a:t>lượng</a:t>
                 </a:r>
                 <a:r>
-                  <a:rPr lang="en-US" sz="1400" dirty="0" smtClean="0"/>
-                  <a:t> </a:t>
-                </a:r>
-                <a:r>
-                  <a:rPr lang="en-US" sz="1400" dirty="0" err="1" smtClean="0"/>
-                  <a:t>ngịch</a:t>
-                </a:r>
-                <a:r>
-                  <a:rPr lang="en-US" sz="1400" dirty="0" smtClean="0"/>
-                  <a:t> </a:t>
-                </a:r>
-                <a:r>
-                  <a:rPr lang="en-US" sz="1400" dirty="0" err="1" smtClean="0"/>
+                  <a:rPr lang="en-US" sz="1400" dirty="0"/>
+                  <a:t> </a:t>
+                </a:r>
+                <a:r>
+                  <a:rPr lang="en-US" sz="1400" dirty="0" err="1"/>
+                  <a:t>trái</a:t>
+                </a:r>
+                <a:r>
+                  <a:rPr lang="en-US" sz="1400" dirty="0"/>
+                  <a:t> </a:t>
+                </a:r>
+                <a:r>
+                  <a:rPr lang="en-US" sz="1400" dirty="0" err="1"/>
                   <a:t>dấu</a:t>
                 </a:r>
                 <a:r>
-                  <a:rPr lang="en-US" sz="1400" dirty="0" smtClean="0"/>
-                  <a:t> </a:t>
-                </a:r>
-                <a:r>
-                  <a:rPr lang="en-US" sz="1400" dirty="0" err="1" smtClean="0"/>
+                  <a:rPr lang="en-US" sz="1400" dirty="0"/>
+                  <a:t> </a:t>
+                </a:r>
+                <a:r>
+                  <a:rPr lang="en-US" sz="1400" dirty="0" err="1"/>
                   <a:t>với</a:t>
                 </a:r>
                 <a:r>
-                  <a:rPr lang="en-US" sz="1400" dirty="0" smtClean="0"/>
+                  <a:rPr lang="en-US" sz="1400" dirty="0"/>
                   <a:t> </a:t>
                 </a:r>
                 <a14:m>
@@ -6838,7 +6688,7 @@
                     </m:r>
                   </m:oMath>
                 </a14:m>
-                <a:endParaRPr lang="en-US" sz="1400" dirty="0" smtClean="0"/>
+                <a:endParaRPr lang="en-US" sz="1400" dirty="0"/>
               </a:p>
               <a:p>
                 <a:pPr marL="742950" lvl="2" indent="-285750" algn="just">
@@ -7005,31 +6855,23 @@
                 </a:r>
                 <a:r>
                   <a:rPr lang="en-US" sz="1400" dirty="0"/>
-                  <a:t> </a:t>
-                </a:r>
-                <a:r>
-                  <a:rPr lang="en-US" sz="1400" dirty="0" smtClean="0"/>
-                  <a:t>ở </a:t>
-                </a:r>
-                <a:r>
-                  <a:rPr lang="en-US" sz="1400" dirty="0" err="1" smtClean="0"/>
+                  <a:t> ở </a:t>
+                </a:r>
+                <a:r>
+                  <a:rPr lang="en-US" sz="1400" dirty="0" err="1"/>
                   <a:t>bên</a:t>
                 </a:r>
                 <a:r>
-                  <a:rPr lang="en-US" sz="1400" dirty="0" smtClean="0"/>
-                  <a:t> </a:t>
-                </a:r>
-                <a:r>
-                  <a:rPr lang="en-US" sz="1400" dirty="0" err="1" smtClean="0"/>
+                  <a:rPr lang="en-US" sz="1400" dirty="0"/>
+                  <a:t> </a:t>
+                </a:r>
+                <a:r>
+                  <a:rPr lang="en-US" sz="1400" dirty="0" err="1"/>
                   <a:t>trái</a:t>
                 </a:r>
                 <a:r>
-                  <a:rPr lang="en-US" sz="1400" dirty="0" smtClean="0"/>
-                  <a:t> </a:t>
-                </a:r>
-                <a:r>
                   <a:rPr lang="en-US" sz="1400" dirty="0"/>
-                  <a:t>so </a:t>
+                  <a:t> so </a:t>
                 </a:r>
                 <a:r>
                   <a:rPr lang="en-US" sz="1400" dirty="0" err="1"/>
@@ -7169,14 +7011,13 @@
                   <a:t> </a:t>
                 </a:r>
                 <a:r>
-                  <a:rPr lang="en-US" sz="1400" dirty="0" err="1" smtClean="0"/>
+                  <a:rPr lang="en-US" sz="1400" dirty="0" err="1"/>
                   <a:t>phải</a:t>
                 </a:r>
                 <a:r>
-                  <a:rPr lang="en-US" sz="1400" dirty="0" smtClean="0"/>
+                  <a:rPr lang="en-US" sz="1400" dirty="0"/>
                   <a:t>.</a:t>
                 </a:r>
-                <a:endParaRPr lang="en-US" sz="1400" dirty="0"/>
               </a:p>
               <a:p>
                 <a:pPr marL="742950" lvl="2" indent="-285750" algn="just">
@@ -7187,27 +7028,27 @@
                   <a:buChar char="Þ"/>
                 </a:pPr>
                 <a:r>
-                  <a:rPr lang="en-US" sz="1400" dirty="0" err="1" smtClean="0"/>
+                  <a:rPr lang="en-US" sz="1400" dirty="0" err="1"/>
                   <a:t>Vậy</a:t>
                 </a:r>
                 <a:r>
-                  <a:rPr lang="en-US" sz="1400" dirty="0" smtClean="0"/>
-                  <a:t> </a:t>
-                </a:r>
-                <a:r>
-                  <a:rPr lang="en-US" sz="1400" dirty="0" err="1" smtClean="0"/>
+                  <a:rPr lang="en-US" sz="1400" dirty="0"/>
+                  <a:t> </a:t>
+                </a:r>
+                <a:r>
+                  <a:rPr lang="en-US" sz="1400" dirty="0" err="1"/>
                   <a:t>để</a:t>
                 </a:r>
                 <a:r>
-                  <a:rPr lang="en-US" sz="1400" dirty="0" smtClean="0"/>
+                  <a:rPr lang="en-US" sz="1400" dirty="0"/>
                   <a:t> di </a:t>
                 </a:r>
                 <a:r>
-                  <a:rPr lang="en-US" sz="1400" dirty="0" err="1" smtClean="0"/>
+                  <a:rPr lang="en-US" sz="1400" dirty="0" err="1"/>
                   <a:t>chuyển</a:t>
                 </a:r>
                 <a:r>
-                  <a:rPr lang="en-US" sz="1400" dirty="0" smtClean="0"/>
+                  <a:rPr lang="en-US" sz="1400" dirty="0"/>
                   <a:t> </a:t>
                 </a:r>
                 <a14:m>
@@ -7240,79 +7081,79 @@
                   </m:oMath>
                 </a14:m>
                 <a:r>
-                  <a:rPr lang="en-US" sz="1400" dirty="0" smtClean="0"/>
+                  <a:rPr lang="en-US" sz="1400" dirty="0"/>
                   <a:t>, </a:t>
                 </a:r>
                 <a:r>
-                  <a:rPr lang="en-US" sz="1400" dirty="0" err="1" smtClean="0"/>
+                  <a:rPr lang="en-US" sz="1400" dirty="0" err="1"/>
                   <a:t>thì</a:t>
                 </a:r>
                 <a:r>
-                  <a:rPr lang="en-US" sz="1400" dirty="0" smtClean="0"/>
+                  <a:rPr lang="en-US" sz="1400" dirty="0"/>
                   <a:t> ta </a:t>
                 </a:r>
                 <a:r>
-                  <a:rPr lang="en-US" sz="1400" dirty="0" err="1" smtClean="0"/>
+                  <a:rPr lang="en-US" sz="1400" dirty="0" err="1"/>
                   <a:t>nên</a:t>
                 </a:r>
                 <a:r>
-                  <a:rPr lang="en-US" sz="1400" dirty="0" smtClean="0"/>
-                  <a:t> </a:t>
-                </a:r>
-                <a:r>
-                  <a:rPr lang="en-US" sz="1400" dirty="0" err="1" smtClean="0"/>
+                  <a:rPr lang="en-US" sz="1400" dirty="0"/>
+                  <a:t> </a:t>
+                </a:r>
+                <a:r>
+                  <a:rPr lang="en-US" sz="1400" dirty="0" err="1"/>
                   <a:t>dùng</a:t>
                 </a:r>
                 <a:r>
-                  <a:rPr lang="en-US" sz="1400" dirty="0" smtClean="0"/>
-                  <a:t> </a:t>
-                </a:r>
-                <a:r>
-                  <a:rPr lang="en-US" sz="1400" dirty="0" err="1" smtClean="0"/>
+                  <a:rPr lang="en-US" sz="1400" dirty="0"/>
+                  <a:t> </a:t>
+                </a:r>
+                <a:r>
+                  <a:rPr lang="en-US" sz="1400" dirty="0" err="1"/>
                   <a:t>đại</a:t>
                 </a:r>
                 <a:r>
-                  <a:rPr lang="en-US" sz="1400" dirty="0" smtClean="0"/>
-                  <a:t> </a:t>
-                </a:r>
-                <a:r>
-                  <a:rPr lang="en-US" sz="1400" dirty="0" err="1" smtClean="0"/>
+                  <a:rPr lang="en-US" sz="1400" dirty="0"/>
+                  <a:t> </a:t>
+                </a:r>
+                <a:r>
+                  <a:rPr lang="en-US" sz="1400" dirty="0" err="1"/>
                   <a:t>lượng</a:t>
                 </a:r>
                 <a:r>
-                  <a:rPr lang="en-US" sz="1400" dirty="0" smtClean="0"/>
-                  <a:t> </a:t>
-                </a:r>
-                <a:r>
-                  <a:rPr lang="en-US" sz="1400" dirty="0" err="1" smtClean="0"/>
+                  <a:rPr lang="en-US" sz="1400" dirty="0"/>
+                  <a:t> </a:t>
+                </a:r>
+                <a:r>
+                  <a:rPr lang="en-US" sz="1400" dirty="0" err="1"/>
                   <a:t>tỉ</a:t>
                 </a:r>
                 <a:r>
-                  <a:rPr lang="en-US" sz="1400" dirty="0" smtClean="0"/>
-                  <a:t> </a:t>
-                </a:r>
-                <a:r>
-                  <a:rPr lang="en-US" sz="1400" dirty="0" err="1" smtClean="0"/>
+                  <a:rPr lang="en-US" sz="1400" dirty="0"/>
+                  <a:t> </a:t>
+                </a:r>
+                <a:r>
+                  <a:rPr lang="en-US" sz="1400" dirty="0" err="1"/>
                   <a:t>lệ</a:t>
                 </a:r>
                 <a:r>
-                  <a:rPr lang="en-US" sz="1400" dirty="0" smtClean="0"/>
-                  <a:t> </a:t>
-                </a:r>
-                <a:r>
-                  <a:rPr lang="en-US" sz="1400" dirty="0" err="1" smtClean="0"/>
+                  <a:rPr lang="en-US" sz="1400" dirty="0"/>
+                  <a:t> </a:t>
+                </a:r>
+                <a:r>
+                  <a:rPr lang="en-US" sz="1400" dirty="0" err="1"/>
                   <a:t>thuận</a:t>
                 </a:r>
                 <a:r>
-                  <a:rPr lang="en-US" sz="1400" dirty="0" smtClean="0"/>
-                  <a:t> </a:t>
-                </a:r>
-                <a:r>
-                  <a:rPr lang="en-US" sz="1400" dirty="0" err="1" smtClean="0"/>
+                  <a:rPr lang="en-US" sz="1400" dirty="0"/>
+                  <a:t> </a:t>
+                </a:r>
+                <a:r>
+                  <a:rPr lang="en-US" sz="1400" dirty="0" err="1"/>
                   <a:t>với</a:t>
                 </a:r>
                 <a:r>
-                  <a:rPr lang="en-US" sz="1400" dirty="0" smtClean="0"/>
+                  <a:rPr lang="en-US" sz="1400" dirty="0"/>
                   <a:t> </a:t>
                 </a:r>
                 <a14:m>
@@ -7380,59 +7221,6 @@
                     </m:d>
                   </m:oMath>
                 </a14:m>
-                <a:endParaRPr lang="en-US" sz="1400" dirty="0" smtClean="0"/>
-              </a:p>
-              <a:p>
-                <a:pPr marL="457200" lvl="2" indent="0" algn="just">
-                  <a:spcAft>
-                    <a:spcPts val="600"/>
-                  </a:spcAft>
-                  <a:buNone/>
-                </a:pPr>
-                <a:r>
-                  <a:rPr lang="en-US" sz="1400" dirty="0" smtClean="0"/>
-                  <a:t>Ta </a:t>
-                </a:r>
-                <a:r>
-                  <a:rPr lang="en-US" sz="1400" dirty="0" err="1" smtClean="0"/>
-                  <a:t>có</a:t>
-                </a:r>
-                <a:r>
-                  <a:rPr lang="en-US" sz="1400" dirty="0" smtClean="0"/>
-                  <a:t> </a:t>
-                </a:r>
-                <a:r>
-                  <a:rPr lang="en-US" sz="1400" dirty="0" err="1" smtClean="0"/>
-                  <a:t>công</a:t>
-                </a:r>
-                <a:r>
-                  <a:rPr lang="en-US" sz="1400" dirty="0" smtClean="0"/>
-                  <a:t> </a:t>
-                </a:r>
-                <a:r>
-                  <a:rPr lang="en-US" sz="1400" dirty="0" err="1" smtClean="0"/>
-                  <a:t>thức</a:t>
-                </a:r>
-                <a:r>
-                  <a:rPr lang="en-US" sz="1400" dirty="0" smtClean="0"/>
-                  <a:t> </a:t>
-                </a:r>
-                <a:r>
-                  <a:rPr lang="en-US" sz="1400" dirty="0" err="1" smtClean="0"/>
-                  <a:t>tổng</a:t>
-                </a:r>
-                <a:r>
-                  <a:rPr lang="en-US" sz="1400" dirty="0" smtClean="0"/>
-                  <a:t> </a:t>
-                </a:r>
-                <a:r>
-                  <a:rPr lang="en-US" sz="1400" dirty="0" err="1" smtClean="0"/>
-                  <a:t>quát</a:t>
-                </a:r>
-                <a:r>
-                  <a:rPr lang="en-US" sz="1400" dirty="0" smtClean="0"/>
-                  <a:t>:</a:t>
-                </a:r>
                 <a:endParaRPr lang="en-US" sz="1400" dirty="0"/>
               </a:p>
               <a:p>
@@ -7443,7 +7231,59 @@
                   <a:buNone/>
                 </a:pPr>
                 <a:r>
-                  <a:rPr lang="en-US" sz="1400" dirty="0" smtClean="0"/>
+                  <a:rPr lang="en-US" sz="1400" dirty="0"/>
+                  <a:t>Ta </a:t>
+                </a:r>
+                <a:r>
+                  <a:rPr lang="en-US" sz="1400" dirty="0" err="1"/>
+                  <a:t>có</a:t>
+                </a:r>
+                <a:r>
+                  <a:rPr lang="en-US" sz="1400" dirty="0"/>
+                  <a:t> </a:t>
+                </a:r>
+                <a:r>
+                  <a:rPr lang="en-US" sz="1400" dirty="0" err="1"/>
+                  <a:t>công</a:t>
+                </a:r>
+                <a:r>
+                  <a:rPr lang="en-US" sz="1400" dirty="0"/>
+                  <a:t> </a:t>
+                </a:r>
+                <a:r>
+                  <a:rPr lang="en-US" sz="1400" dirty="0" err="1"/>
+                  <a:t>thức</a:t>
+                </a:r>
+                <a:r>
+                  <a:rPr lang="en-US" sz="1400" dirty="0"/>
+                  <a:t> </a:t>
+                </a:r>
+                <a:r>
+                  <a:rPr lang="en-US" sz="1400" dirty="0" err="1"/>
+                  <a:t>tổng</a:t>
+                </a:r>
+                <a:r>
+                  <a:rPr lang="en-US" sz="1400" dirty="0"/>
+                  <a:t> </a:t>
+                </a:r>
+                <a:r>
+                  <a:rPr lang="en-US" sz="1400" dirty="0" err="1"/>
+                  <a:t>quát</a:t>
+                </a:r>
+                <a:r>
+                  <a:rPr lang="en-US" sz="1400" dirty="0"/>
+                  <a:t>:</a:t>
+                </a:r>
+              </a:p>
+              <a:p>
+                <a:pPr marL="457200" lvl="2" indent="0" algn="just">
+                  <a:spcAft>
+                    <a:spcPts val="600"/>
+                  </a:spcAft>
+                  <a:buNone/>
+                </a:pPr>
+                <a:r>
+                  <a:rPr lang="en-US" sz="1400" dirty="0"/>
                   <a:t>				</a:t>
                 </a:r>
                 <a14:m>
@@ -7591,7 +7431,7 @@
             </p:txBody>
           </p:sp>
         </mc:Choice>
-        <mc:Fallback xmlns="">
+        <mc:Fallback>
           <p:sp>
             <p:nvSpPr>
               <p:cNvPr id="3" name="Content Placeholder 2"/>
@@ -7606,7 +7446,7 @@
               <a:blipFill>
                 <a:blip r:embed="rId2"/>
                 <a:stretch>
-                  <a:fillRect l="-382" t="-1327" r="-437"/>
+                  <a:fillRect l="-382" r="-437"/>
                 </a:stretch>
               </a:blipFill>
             </p:spPr>
@@ -7722,13 +7562,6 @@
   <p:clrMapOvr>
     <a:masterClrMapping/>
   </p:clrMapOvr>
-  <p:timing>
-    <p:tnLst>
-      <p:par>
-        <p:cTn id="1" dur="indefinite" restart="never" nodeType="tmRoot"/>
-      </p:par>
-    </p:tnLst>
-  </p:timing>
 </p:sld>
 </file>
 
@@ -7765,42 +7598,42 @@
           <a:lstStyle/>
           <a:p>
             <a:r>
-              <a:rPr lang="en-US" dirty="0" smtClean="0"/>
+              <a:rPr lang="en-US" dirty="0"/>
               <a:t>Gradient Descent</a:t>
             </a:r>
             <a:br>
-              <a:rPr lang="en-US" dirty="0" smtClean="0"/>
+              <a:rPr lang="en-US" dirty="0"/>
             </a:br>
             <a:r>
-              <a:rPr lang="en-US" sz="1600" dirty="0" smtClean="0"/>
+              <a:rPr lang="en-US" sz="1600" dirty="0"/>
               <a:t>Gradient Descent </a:t>
             </a:r>
             <a:r>
-              <a:rPr lang="en-US" sz="1600" dirty="0" err="1" smtClean="0"/>
+              <a:rPr lang="en-US" sz="1600" dirty="0" err="1"/>
               <a:t>cho</a:t>
             </a:r>
             <a:r>
-              <a:rPr lang="en-US" sz="1600" dirty="0" smtClean="0"/>
+              <a:rPr lang="en-US" sz="1600" dirty="0"/>
               <a:t> </a:t>
             </a:r>
             <a:r>
-              <a:rPr lang="en-US" sz="1600" dirty="0" err="1" smtClean="0"/>
+              <a:rPr lang="en-US" sz="1600" dirty="0" err="1"/>
               <a:t>nhiều</a:t>
             </a:r>
             <a:r>
-              <a:rPr lang="en-US" sz="1600" dirty="0" smtClean="0"/>
+              <a:rPr lang="en-US" sz="1600" dirty="0"/>
               <a:t> </a:t>
             </a:r>
             <a:r>
-              <a:rPr lang="en-US" sz="1600" dirty="0" err="1" smtClean="0"/>
+              <a:rPr lang="en-US" sz="1600" dirty="0" err="1"/>
               <a:t>biến</a:t>
             </a:r>
             <a:endParaRPr lang="en-US" sz="2400" dirty="0"/>
           </a:p>
         </p:txBody>
       </p:sp>
-      <mc:AlternateContent xmlns:mc="http://schemas.openxmlformats.org/markup-compatibility/2006">
-        <mc:Choice xmlns:a14="http://schemas.microsoft.com/office/drawing/2010/main" Requires="a14">
+      <mc:AlternateContent xmlns:mc="http://schemas.openxmlformats.org/markup-compatibility/2006" xmlns:a14="http://schemas.microsoft.com/office/drawing/2010/main">
+        <mc:Choice Requires="a14">
           <p:sp>
             <p:nvSpPr>
               <p:cNvPr id="3" name="Content Placeholder 2"/>
@@ -7826,71 +7659,71 @@
                   <a:buChar char="§"/>
                 </a:pPr>
                 <a:r>
-                  <a:rPr lang="en-US" sz="1800" dirty="0" smtClean="0"/>
+                  <a:rPr lang="en-US" sz="1800" dirty="0"/>
                   <a:t>Trong </a:t>
                 </a:r>
                 <a:r>
-                  <a:rPr lang="en-US" sz="1800" dirty="0" err="1" smtClean="0"/>
+                  <a:rPr lang="en-US" sz="1800" dirty="0" err="1"/>
                   <a:t>các</a:t>
                 </a:r>
                 <a:r>
-                  <a:rPr lang="en-US" sz="1800" dirty="0" smtClean="0"/>
-                  <a:t> </a:t>
-                </a:r>
-                <a:r>
-                  <a:rPr lang="en-US" sz="1800" dirty="0" err="1" smtClean="0"/>
+                  <a:rPr lang="en-US" sz="1800" dirty="0"/>
+                  <a:t> </a:t>
+                </a:r>
+                <a:r>
+                  <a:rPr lang="en-US" sz="1800" dirty="0" err="1"/>
                   <a:t>bài</a:t>
                 </a:r>
                 <a:r>
-                  <a:rPr lang="en-US" sz="1800" dirty="0" smtClean="0"/>
-                  <a:t> </a:t>
-                </a:r>
-                <a:r>
-                  <a:rPr lang="en-US" sz="1800" dirty="0" err="1" smtClean="0"/>
+                  <a:rPr lang="en-US" sz="1800" dirty="0"/>
+                  <a:t> </a:t>
+                </a:r>
+                <a:r>
+                  <a:rPr lang="en-US" sz="1800" dirty="0" err="1"/>
                   <a:t>toán</a:t>
                 </a:r>
                 <a:r>
-                  <a:rPr lang="en-US" sz="1800" dirty="0" smtClean="0"/>
+                  <a:rPr lang="en-US" sz="1800" dirty="0"/>
                   <a:t> ta </a:t>
                 </a:r>
                 <a:r>
-                  <a:rPr lang="en-US" sz="1800" dirty="0" err="1" smtClean="0"/>
+                  <a:rPr lang="en-US" sz="1800" dirty="0" err="1"/>
                   <a:t>gặp</a:t>
                 </a:r>
                 <a:r>
-                  <a:rPr lang="en-US" sz="1800" dirty="0" smtClean="0"/>
-                  <a:t> </a:t>
-                </a:r>
-                <a:r>
-                  <a:rPr lang="en-US" sz="1800" dirty="0" err="1" smtClean="0"/>
+                  <a:rPr lang="en-US" sz="1800" dirty="0"/>
+                  <a:t> </a:t>
+                </a:r>
+                <a:r>
+                  <a:rPr lang="en-US" sz="1800" dirty="0" err="1"/>
                   <a:t>phải</a:t>
                 </a:r>
                 <a:r>
-                  <a:rPr lang="en-US" sz="1800" dirty="0" smtClean="0"/>
+                  <a:rPr lang="en-US" sz="1800" dirty="0"/>
                   <a:t>, ta </a:t>
                 </a:r>
                 <a:r>
-                  <a:rPr lang="en-US" sz="1800" dirty="0" err="1" smtClean="0"/>
+                  <a:rPr lang="en-US" sz="1800" dirty="0" err="1"/>
                   <a:t>thường</a:t>
                 </a:r>
                 <a:r>
-                  <a:rPr lang="en-US" sz="1800" dirty="0" smtClean="0"/>
-                  <a:t> </a:t>
-                </a:r>
-                <a:r>
-                  <a:rPr lang="en-US" sz="1800" dirty="0" err="1" smtClean="0"/>
+                  <a:rPr lang="en-US" sz="1800" dirty="0"/>
+                  <a:t> </a:t>
+                </a:r>
+                <a:r>
+                  <a:rPr lang="en-US" sz="1800" dirty="0" err="1"/>
                   <a:t>gặp</a:t>
                 </a:r>
                 <a:r>
-                  <a:rPr lang="en-US" sz="1800" dirty="0" smtClean="0"/>
-                  <a:t> </a:t>
-                </a:r>
-                <a:r>
-                  <a:rPr lang="en-US" sz="1800" dirty="0" err="1" smtClean="0"/>
+                  <a:rPr lang="en-US" sz="1800" dirty="0"/>
+                  <a:t> </a:t>
+                </a:r>
+                <a:r>
+                  <a:rPr lang="en-US" sz="1800" dirty="0" err="1"/>
                   <a:t>hàm</a:t>
                 </a:r>
                 <a:r>
-                  <a:rPr lang="en-US" sz="1800" dirty="0" smtClean="0"/>
+                  <a:rPr lang="en-US" sz="1800" dirty="0"/>
                   <a:t> </a:t>
                 </a:r>
                 <a14:m>
@@ -7922,23 +7755,23 @@
                   </m:oMath>
                 </a14:m>
                 <a:r>
-                  <a:rPr lang="en-US" sz="1800" dirty="0" smtClean="0"/>
-                  <a:t> </a:t>
-                </a:r>
-                <a:r>
-                  <a:rPr lang="en-US" sz="1800" dirty="0" err="1" smtClean="0"/>
+                  <a:rPr lang="en-US" sz="1800" dirty="0"/>
+                  <a:t> </a:t>
+                </a:r>
+                <a:r>
+                  <a:rPr lang="en-US" sz="1800" dirty="0" err="1"/>
                   <a:t>trong</a:t>
                 </a:r>
                 <a:r>
-                  <a:rPr lang="en-US" sz="1800" dirty="0" smtClean="0"/>
-                  <a:t> </a:t>
-                </a:r>
-                <a:r>
-                  <a:rPr lang="en-US" sz="1800" dirty="0" err="1" smtClean="0"/>
+                  <a:rPr lang="en-US" sz="1800" dirty="0"/>
+                  <a:t> </a:t>
+                </a:r>
+                <a:r>
+                  <a:rPr lang="en-US" sz="1800" dirty="0" err="1"/>
                   <a:t>đó</a:t>
                 </a:r>
                 <a:r>
-                  <a:rPr lang="en-US" sz="1800" dirty="0" smtClean="0"/>
+                  <a:rPr lang="en-US" sz="1800" dirty="0"/>
                   <a:t>, </a:t>
                 </a:r>
                 <a14:m>
@@ -7953,151 +7786,151 @@
                   </m:oMath>
                 </a14:m>
                 <a:r>
-                  <a:rPr lang="en-US" sz="1800" dirty="0" smtClean="0"/>
-                  <a:t> </a:t>
-                </a:r>
-                <a:r>
-                  <a:rPr lang="en-US" sz="1800" dirty="0" err="1" smtClean="0"/>
+                  <a:rPr lang="en-US" sz="1800" dirty="0"/>
+                  <a:t> </a:t>
+                </a:r>
+                <a:r>
+                  <a:rPr lang="en-US" sz="1800" dirty="0" err="1"/>
                   <a:t>là</a:t>
                 </a:r>
                 <a:r>
-                  <a:rPr lang="en-US" sz="1800" dirty="0" smtClean="0"/>
-                  <a:t> </a:t>
-                </a:r>
-                <a:r>
-                  <a:rPr lang="en-US" sz="1800" dirty="0" err="1" smtClean="0"/>
+                  <a:rPr lang="en-US" sz="1800" dirty="0"/>
+                  <a:t> </a:t>
+                </a:r>
+                <a:r>
+                  <a:rPr lang="en-US" sz="1800" dirty="0" err="1"/>
                   <a:t>một</a:t>
                 </a:r>
                 <a:r>
-                  <a:rPr lang="en-US" sz="1800" dirty="0" smtClean="0"/>
+                  <a:rPr lang="en-US" sz="1800" dirty="0"/>
                   <a:t> vector. </a:t>
                 </a:r>
                 <a:r>
-                  <a:rPr lang="en-US" sz="1800" dirty="0" err="1" smtClean="0"/>
+                  <a:rPr lang="en-US" sz="1800" dirty="0" err="1"/>
                   <a:t>Vậy</a:t>
                 </a:r>
                 <a:r>
-                  <a:rPr lang="en-US" sz="1800" dirty="0" smtClean="0"/>
-                  <a:t> </a:t>
-                </a:r>
-                <a:r>
-                  <a:rPr lang="en-US" sz="1800" dirty="0" err="1" smtClean="0"/>
+                  <a:rPr lang="en-US" sz="1800" dirty="0"/>
+                  <a:t> </a:t>
+                </a:r>
+                <a:r>
+                  <a:rPr lang="en-US" sz="1800" dirty="0" err="1"/>
                   <a:t>tương</a:t>
                 </a:r>
                 <a:r>
-                  <a:rPr lang="en-US" sz="1800" dirty="0" smtClean="0"/>
-                  <a:t> </a:t>
-                </a:r>
-                <a:r>
-                  <a:rPr lang="en-US" sz="1800" dirty="0" err="1" smtClean="0"/>
+                  <a:rPr lang="en-US" sz="1800" dirty="0"/>
+                  <a:t> </a:t>
+                </a:r>
+                <a:r>
+                  <a:rPr lang="en-US" sz="1800" dirty="0" err="1"/>
                   <a:t>tự</a:t>
                 </a:r>
                 <a:r>
-                  <a:rPr lang="en-US" sz="1800" dirty="0" smtClean="0"/>
-                  <a:t> </a:t>
-                </a:r>
-                <a:r>
-                  <a:rPr lang="en-US" sz="1800" dirty="0" err="1" smtClean="0"/>
+                  <a:rPr lang="en-US" sz="1800" dirty="0"/>
+                  <a:t> </a:t>
+                </a:r>
+                <a:r>
+                  <a:rPr lang="en-US" sz="1800" dirty="0" err="1"/>
                   <a:t>hàm</a:t>
                 </a:r>
                 <a:r>
-                  <a:rPr lang="en-US" sz="1800" dirty="0" smtClean="0"/>
+                  <a:rPr lang="en-US" sz="1800" dirty="0"/>
                   <a:t> 1 </a:t>
                 </a:r>
                 <a:r>
-                  <a:rPr lang="en-US" sz="1800" dirty="0" err="1" smtClean="0"/>
+                  <a:rPr lang="en-US" sz="1800" dirty="0" err="1"/>
                   <a:t>biến</a:t>
                 </a:r>
                 <a:r>
-                  <a:rPr lang="en-US" sz="1800" dirty="0" smtClean="0"/>
+                  <a:rPr lang="en-US" sz="1800" dirty="0"/>
                   <a:t>, </a:t>
                 </a:r>
                 <a:r>
-                  <a:rPr lang="en-US" sz="1800" dirty="0" err="1" smtClean="0"/>
+                  <a:rPr lang="en-US" sz="1800" dirty="0" err="1"/>
                   <a:t>công</a:t>
                 </a:r>
                 <a:r>
-                  <a:rPr lang="en-US" sz="1800" dirty="0" smtClean="0"/>
-                  <a:t> </a:t>
-                </a:r>
-                <a:r>
-                  <a:rPr lang="en-US" sz="1800" dirty="0" err="1" smtClean="0"/>
+                  <a:rPr lang="en-US" sz="1800" dirty="0"/>
+                  <a:t> </a:t>
+                </a:r>
+                <a:r>
+                  <a:rPr lang="en-US" sz="1800" dirty="0" err="1"/>
                   <a:t>thức</a:t>
                 </a:r>
                 <a:r>
-                  <a:rPr lang="en-US" sz="1800" dirty="0" smtClean="0"/>
-                  <a:t> </a:t>
-                </a:r>
-                <a:r>
-                  <a:rPr lang="en-US" sz="1800" dirty="0" err="1" smtClean="0"/>
+                  <a:rPr lang="en-US" sz="1800" dirty="0"/>
+                  <a:t> </a:t>
+                </a:r>
+                <a:r>
+                  <a:rPr lang="en-US" sz="1800" dirty="0" err="1"/>
                   <a:t>tổng</a:t>
                 </a:r>
                 <a:r>
-                  <a:rPr lang="en-US" sz="1800" dirty="0" smtClean="0"/>
-                  <a:t> </a:t>
-                </a:r>
-                <a:r>
-                  <a:rPr lang="en-US" sz="1800" dirty="0" err="1" smtClean="0"/>
+                  <a:rPr lang="en-US" sz="1800" dirty="0"/>
+                  <a:t> </a:t>
+                </a:r>
+                <a:r>
+                  <a:rPr lang="en-US" sz="1800" dirty="0" err="1"/>
                   <a:t>quát</a:t>
                 </a:r>
                 <a:r>
-                  <a:rPr lang="en-US" sz="1800" dirty="0" smtClean="0"/>
-                  <a:t> </a:t>
-                </a:r>
-                <a:r>
-                  <a:rPr lang="en-US" sz="1800" dirty="0" err="1" smtClean="0"/>
+                  <a:rPr lang="en-US" sz="1800" dirty="0"/>
+                  <a:t> </a:t>
+                </a:r>
+                <a:r>
+                  <a:rPr lang="en-US" sz="1800" dirty="0" err="1"/>
                   <a:t>chung</a:t>
                 </a:r>
                 <a:r>
-                  <a:rPr lang="en-US" sz="1800" dirty="0" smtClean="0"/>
-                  <a:t> </a:t>
-                </a:r>
-                <a:r>
-                  <a:rPr lang="en-US" sz="1800" dirty="0" err="1" smtClean="0"/>
+                  <a:rPr lang="en-US" sz="1800" dirty="0"/>
+                  <a:t> </a:t>
+                </a:r>
+                <a:r>
+                  <a:rPr lang="en-US" sz="1800" dirty="0" err="1"/>
                   <a:t>của</a:t>
                 </a:r>
                 <a:r>
-                  <a:rPr lang="en-US" sz="1800" dirty="0" smtClean="0"/>
-                  <a:t> </a:t>
-                </a:r>
-                <a:r>
-                  <a:rPr lang="en-US" sz="1800" dirty="0" err="1" smtClean="0"/>
+                  <a:rPr lang="en-US" sz="1800" dirty="0"/>
+                  <a:t> </a:t>
+                </a:r>
+                <a:r>
+                  <a:rPr lang="en-US" sz="1800" dirty="0" err="1"/>
                   <a:t>để</a:t>
                 </a:r>
                 <a:r>
-                  <a:rPr lang="en-US" sz="1800" dirty="0" smtClean="0"/>
-                  <a:t> </a:t>
-                </a:r>
-                <a:r>
-                  <a:rPr lang="en-US" sz="1800" dirty="0" err="1" smtClean="0"/>
+                  <a:rPr lang="en-US" sz="1800" dirty="0"/>
+                  <a:t> </a:t>
+                </a:r>
+                <a:r>
+                  <a:rPr lang="en-US" sz="1800" dirty="0" err="1"/>
                   <a:t>cập</a:t>
                 </a:r>
                 <a:r>
-                  <a:rPr lang="en-US" sz="1800" dirty="0" smtClean="0"/>
-                  <a:t> </a:t>
-                </a:r>
-                <a:r>
-                  <a:rPr lang="en-US" sz="1800" dirty="0" err="1" smtClean="0"/>
+                  <a:rPr lang="en-US" sz="1800" dirty="0"/>
+                  <a:t> </a:t>
+                </a:r>
+                <a:r>
+                  <a:rPr lang="en-US" sz="1800" dirty="0" err="1"/>
                   <a:t>nhật</a:t>
                 </a:r>
                 <a:r>
-                  <a:rPr lang="en-US" sz="1800" dirty="0" smtClean="0"/>
-                  <a:t> </a:t>
-                </a:r>
-                <a:r>
-                  <a:rPr lang="en-US" sz="1800" dirty="0" err="1" smtClean="0"/>
+                  <a:rPr lang="en-US" sz="1800" dirty="0"/>
+                  <a:t> </a:t>
+                </a:r>
+                <a:r>
+                  <a:rPr lang="en-US" sz="1800" dirty="0" err="1"/>
                   <a:t>tìm</a:t>
                 </a:r>
                 <a:r>
-                  <a:rPr lang="en-US" sz="1800" dirty="0" smtClean="0"/>
-                  <a:t> </a:t>
-                </a:r>
-                <a:r>
-                  <a:rPr lang="en-US" sz="1800" dirty="0" err="1" smtClean="0"/>
+                  <a:rPr lang="en-US" sz="1800" dirty="0"/>
+                  <a:t> </a:t>
+                </a:r>
+                <a:r>
+                  <a:rPr lang="en-US" sz="1800" dirty="0" err="1"/>
                   <a:t>điểm</a:t>
                 </a:r>
                 <a:r>
-                  <a:rPr lang="en-US" sz="1800" dirty="0" smtClean="0"/>
+                  <a:rPr lang="en-US" sz="1800" dirty="0"/>
                   <a:t> global minimum:</a:t>
                 </a:r>
               </a:p>
@@ -8264,7 +8097,7 @@
                     </m:oMath>
                   </m:oMathPara>
                 </a14:m>
-                <a:endParaRPr lang="en-US" sz="1900" dirty="0" smtClean="0"/>
+                <a:endParaRPr lang="en-US" sz="1900" dirty="0"/>
               </a:p>
               <a:p>
                 <a:pPr>
@@ -8272,98 +8105,98 @@
                   <a:buChar char="§"/>
                 </a:pPr>
                 <a:r>
-                  <a:rPr lang="en-US" sz="1800" dirty="0" smtClean="0"/>
+                  <a:rPr lang="en-US" sz="1800" dirty="0"/>
                   <a:t>Gradient Descent </a:t>
                 </a:r>
                 <a:r>
-                  <a:rPr lang="en-US" sz="1800" dirty="0" err="1" smtClean="0"/>
+                  <a:rPr lang="en-US" sz="1800" dirty="0" err="1"/>
                   <a:t>được</a:t>
                 </a:r>
                 <a:r>
-                  <a:rPr lang="en-US" sz="1800" dirty="0" smtClean="0"/>
-                  <a:t> </a:t>
-                </a:r>
-                <a:r>
-                  <a:rPr lang="en-US" sz="1800" dirty="0" err="1" smtClean="0"/>
+                  <a:rPr lang="en-US" sz="1800" dirty="0"/>
+                  <a:t> </a:t>
+                </a:r>
+                <a:r>
+                  <a:rPr lang="en-US" sz="1800" dirty="0" err="1"/>
                   <a:t>áp</a:t>
                 </a:r>
                 <a:r>
-                  <a:rPr lang="en-US" sz="1800" dirty="0" smtClean="0"/>
-                  <a:t> </a:t>
-                </a:r>
-                <a:r>
-                  <a:rPr lang="en-US" sz="1800" dirty="0" err="1" smtClean="0"/>
+                  <a:rPr lang="en-US" sz="1800" dirty="0"/>
+                  <a:t> </a:t>
+                </a:r>
+                <a:r>
+                  <a:rPr lang="en-US" sz="1800" dirty="0" err="1"/>
                   <a:t>dụng</a:t>
                 </a:r>
                 <a:r>
-                  <a:rPr lang="en-US" sz="1800" dirty="0" smtClean="0"/>
-                  <a:t> </a:t>
-                </a:r>
-                <a:r>
-                  <a:rPr lang="en-US" sz="1800" dirty="0" err="1" smtClean="0"/>
+                  <a:rPr lang="en-US" sz="1800" dirty="0"/>
+                  <a:t> </a:t>
+                </a:r>
+                <a:r>
+                  <a:rPr lang="en-US" sz="1800" dirty="0" err="1"/>
                   <a:t>như</a:t>
                 </a:r>
                 <a:r>
-                  <a:rPr lang="en-US" sz="1800" dirty="0" smtClean="0"/>
-                  <a:t> </a:t>
-                </a:r>
-                <a:r>
-                  <a:rPr lang="en-US" sz="1800" dirty="0" err="1" smtClean="0"/>
+                  <a:rPr lang="en-US" sz="1800" dirty="0"/>
+                  <a:t> </a:t>
+                </a:r>
+                <a:r>
+                  <a:rPr lang="en-US" sz="1800" dirty="0" err="1"/>
                   <a:t>thế</a:t>
                 </a:r>
                 <a:r>
-                  <a:rPr lang="en-US" sz="1800" dirty="0" smtClean="0"/>
-                  <a:t> </a:t>
-                </a:r>
-                <a:r>
-                  <a:rPr lang="en-US" sz="1800" dirty="0" err="1" smtClean="0"/>
+                  <a:rPr lang="en-US" sz="1800" dirty="0"/>
+                  <a:t> </a:t>
+                </a:r>
+                <a:r>
+                  <a:rPr lang="en-US" sz="1800" dirty="0" err="1"/>
                   <a:t>nào</a:t>
                 </a:r>
                 <a:r>
-                  <a:rPr lang="en-US" sz="1800" dirty="0" smtClean="0"/>
-                  <a:t> </a:t>
-                </a:r>
-                <a:r>
-                  <a:rPr lang="en-US" sz="1800" dirty="0" err="1" smtClean="0"/>
+                  <a:rPr lang="en-US" sz="1800" dirty="0"/>
+                  <a:t> </a:t>
+                </a:r>
+                <a:r>
+                  <a:rPr lang="en-US" sz="1800" dirty="0" err="1"/>
                   <a:t>cho</a:t>
                 </a:r>
                 <a:r>
-                  <a:rPr lang="en-US" sz="1800" dirty="0" smtClean="0"/>
-                  <a:t> </a:t>
-                </a:r>
-                <a:r>
-                  <a:rPr lang="en-US" sz="1800" dirty="0" err="1" smtClean="0"/>
+                  <a:rPr lang="en-US" sz="1800" dirty="0"/>
+                  <a:t> </a:t>
+                </a:r>
+                <a:r>
+                  <a:rPr lang="en-US" sz="1800" dirty="0" err="1"/>
                   <a:t>bài</a:t>
                 </a:r>
                 <a:r>
-                  <a:rPr lang="en-US" sz="1800" dirty="0" smtClean="0"/>
-                  <a:t> </a:t>
-                </a:r>
-                <a:r>
-                  <a:rPr lang="en-US" sz="1800" dirty="0" err="1" smtClean="0"/>
+                  <a:rPr lang="en-US" sz="1800" dirty="0"/>
+                  <a:t> </a:t>
+                </a:r>
+                <a:r>
+                  <a:rPr lang="en-US" sz="1800" dirty="0" err="1"/>
                   <a:t>toán</a:t>
                 </a:r>
                 <a:r>
-                  <a:rPr lang="en-US" sz="1800" dirty="0" smtClean="0"/>
+                  <a:rPr lang="en-US" sz="1800" dirty="0"/>
                   <a:t> Linear Regression?</a:t>
                 </a:r>
               </a:p>
               <a:p>
                 <a:pPr lvl="1"/>
                 <a:r>
-                  <a:rPr lang="en-US" sz="1500" dirty="0" err="1" smtClean="0"/>
+                  <a:rPr lang="en-US" sz="1500" dirty="0" err="1"/>
                   <a:t>Hàm</a:t>
                 </a:r>
                 <a:r>
-                  <a:rPr lang="en-US" sz="1500" dirty="0" smtClean="0"/>
-                  <a:t> </a:t>
-                </a:r>
-                <a:r>
-                  <a:rPr lang="en-US" sz="1500" dirty="0" err="1" smtClean="0"/>
+                  <a:rPr lang="en-US" sz="1500" dirty="0"/>
+                  <a:t> </a:t>
+                </a:r>
+                <a:r>
+                  <a:rPr lang="en-US" sz="1500" dirty="0" err="1"/>
                   <a:t>của</a:t>
                 </a:r>
                 <a:r>
-                  <a:rPr lang="en-US" sz="1500" dirty="0" smtClean="0"/>
+                  <a:rPr lang="en-US" sz="1500" dirty="0"/>
                   <a:t> Linear Regression:</a:t>
                 </a:r>
               </a:p>
@@ -8444,26 +8277,26 @@
                     </m:oMath>
                   </m:oMathPara>
                 </a14:m>
-                <a:endParaRPr lang="en-US" sz="1300" b="0" dirty="0" smtClean="0"/>
+                <a:endParaRPr lang="en-US" sz="1300" b="0" dirty="0"/>
               </a:p>
               <a:p>
                 <a:pPr marL="457200" lvl="1" indent="0">
                   <a:buNone/>
                 </a:pPr>
                 <a:r>
-                  <a:rPr lang="en-US" sz="1500" dirty="0" err="1" smtClean="0"/>
+                  <a:rPr lang="en-US" sz="1500" dirty="0" err="1"/>
                   <a:t>Trong</a:t>
                 </a:r>
                 <a:r>
-                  <a:rPr lang="en-US" sz="1500" dirty="0" smtClean="0"/>
-                  <a:t> </a:t>
-                </a:r>
-                <a:r>
-                  <a:rPr lang="en-US" sz="1500" dirty="0" err="1" smtClean="0"/>
+                  <a:rPr lang="en-US" sz="1500" dirty="0"/>
+                  <a:t> </a:t>
+                </a:r>
+                <a:r>
+                  <a:rPr lang="en-US" sz="1500" dirty="0" err="1"/>
                   <a:t>đó</a:t>
                 </a:r>
                 <a:r>
-                  <a:rPr lang="en-US" sz="1500" dirty="0" smtClean="0"/>
+                  <a:rPr lang="en-US" sz="1500" dirty="0"/>
                   <a:t>:</a:t>
                 </a:r>
               </a:p>
@@ -8481,38 +8314,38 @@
                   </m:oMath>
                 </a14:m>
                 <a:r>
-                  <a:rPr lang="en-US" sz="1300" dirty="0" smtClean="0"/>
-                  <a:t> </a:t>
-                </a:r>
-                <a:r>
-                  <a:rPr lang="en-US" sz="1300" dirty="0" err="1" smtClean="0"/>
+                  <a:rPr lang="en-US" sz="1300" dirty="0"/>
+                  <a:t> </a:t>
+                </a:r>
+                <a:r>
+                  <a:rPr lang="en-US" sz="1300" dirty="0" err="1"/>
                   <a:t>là</a:t>
                 </a:r>
                 <a:r>
-                  <a:rPr lang="en-US" sz="1300" dirty="0" smtClean="0"/>
+                  <a:rPr lang="en-US" sz="1300" dirty="0"/>
                   <a:t> vector </a:t>
                 </a:r>
                 <a:r>
-                  <a:rPr lang="en-US" sz="1300" dirty="0" err="1" smtClean="0"/>
+                  <a:rPr lang="en-US" sz="1300" dirty="0" err="1"/>
                   <a:t>của</a:t>
                 </a:r>
                 <a:r>
-                  <a:rPr lang="en-US" sz="1300" dirty="0" smtClean="0"/>
-                  <a:t> </a:t>
-                </a:r>
-                <a:r>
-                  <a:rPr lang="en-US" sz="1300" dirty="0" err="1" smtClean="0"/>
+                  <a:rPr lang="en-US" sz="1300" dirty="0"/>
+                  <a:t> </a:t>
+                </a:r>
+                <a:r>
+                  <a:rPr lang="en-US" sz="1300" dirty="0" err="1"/>
                   <a:t>tham</a:t>
                 </a:r>
                 <a:r>
-                  <a:rPr lang="en-US" sz="1300" dirty="0" smtClean="0"/>
-                  <a:t> </a:t>
-                </a:r>
-                <a:r>
-                  <a:rPr lang="en-US" sz="1300" dirty="0" err="1" smtClean="0"/>
+                  <a:rPr lang="en-US" sz="1300" dirty="0"/>
+                  <a:t> </a:t>
+                </a:r>
+                <a:r>
+                  <a:rPr lang="en-US" sz="1300" dirty="0" err="1"/>
                   <a:t>số</a:t>
                 </a:r>
-                <a:endParaRPr lang="en-US" sz="1300" dirty="0" smtClean="0"/>
+                <a:endParaRPr lang="en-US" sz="1300" dirty="0"/>
               </a:p>
               <a:p>
                 <a:pPr lvl="2"/>
@@ -8527,35 +8360,35 @@
                   </m:oMath>
                 </a14:m>
                 <a:r>
-                  <a:rPr lang="en-US" sz="1300" dirty="0" smtClean="0"/>
-                  <a:t> </a:t>
-                </a:r>
-                <a:r>
-                  <a:rPr lang="en-US" sz="1300" dirty="0" err="1" smtClean="0"/>
+                  <a:rPr lang="en-US" sz="1300" dirty="0"/>
+                  <a:t> </a:t>
+                </a:r>
+                <a:r>
+                  <a:rPr lang="en-US" sz="1300" dirty="0" err="1"/>
                   <a:t>là</a:t>
                 </a:r>
                 <a:r>
-                  <a:rPr lang="en-US" sz="1300" dirty="0" smtClean="0"/>
+                  <a:rPr lang="en-US" sz="1300" dirty="0"/>
                   <a:t> vector </a:t>
                 </a:r>
                 <a:r>
-                  <a:rPr lang="en-US" sz="1300" dirty="0" err="1" smtClean="0"/>
+                  <a:rPr lang="en-US" sz="1300" dirty="0" err="1"/>
                   <a:t>của</a:t>
                 </a:r>
                 <a:r>
-                  <a:rPr lang="en-US" sz="1300" dirty="0" smtClean="0"/>
-                  <a:t> </a:t>
-                </a:r>
-                <a:r>
-                  <a:rPr lang="en-US" sz="1300" dirty="0" err="1" smtClean="0"/>
+                  <a:rPr lang="en-US" sz="1300" dirty="0"/>
+                  <a:t> </a:t>
+                </a:r>
+                <a:r>
+                  <a:rPr lang="en-US" sz="1300" dirty="0" err="1"/>
                   <a:t>hàm</a:t>
                 </a:r>
                 <a:r>
-                  <a:rPr lang="en-US" sz="1300" dirty="0" smtClean="0"/>
-                  <a:t> </a:t>
-                </a:r>
-                <a:r>
-                  <a:rPr lang="en-US" sz="1300" dirty="0" err="1" smtClean="0"/>
+                  <a:rPr lang="en-US" sz="1300" dirty="0"/>
+                  <a:t> </a:t>
+                </a:r>
+                <a:r>
+                  <a:rPr lang="en-US" sz="1300" dirty="0" err="1"/>
                   <a:t>số</a:t>
                 </a:r>
                 <a:endParaRPr lang="en-US" sz="1300" dirty="0"/>
@@ -8563,7 +8396,7 @@
               <a:p>
                 <a:pPr lvl="1"/>
                 <a:r>
-                  <a:rPr lang="en-US" sz="1500" dirty="0" smtClean="0"/>
+                  <a:rPr lang="en-US" sz="1500" dirty="0"/>
                   <a:t>Loss Function:</a:t>
                 </a:r>
               </a:p>
@@ -8789,50 +8622,45 @@
                     </m:oMath>
                   </m:oMathPara>
                 </a14:m>
-                <a:endParaRPr lang="en-US" sz="1300" dirty="0" smtClean="0"/>
+                <a:endParaRPr lang="en-US" sz="1300" dirty="0"/>
               </a:p>
               <a:p>
                 <a:pPr lvl="1"/>
                 <a:r>
-                  <a:rPr lang="en-US" sz="1500" dirty="0" smtClean="0"/>
+                  <a:rPr lang="en-US" sz="1500" dirty="0"/>
                   <a:t>Ý </a:t>
                 </a:r>
                 <a:r>
-                  <a:rPr lang="en-US" sz="1500" dirty="0" err="1" smtClean="0"/>
+                  <a:rPr lang="en-US" sz="1500" dirty="0" err="1"/>
                   <a:t>tưởng</a:t>
                 </a:r>
                 <a:r>
-                  <a:rPr lang="en-US" sz="1500" dirty="0" smtClean="0"/>
+                  <a:rPr lang="en-US" sz="1500" dirty="0"/>
                   <a:t> </a:t>
                 </a:r>
                 <a:r>
                   <a:rPr lang="en-US" sz="1500" dirty="0" err="1"/>
-                  <a:t>t</a:t>
-                </a:r>
-                <a:r>
-                  <a:rPr lang="en-US" sz="1500" dirty="0" err="1" smtClean="0"/>
-                  <a:t>huật</a:t>
-                </a:r>
-                <a:r>
-                  <a:rPr lang="en-US" sz="1500" dirty="0" smtClean="0"/>
-                  <a:t> </a:t>
-                </a:r>
-                <a:r>
-                  <a:rPr lang="en-US" sz="1500" dirty="0" err="1" smtClean="0"/>
+                  <a:t>thuật</a:t>
+                </a:r>
+                <a:r>
+                  <a:rPr lang="en-US" sz="1500" dirty="0"/>
+                  <a:t> </a:t>
+                </a:r>
+                <a:r>
+                  <a:rPr lang="en-US" sz="1500" dirty="0" err="1"/>
                   <a:t>toán</a:t>
                 </a:r>
                 <a:r>
                   <a:rPr lang="en-US" sz="1300" dirty="0"/>
                   <a:t>:</a:t>
                 </a:r>
-                <a:endParaRPr lang="en-US" sz="1300" dirty="0" smtClean="0"/>
               </a:p>
               <a:p>
                 <a:pPr marL="914400" lvl="2" indent="0">
                   <a:buNone/>
                 </a:pPr>
                 <a:r>
-                  <a:rPr lang="en-US" sz="1300" dirty="0" smtClean="0"/>
+                  <a:rPr lang="en-US" sz="1300" dirty="0"/>
                   <a:t>Repeat {</a:t>
                 </a:r>
               </a:p>
@@ -8841,7 +8669,7 @@
                   <a:buNone/>
                 </a:pPr>
                 <a:r>
-                  <a:rPr lang="en-US" sz="1300" dirty="0" smtClean="0"/>
+                  <a:rPr lang="en-US" sz="1300" dirty="0"/>
                   <a:t>	</a:t>
                 </a:r>
                 <a14:m>
@@ -9133,14 +8961,14 @@
                     </m:sSup>
                   </m:oMath>
                 </a14:m>
-                <a:endParaRPr lang="en-US" sz="1300" dirty="0" smtClean="0"/>
+                <a:endParaRPr lang="en-US" sz="1300" dirty="0"/>
               </a:p>
               <a:p>
                 <a:pPr marL="914400" lvl="2" indent="0">
                   <a:buNone/>
                 </a:pPr>
                 <a:r>
-                  <a:rPr lang="en-US" sz="1300" dirty="0" smtClean="0"/>
+                  <a:rPr lang="en-US" sz="1300" dirty="0"/>
                   <a:t>}</a:t>
                 </a:r>
               </a:p>
@@ -9148,7 +8976,7 @@
                 <a:pPr marL="0" lvl="1" indent="0">
                   <a:buNone/>
                 </a:pPr>
-                <a:endParaRPr lang="en-US" sz="1400" dirty="0" smtClean="0"/>
+                <a:endParaRPr lang="en-US" sz="1400" dirty="0"/>
               </a:p>
               <a:p>
                 <a:pPr>
@@ -9160,7 +8988,7 @@
             </p:txBody>
           </p:sp>
         </mc:Choice>
-        <mc:Fallback>
+        <mc:Fallback xmlns="">
           <p:sp>
             <p:nvSpPr>
               <p:cNvPr id="3" name="Content Placeholder 2"/>
@@ -9218,18 +9046,13 @@
           <a:p>
             <a:pPr algn="ctr"/>
             <a:r>
-              <a:rPr lang="en-US" sz="3600" dirty="0" smtClean="0">
+              <a:rPr lang="en-US" sz="3600" dirty="0">
                 <a:solidFill>
                   <a:schemeClr val="bg1"/>
                 </a:solidFill>
               </a:rPr>
               <a:t>3</a:t>
             </a:r>
-            <a:endParaRPr lang="en-US" sz="3600" dirty="0">
-              <a:solidFill>
-                <a:schemeClr val="bg1"/>
-              </a:solidFill>
-            </a:endParaRPr>
           </a:p>
         </p:txBody>
       </p:sp>
@@ -9296,13 +9119,6 @@
   <p:clrMapOvr>
     <a:masterClrMapping/>
   </p:clrMapOvr>
-  <p:timing>
-    <p:tnLst>
-      <p:par>
-        <p:cTn id="1" dur="indefinite" restart="never" nodeType="tmRoot"/>
-      </p:par>
-    </p:tnLst>
-  </p:timing>
 </p:sld>
 </file>
 
@@ -9339,34 +9155,34 @@
           <a:lstStyle/>
           <a:p>
             <a:r>
-              <a:rPr lang="en-US" dirty="0" smtClean="0"/>
+              <a:rPr lang="en-US" dirty="0"/>
               <a:t>Gradient Descent </a:t>
             </a:r>
             <a:br>
-              <a:rPr lang="en-US" dirty="0" smtClean="0"/>
+              <a:rPr lang="en-US" dirty="0"/>
             </a:br>
             <a:r>
-              <a:rPr lang="en-US" sz="1600" dirty="0" err="1" smtClean="0"/>
+              <a:rPr lang="en-US" sz="1600" dirty="0" err="1"/>
               <a:t>Tối</a:t>
             </a:r>
             <a:r>
-              <a:rPr lang="en-US" sz="1600" dirty="0" smtClean="0"/>
+              <a:rPr lang="en-US" sz="1600" dirty="0"/>
               <a:t> </a:t>
             </a:r>
             <a:r>
-              <a:rPr lang="en-US" sz="1600" dirty="0" err="1" smtClean="0"/>
+              <a:rPr lang="en-US" sz="1600" dirty="0" err="1"/>
               <a:t>ưu</a:t>
             </a:r>
             <a:r>
-              <a:rPr lang="en-US" sz="1600" dirty="0" smtClean="0"/>
+              <a:rPr lang="en-US" sz="1600" dirty="0"/>
               <a:t> Gradient Descent</a:t>
             </a:r>
             <a:endParaRPr lang="en-US" dirty="0"/>
           </a:p>
         </p:txBody>
       </p:sp>
-      <mc:AlternateContent xmlns:mc="http://schemas.openxmlformats.org/markup-compatibility/2006">
-        <mc:Choice xmlns:a14="http://schemas.microsoft.com/office/drawing/2010/main" Requires="a14">
+      <mc:AlternateContent xmlns:mc="http://schemas.openxmlformats.org/markup-compatibility/2006" xmlns:a14="http://schemas.microsoft.com/office/drawing/2010/main">
+        <mc:Choice Requires="a14">
           <p:sp>
             <p:nvSpPr>
               <p:cNvPr id="3" name="Content Placeholder 2"/>
@@ -9389,171 +9205,171 @@
                   <a:buChar char="§"/>
                 </a:pPr>
                 <a:r>
-                  <a:rPr lang="en-US" sz="1800" dirty="0" smtClean="0"/>
+                  <a:rPr lang="en-US" sz="1800" dirty="0"/>
                   <a:t>Bài </a:t>
                 </a:r>
                 <a:r>
-                  <a:rPr lang="en-US" sz="1800" dirty="0" err="1" smtClean="0"/>
+                  <a:rPr lang="en-US" sz="1800" dirty="0" err="1"/>
                   <a:t>toán</a:t>
                 </a:r>
                 <a:r>
-                  <a:rPr lang="en-US" sz="1800" dirty="0" smtClean="0"/>
-                  <a:t> </a:t>
-                </a:r>
-                <a:r>
-                  <a:rPr lang="en-US" sz="1800" dirty="0" err="1" smtClean="0"/>
+                  <a:rPr lang="en-US" sz="1800" dirty="0"/>
+                  <a:t> </a:t>
+                </a:r>
+                <a:r>
+                  <a:rPr lang="en-US" sz="1800" dirty="0" err="1"/>
                   <a:t>đang</a:t>
                 </a:r>
                 <a:r>
-                  <a:rPr lang="en-US" sz="1800" dirty="0" smtClean="0"/>
-                  <a:t> </a:t>
-                </a:r>
-                <a:r>
-                  <a:rPr lang="en-US" sz="1800" dirty="0" err="1" smtClean="0"/>
+                  <a:rPr lang="en-US" sz="1800" dirty="0"/>
+                  <a:t> </a:t>
+                </a:r>
+                <a:r>
+                  <a:rPr lang="en-US" sz="1800" dirty="0" err="1"/>
                   <a:t>xét</a:t>
                 </a:r>
                 <a:r>
-                  <a:rPr lang="en-US" sz="1800" dirty="0" smtClean="0"/>
-                  <a:t> </a:t>
-                </a:r>
-                <a:r>
-                  <a:rPr lang="en-US" sz="1800" dirty="0" err="1" smtClean="0"/>
+                  <a:rPr lang="en-US" sz="1800" dirty="0"/>
+                  <a:t> </a:t>
+                </a:r>
+                <a:r>
+                  <a:rPr lang="en-US" sz="1800" dirty="0" err="1"/>
                   <a:t>là</a:t>
                 </a:r>
                 <a:r>
-                  <a:rPr lang="en-US" sz="1800" dirty="0" smtClean="0"/>
+                  <a:rPr lang="en-US" sz="1800" dirty="0"/>
                   <a:t> PT </a:t>
                 </a:r>
                 <a:r>
-                  <a:rPr lang="en-US" sz="1800" dirty="0" err="1" smtClean="0"/>
+                  <a:rPr lang="en-US" sz="1800" dirty="0" err="1"/>
                   <a:t>bậc</a:t>
                 </a:r>
                 <a:r>
-                  <a:rPr lang="en-US" sz="1800" dirty="0" smtClean="0"/>
+                  <a:rPr lang="en-US" sz="1800" dirty="0"/>
                   <a:t> 2 </a:t>
                 </a:r>
                 <a:r>
-                  <a:rPr lang="en-US" sz="1800" dirty="0" err="1" smtClean="0"/>
+                  <a:rPr lang="en-US" sz="1800" dirty="0" err="1"/>
                   <a:t>nên</a:t>
                 </a:r>
                 <a:r>
-                  <a:rPr lang="en-US" sz="1800" dirty="0" smtClean="0"/>
-                  <a:t> </a:t>
-                </a:r>
-                <a:r>
-                  <a:rPr lang="en-US" sz="1800" dirty="0" err="1" smtClean="0"/>
+                  <a:rPr lang="en-US" sz="1800" dirty="0"/>
+                  <a:t> </a:t>
+                </a:r>
+                <a:r>
+                  <a:rPr lang="en-US" sz="1800" dirty="0" err="1"/>
                   <a:t>sẽ</a:t>
                 </a:r>
                 <a:r>
-                  <a:rPr lang="en-US" sz="1800" dirty="0" smtClean="0"/>
-                  <a:t> </a:t>
-                </a:r>
-                <a:r>
-                  <a:rPr lang="en-US" sz="1800" dirty="0" err="1" smtClean="0"/>
+                  <a:rPr lang="en-US" sz="1800" dirty="0"/>
+                  <a:t> </a:t>
+                </a:r>
+                <a:r>
+                  <a:rPr lang="en-US" sz="1800" dirty="0" err="1"/>
                   <a:t>chỉ</a:t>
                 </a:r>
                 <a:r>
-                  <a:rPr lang="en-US" sz="1800" dirty="0" smtClean="0"/>
-                  <a:t> </a:t>
-                </a:r>
-                <a:r>
-                  <a:rPr lang="en-US" sz="1800" dirty="0" err="1" smtClean="0"/>
+                  <a:rPr lang="en-US" sz="1800" dirty="0"/>
+                  <a:t> </a:t>
+                </a:r>
+                <a:r>
+                  <a:rPr lang="en-US" sz="1800" dirty="0" err="1"/>
                   <a:t>có</a:t>
                 </a:r>
                 <a:r>
-                  <a:rPr lang="en-US" sz="1800" dirty="0" smtClean="0"/>
+                  <a:rPr lang="en-US" sz="1800" dirty="0"/>
                   <a:t> 1 </a:t>
                 </a:r>
                 <a:r>
-                  <a:rPr lang="en-US" sz="1800" dirty="0" err="1" smtClean="0"/>
+                  <a:rPr lang="en-US" sz="1800" dirty="0" err="1"/>
                   <a:t>điểm</a:t>
                 </a:r>
                 <a:r>
-                  <a:rPr lang="en-US" sz="1800" dirty="0" smtClean="0"/>
-                  <a:t> </a:t>
-                </a:r>
-                <a:r>
-                  <a:rPr lang="en-US" sz="1800" dirty="0" err="1" smtClean="0"/>
+                  <a:rPr lang="en-US" sz="1800" dirty="0"/>
+                  <a:t> </a:t>
+                </a:r>
+                <a:r>
+                  <a:rPr lang="en-US" sz="1800" dirty="0" err="1"/>
                   <a:t>cực</a:t>
                 </a:r>
                 <a:r>
-                  <a:rPr lang="en-US" sz="1800" dirty="0" smtClean="0"/>
-                  <a:t> </a:t>
-                </a:r>
-                <a:r>
-                  <a:rPr lang="en-US" sz="1800" dirty="0" err="1" smtClean="0"/>
+                  <a:rPr lang="en-US" sz="1800" dirty="0"/>
+                  <a:t> </a:t>
+                </a:r>
+                <a:r>
+                  <a:rPr lang="en-US" sz="1800" dirty="0" err="1"/>
                   <a:t>trị</a:t>
                 </a:r>
                 <a:r>
-                  <a:rPr lang="en-US" sz="1800" dirty="0" smtClean="0"/>
+                  <a:rPr lang="en-US" sz="1800" dirty="0"/>
                   <a:t>. </a:t>
                 </a:r>
                 <a:r>
-                  <a:rPr lang="en-US" sz="1800" dirty="0" err="1" smtClean="0"/>
+                  <a:rPr lang="en-US" sz="1800" dirty="0" err="1"/>
                   <a:t>Vậy</a:t>
                 </a:r>
                 <a:r>
-                  <a:rPr lang="en-US" sz="1800" dirty="0" smtClean="0"/>
-                  <a:t> </a:t>
-                </a:r>
-                <a:r>
-                  <a:rPr lang="en-US" sz="1800" dirty="0" err="1" smtClean="0"/>
+                  <a:rPr lang="en-US" sz="1800" dirty="0"/>
+                  <a:t> </a:t>
+                </a:r>
+                <a:r>
+                  <a:rPr lang="en-US" sz="1800" dirty="0" err="1"/>
                   <a:t>bài</a:t>
                 </a:r>
                 <a:r>
-                  <a:rPr lang="en-US" sz="1800" dirty="0" smtClean="0"/>
-                  <a:t> </a:t>
-                </a:r>
-                <a:r>
-                  <a:rPr lang="en-US" sz="1800" dirty="0" err="1" smtClean="0"/>
+                  <a:rPr lang="en-US" sz="1800" dirty="0"/>
+                  <a:t> </a:t>
+                </a:r>
+                <a:r>
+                  <a:rPr lang="en-US" sz="1800" dirty="0" err="1"/>
                   <a:t>toán</a:t>
                 </a:r>
                 <a:r>
-                  <a:rPr lang="en-US" sz="1800" dirty="0" smtClean="0"/>
-                  <a:t> </a:t>
-                </a:r>
-                <a:r>
-                  <a:rPr lang="en-US" sz="1800" dirty="0" err="1" smtClean="0"/>
+                  <a:rPr lang="en-US" sz="1800" dirty="0"/>
+                  <a:t> </a:t>
+                </a:r>
+                <a:r>
+                  <a:rPr lang="en-US" sz="1800" dirty="0" err="1"/>
                   <a:t>có</a:t>
                 </a:r>
                 <a:r>
-                  <a:rPr lang="en-US" sz="1800" dirty="0" smtClean="0"/>
-                  <a:t> </a:t>
-                </a:r>
-                <a:r>
-                  <a:rPr lang="en-US" sz="1800" dirty="0" err="1" smtClean="0"/>
+                  <a:rPr lang="en-US" sz="1800" dirty="0"/>
+                  <a:t> </a:t>
+                </a:r>
+                <a:r>
+                  <a:rPr lang="en-US" sz="1800" dirty="0" err="1"/>
                   <a:t>nhiều</a:t>
                 </a:r>
                 <a:r>
-                  <a:rPr lang="en-US" sz="1800" dirty="0" smtClean="0"/>
-                  <a:t> </a:t>
-                </a:r>
-                <a:r>
-                  <a:rPr lang="en-US" sz="1800" dirty="0" err="1" smtClean="0"/>
+                  <a:rPr lang="en-US" sz="1800" dirty="0"/>
+                  <a:t> </a:t>
+                </a:r>
+                <a:r>
+                  <a:rPr lang="en-US" sz="1800" dirty="0" err="1"/>
                   <a:t>hơn</a:t>
                 </a:r>
                 <a:r>
-                  <a:rPr lang="en-US" sz="1800" dirty="0" smtClean="0"/>
+                  <a:rPr lang="en-US" sz="1800" dirty="0"/>
                   <a:t> 1 </a:t>
                 </a:r>
                 <a:r>
-                  <a:rPr lang="en-US" sz="1800" dirty="0" err="1" smtClean="0"/>
+                  <a:rPr lang="en-US" sz="1800" dirty="0" err="1"/>
                   <a:t>điểm</a:t>
                 </a:r>
                 <a:r>
-                  <a:rPr lang="en-US" sz="1800" dirty="0" smtClean="0"/>
-                  <a:t> </a:t>
-                </a:r>
-                <a:r>
-                  <a:rPr lang="en-US" sz="1800" dirty="0" err="1" smtClean="0"/>
+                  <a:rPr lang="en-US" sz="1800" dirty="0"/>
+                  <a:t> </a:t>
+                </a:r>
+                <a:r>
+                  <a:rPr lang="en-US" sz="1800" dirty="0" err="1"/>
                   <a:t>cực</a:t>
                 </a:r>
                 <a:r>
-                  <a:rPr lang="en-US" sz="1800" dirty="0" smtClean="0"/>
-                  <a:t> </a:t>
-                </a:r>
-                <a:r>
-                  <a:rPr lang="en-US" sz="1800" dirty="0" err="1" smtClean="0"/>
+                  <a:rPr lang="en-US" sz="1800" dirty="0"/>
+                  <a:t> </a:t>
+                </a:r>
+                <a:r>
+                  <a:rPr lang="en-US" sz="1800" dirty="0" err="1"/>
                   <a:t>trị</a:t>
                 </a:r>
                 <a:r>
@@ -9561,59 +9377,59 @@
                   <a:t> </a:t>
                 </a:r>
                 <a:r>
-                  <a:rPr lang="en-US" sz="1800" dirty="0" err="1" smtClean="0"/>
+                  <a:rPr lang="en-US" sz="1800" dirty="0" err="1"/>
                   <a:t>thì</a:t>
                 </a:r>
                 <a:r>
-                  <a:rPr lang="en-US" sz="1800" dirty="0" smtClean="0"/>
+                  <a:rPr lang="en-US" sz="1800" dirty="0"/>
                   <a:t> Gradient Descent </a:t>
                 </a:r>
                 <a:r>
-                  <a:rPr lang="en-US" sz="1800" dirty="0" err="1" smtClean="0"/>
+                  <a:rPr lang="en-US" sz="1800" dirty="0" err="1"/>
                   <a:t>sẽ</a:t>
                 </a:r>
                 <a:r>
-                  <a:rPr lang="en-US" sz="1800" dirty="0" smtClean="0"/>
-                  <a:t> </a:t>
-                </a:r>
-                <a:r>
-                  <a:rPr lang="en-US" sz="1800" dirty="0" err="1" smtClean="0"/>
+                  <a:rPr lang="en-US" sz="1800" dirty="0"/>
+                  <a:t> </a:t>
+                </a:r>
+                <a:r>
+                  <a:rPr lang="en-US" sz="1800" dirty="0" err="1"/>
                   <a:t>gặp</a:t>
                 </a:r>
                 <a:r>
-                  <a:rPr lang="en-US" sz="1800" dirty="0" smtClean="0"/>
-                  <a:t> </a:t>
-                </a:r>
-                <a:r>
-                  <a:rPr lang="en-US" sz="1800" dirty="0" err="1" smtClean="0"/>
+                  <a:rPr lang="en-US" sz="1800" dirty="0"/>
+                  <a:t> </a:t>
+                </a:r>
+                <a:r>
+                  <a:rPr lang="en-US" sz="1800" dirty="0" err="1"/>
                   <a:t>phải</a:t>
                 </a:r>
                 <a:r>
-                  <a:rPr lang="en-US" sz="1800" dirty="0" smtClean="0"/>
-                  <a:t> </a:t>
-                </a:r>
-                <a:r>
-                  <a:rPr lang="en-US" sz="1800" dirty="0" err="1" smtClean="0"/>
+                  <a:rPr lang="en-US" sz="1800" dirty="0"/>
+                  <a:t> </a:t>
+                </a:r>
+                <a:r>
+                  <a:rPr lang="en-US" sz="1800" dirty="0" err="1"/>
                   <a:t>vấn</a:t>
                 </a:r>
                 <a:r>
-                  <a:rPr lang="en-US" sz="1800" dirty="0" smtClean="0"/>
-                  <a:t> </a:t>
-                </a:r>
-                <a:r>
-                  <a:rPr lang="en-US" sz="1800" dirty="0" err="1" smtClean="0"/>
+                  <a:rPr lang="en-US" sz="1800" dirty="0"/>
+                  <a:t> </a:t>
+                </a:r>
+                <a:r>
+                  <a:rPr lang="en-US" sz="1800" dirty="0" err="1"/>
                   <a:t>đề</a:t>
                 </a:r>
                 <a:r>
-                  <a:rPr lang="en-US" sz="1800" dirty="0" smtClean="0"/>
-                  <a:t> </a:t>
-                </a:r>
-                <a:r>
-                  <a:rPr lang="en-US" sz="1800" dirty="0" err="1" smtClean="0"/>
+                  <a:rPr lang="en-US" sz="1800" dirty="0"/>
+                  <a:t> </a:t>
+                </a:r>
+                <a:r>
+                  <a:rPr lang="en-US" sz="1800" dirty="0" err="1"/>
                   <a:t>gì</a:t>
                 </a:r>
                 <a:r>
-                  <a:rPr lang="en-US" sz="1800" dirty="0" smtClean="0"/>
+                  <a:rPr lang="en-US" sz="1800" dirty="0"/>
                   <a:t>?</a:t>
                 </a:r>
               </a:p>
@@ -9623,35 +9439,35 @@
                   <a:buChar char="§"/>
                 </a:pPr>
                 <a:r>
-                  <a:rPr lang="en-US" sz="1800" dirty="0" err="1" smtClean="0"/>
+                  <a:rPr lang="en-US" sz="1800" dirty="0" err="1"/>
                   <a:t>Xét</a:t>
                 </a:r>
                 <a:r>
-                  <a:rPr lang="en-US" sz="1800" dirty="0" smtClean="0"/>
-                  <a:t> </a:t>
-                </a:r>
-                <a:r>
-                  <a:rPr lang="en-US" sz="1800" dirty="0" err="1" smtClean="0"/>
+                  <a:rPr lang="en-US" sz="1800" dirty="0"/>
+                  <a:t> </a:t>
+                </a:r>
+                <a:r>
+                  <a:rPr lang="en-US" sz="1800" dirty="0" err="1"/>
                   <a:t>hàm</a:t>
                 </a:r>
                 <a:r>
-                  <a:rPr lang="en-US" sz="1800" dirty="0" smtClean="0"/>
-                  <a:t> </a:t>
-                </a:r>
-                <a:r>
-                  <a:rPr lang="en-US" sz="1800" dirty="0" err="1" smtClean="0"/>
+                  <a:rPr lang="en-US" sz="1800" dirty="0"/>
+                  <a:t> </a:t>
+                </a:r>
+                <a:r>
+                  <a:rPr lang="en-US" sz="1800" dirty="0" err="1"/>
                   <a:t>số</a:t>
                 </a:r>
                 <a:r>
-                  <a:rPr lang="en-US" sz="1800" dirty="0" smtClean="0"/>
-                  <a:t> </a:t>
-                </a:r>
-                <a:r>
-                  <a:rPr lang="en-US" sz="1800" dirty="0" err="1" smtClean="0"/>
+                  <a:rPr lang="en-US" sz="1800" dirty="0"/>
+                  <a:t> </a:t>
+                </a:r>
+                <a:r>
+                  <a:rPr lang="en-US" sz="1800" dirty="0" err="1"/>
                   <a:t>sau</a:t>
                 </a:r>
                 <a:r>
-                  <a:rPr lang="en-US" sz="1800" dirty="0" smtClean="0"/>
+                  <a:rPr lang="en-US" sz="1800" dirty="0"/>
                   <a:t>: </a:t>
                 </a:r>
                 <a14:m>
@@ -9746,46 +9562,46 @@
                   </m:oMath>
                 </a14:m>
                 <a:r>
-                  <a:rPr lang="en-US" sz="1800" dirty="0" smtClean="0"/>
+                  <a:rPr lang="en-US" sz="1800" dirty="0"/>
                   <a:t>. </a:t>
                 </a:r>
               </a:p>
               <a:p>
                 <a:pPr lvl="1"/>
                 <a:r>
-                  <a:rPr lang="en-US" sz="1200" dirty="0" smtClean="0"/>
+                  <a:rPr lang="en-US" sz="1200" dirty="0"/>
                   <a:t>Hàm </a:t>
                 </a:r>
                 <a:r>
-                  <a:rPr lang="en-US" sz="1200" dirty="0" err="1" smtClean="0"/>
+                  <a:rPr lang="en-US" sz="1200" dirty="0" err="1"/>
                   <a:t>số</a:t>
                 </a:r>
                 <a:r>
-                  <a:rPr lang="en-US" sz="1200" dirty="0" smtClean="0"/>
-                  <a:t> </a:t>
-                </a:r>
-                <a:r>
-                  <a:rPr lang="en-US" sz="1200" dirty="0" err="1" smtClean="0"/>
+                  <a:rPr lang="en-US" sz="1200" dirty="0"/>
+                  <a:t> </a:t>
+                </a:r>
+                <a:r>
+                  <a:rPr lang="en-US" sz="1200" dirty="0" err="1"/>
                   <a:t>có</a:t>
                 </a:r>
                 <a:r>
-                  <a:rPr lang="en-US" sz="1200" dirty="0" smtClean="0"/>
-                  <a:t> </a:t>
-                </a:r>
-                <a:r>
-                  <a:rPr lang="en-US" sz="1200" dirty="0" err="1" smtClean="0"/>
+                  <a:rPr lang="en-US" sz="1200" dirty="0"/>
+                  <a:t> </a:t>
+                </a:r>
+                <a:r>
+                  <a:rPr lang="en-US" sz="1200" dirty="0" err="1"/>
                   <a:t>đạo</a:t>
                 </a:r>
                 <a:r>
-                  <a:rPr lang="en-US" sz="1200" dirty="0" smtClean="0"/>
-                  <a:t> </a:t>
-                </a:r>
-                <a:r>
-                  <a:rPr lang="en-US" sz="1200" dirty="0" err="1" smtClean="0"/>
+                  <a:rPr lang="en-US" sz="1200" dirty="0"/>
+                  <a:t> </a:t>
+                </a:r>
+                <a:r>
+                  <a:rPr lang="en-US" sz="1200" dirty="0" err="1"/>
                   <a:t>hàm</a:t>
                 </a:r>
                 <a:r>
-                  <a:rPr lang="en-US" sz="1200" dirty="0" smtClean="0"/>
+                  <a:rPr lang="en-US" sz="1200" dirty="0"/>
                   <a:t>: </a:t>
                 </a:r>
                 <a14:m>
@@ -9879,104 +9695,104 @@
                     </m:r>
                   </m:oMath>
                 </a14:m>
-                <a:endParaRPr lang="en-US" sz="1200" dirty="0" smtClean="0"/>
+                <a:endParaRPr lang="en-US" sz="1200" dirty="0"/>
               </a:p>
               <a:p>
                 <a:pPr lvl="1"/>
                 <a:r>
-                  <a:rPr lang="en-US" sz="1200" dirty="0" err="1" smtClean="0"/>
+                  <a:rPr lang="en-US" sz="1200" dirty="0" err="1"/>
                   <a:t>Đạo</a:t>
                 </a:r>
                 <a:r>
-                  <a:rPr lang="en-US" sz="1200" dirty="0" smtClean="0"/>
-                  <a:t> </a:t>
-                </a:r>
-                <a:r>
-                  <a:rPr lang="en-US" sz="1200" dirty="0" err="1" smtClean="0"/>
+                  <a:rPr lang="en-US" sz="1200" dirty="0"/>
+                  <a:t> </a:t>
+                </a:r>
+                <a:r>
+                  <a:rPr lang="en-US" sz="1200" dirty="0" err="1"/>
                   <a:t>hàm</a:t>
                 </a:r>
                 <a:r>
-                  <a:rPr lang="en-US" sz="1200" dirty="0" smtClean="0"/>
-                  <a:t> </a:t>
-                </a:r>
-                <a:r>
-                  <a:rPr lang="en-US" sz="1200" dirty="0" err="1" smtClean="0"/>
+                  <a:rPr lang="en-US" sz="1200" dirty="0"/>
+                  <a:t> </a:t>
+                </a:r>
+                <a:r>
+                  <a:rPr lang="en-US" sz="1200" dirty="0" err="1"/>
                   <a:t>của</a:t>
                 </a:r>
                 <a:r>
-                  <a:rPr lang="en-US" sz="1200" dirty="0" smtClean="0"/>
-                  <a:t> </a:t>
-                </a:r>
-                <a:r>
-                  <a:rPr lang="en-US" sz="1200" dirty="0" err="1" smtClean="0"/>
+                  <a:rPr lang="en-US" sz="1200" dirty="0"/>
+                  <a:t> </a:t>
+                </a:r>
+                <a:r>
+                  <a:rPr lang="en-US" sz="1200" dirty="0" err="1"/>
                   <a:t>hàm</a:t>
                 </a:r>
                 <a:r>
-                  <a:rPr lang="en-US" sz="1200" dirty="0" smtClean="0"/>
-                  <a:t> </a:t>
-                </a:r>
-                <a:r>
-                  <a:rPr lang="en-US" sz="1200" dirty="0" err="1" smtClean="0"/>
+                  <a:rPr lang="en-US" sz="1200" dirty="0"/>
+                  <a:t> </a:t>
+                </a:r>
+                <a:r>
+                  <a:rPr lang="en-US" sz="1200" dirty="0" err="1"/>
                   <a:t>số</a:t>
                 </a:r>
                 <a:r>
-                  <a:rPr lang="en-US" sz="1200" dirty="0" smtClean="0"/>
-                  <a:t> </a:t>
-                </a:r>
-                <a:r>
-                  <a:rPr lang="en-US" sz="1200" dirty="0" err="1" smtClean="0"/>
+                  <a:rPr lang="en-US" sz="1200" dirty="0"/>
+                  <a:t> </a:t>
+                </a:r>
+                <a:r>
+                  <a:rPr lang="en-US" sz="1200" dirty="0" err="1"/>
                   <a:t>có</a:t>
                 </a:r>
                 <a:r>
-                  <a:rPr lang="en-US" sz="1200" dirty="0" smtClean="0"/>
+                  <a:rPr lang="en-US" sz="1200" dirty="0"/>
                   <a:t> 3 </a:t>
                 </a:r>
                 <a:r>
-                  <a:rPr lang="en-US" sz="1200" dirty="0" err="1" smtClean="0"/>
+                  <a:rPr lang="en-US" sz="1200" dirty="0" err="1"/>
                   <a:t>cực</a:t>
                 </a:r>
                 <a:r>
-                  <a:rPr lang="en-US" sz="1200" dirty="0" smtClean="0"/>
-                  <a:t> </a:t>
-                </a:r>
-                <a:r>
-                  <a:rPr lang="en-US" sz="1200" dirty="0" err="1" smtClean="0"/>
+                  <a:rPr lang="en-US" sz="1200" dirty="0"/>
+                  <a:t> </a:t>
+                </a:r>
+                <a:r>
+                  <a:rPr lang="en-US" sz="1200" dirty="0" err="1"/>
                   <a:t>trị</a:t>
                 </a:r>
                 <a:r>
-                  <a:rPr lang="en-US" sz="1200" dirty="0" smtClean="0"/>
-                  <a:t> </a:t>
-                </a:r>
-                <a:r>
-                  <a:rPr lang="en-US" sz="1200" dirty="0" err="1" smtClean="0"/>
+                  <a:rPr lang="en-US" sz="1200" dirty="0"/>
+                  <a:t> </a:t>
+                </a:r>
+                <a:r>
+                  <a:rPr lang="en-US" sz="1200" dirty="0" err="1"/>
                   <a:t>là</a:t>
                 </a:r>
                 <a:r>
-                  <a:rPr lang="en-US" sz="1200" dirty="0" smtClean="0"/>
+                  <a:rPr lang="en-US" sz="1200" dirty="0"/>
                   <a:t> U, T, S </a:t>
                 </a:r>
                 <a:r>
-                  <a:rPr lang="en-US" sz="1200" dirty="0" err="1" smtClean="0"/>
+                  <a:rPr lang="en-US" sz="1200" dirty="0" err="1"/>
                   <a:t>tương</a:t>
                 </a:r>
                 <a:r>
-                  <a:rPr lang="en-US" sz="1200" dirty="0" smtClean="0"/>
-                  <a:t> </a:t>
-                </a:r>
-                <a:r>
-                  <a:rPr lang="en-US" sz="1200" dirty="0" err="1" smtClean="0"/>
+                  <a:rPr lang="en-US" sz="1200" dirty="0"/>
+                  <a:t> </a:t>
+                </a:r>
+                <a:r>
+                  <a:rPr lang="en-US" sz="1200" dirty="0" err="1"/>
                   <a:t>ứng</a:t>
                 </a:r>
                 <a:r>
-                  <a:rPr lang="en-US" sz="1200" dirty="0" smtClean="0"/>
-                  <a:t> </a:t>
-                </a:r>
-                <a:r>
-                  <a:rPr lang="en-US" sz="1200" dirty="0" err="1" smtClean="0"/>
+                  <a:rPr lang="en-US" sz="1200" dirty="0"/>
+                  <a:t> </a:t>
+                </a:r>
+                <a:r>
+                  <a:rPr lang="en-US" sz="1200" dirty="0" err="1"/>
                   <a:t>với</a:t>
                 </a:r>
                 <a:r>
-                  <a:rPr lang="en-US" sz="1200" dirty="0" smtClean="0"/>
+                  <a:rPr lang="en-US" sz="1200" dirty="0"/>
                   <a:t> </a:t>
                 </a:r>
               </a:p>
@@ -9985,94 +9801,94 @@
                   <a:buNone/>
                 </a:pPr>
                 <a:r>
-                  <a:rPr lang="en-US" sz="1200" dirty="0" smtClean="0"/>
+                  <a:rPr lang="en-US" sz="1200" dirty="0"/>
                   <a:t>3 </a:t>
                 </a:r>
                 <a:r>
-                  <a:rPr lang="en-US" sz="1200" dirty="0" err="1" smtClean="0"/>
+                  <a:rPr lang="en-US" sz="1200" dirty="0" err="1"/>
                   <a:t>điểm</a:t>
                 </a:r>
                 <a:r>
-                  <a:rPr lang="en-US" sz="1200" dirty="0" smtClean="0"/>
+                  <a:rPr lang="en-US" sz="1200" dirty="0"/>
                   <a:t> A, B, C</a:t>
                 </a:r>
               </a:p>
               <a:p>
                 <a:pPr lvl="1"/>
                 <a:r>
-                  <a:rPr lang="en-US" sz="1200" dirty="0" smtClean="0"/>
+                  <a:rPr lang="en-US" sz="1200" dirty="0"/>
                   <a:t>Theo </a:t>
                 </a:r>
                 <a:r>
-                  <a:rPr lang="en-US" sz="1200" dirty="0" err="1" smtClean="0"/>
+                  <a:rPr lang="en-US" sz="1200" dirty="0" err="1"/>
                   <a:t>công</a:t>
                 </a:r>
                 <a:r>
-                  <a:rPr lang="en-US" sz="1200" dirty="0" smtClean="0"/>
-                  <a:t> </a:t>
-                </a:r>
-                <a:r>
-                  <a:rPr lang="en-US" sz="1200" dirty="0" err="1" smtClean="0"/>
+                  <a:rPr lang="en-US" sz="1200" dirty="0"/>
+                  <a:t> </a:t>
+                </a:r>
+                <a:r>
+                  <a:rPr lang="en-US" sz="1200" dirty="0" err="1"/>
                   <a:t>thức</a:t>
                 </a:r>
                 <a:r>
-                  <a:rPr lang="en-US" sz="1200" dirty="0" smtClean="0"/>
-                  <a:t> </a:t>
-                </a:r>
-                <a:r>
-                  <a:rPr lang="en-US" sz="1200" dirty="0" err="1" smtClean="0"/>
+                  <a:rPr lang="en-US" sz="1200" dirty="0"/>
+                  <a:t> </a:t>
+                </a:r>
+                <a:r>
+                  <a:rPr lang="en-US" sz="1200" dirty="0" err="1"/>
                   <a:t>tổng</a:t>
                 </a:r>
                 <a:r>
-                  <a:rPr lang="en-US" sz="1200" dirty="0" smtClean="0"/>
-                  <a:t> </a:t>
-                </a:r>
-                <a:r>
-                  <a:rPr lang="en-US" sz="1200" dirty="0" err="1" smtClean="0"/>
+                  <a:rPr lang="en-US" sz="1200" dirty="0"/>
+                  <a:t> </a:t>
+                </a:r>
+                <a:r>
+                  <a:rPr lang="en-US" sz="1200" dirty="0" err="1"/>
                   <a:t>quát</a:t>
                 </a:r>
                 <a:r>
-                  <a:rPr lang="en-US" sz="1200" dirty="0" smtClean="0"/>
-                  <a:t> </a:t>
-                </a:r>
-                <a:r>
-                  <a:rPr lang="en-US" sz="1200" dirty="0" err="1" smtClean="0"/>
+                  <a:rPr lang="en-US" sz="1200" dirty="0"/>
+                  <a:t> </a:t>
+                </a:r>
+                <a:r>
+                  <a:rPr lang="en-US" sz="1200" dirty="0" err="1"/>
                   <a:t>trên</a:t>
                 </a:r>
                 <a:r>
-                  <a:rPr lang="en-US" sz="1200" dirty="0" smtClean="0"/>
+                  <a:rPr lang="en-US" sz="1200" dirty="0"/>
                   <a:t>, </a:t>
                 </a:r>
                 <a:r>
-                  <a:rPr lang="en-US" sz="1200" dirty="0" err="1" smtClean="0"/>
+                  <a:rPr lang="en-US" sz="1200" dirty="0" err="1"/>
                   <a:t>nếu</a:t>
                 </a:r>
                 <a:r>
-                  <a:rPr lang="en-US" sz="1200" dirty="0" smtClean="0"/>
-                  <a:t> </a:t>
-                </a:r>
-                <a:r>
-                  <a:rPr lang="en-US" sz="1200" dirty="0" err="1" smtClean="0"/>
+                  <a:rPr lang="en-US" sz="1200" dirty="0"/>
+                  <a:t> </a:t>
+                </a:r>
+                <a:r>
+                  <a:rPr lang="en-US" sz="1200" dirty="0" err="1"/>
                   <a:t>chúng</a:t>
                 </a:r>
                 <a:r>
-                  <a:rPr lang="en-US" sz="1200" dirty="0" smtClean="0"/>
+                  <a:rPr lang="en-US" sz="1200" dirty="0"/>
                   <a:t> ta </a:t>
                 </a:r>
                 <a:r>
-                  <a:rPr lang="en-US" sz="1200" dirty="0" err="1" smtClean="0"/>
+                  <a:rPr lang="en-US" sz="1200" dirty="0" err="1"/>
                   <a:t>xét</a:t>
                 </a:r>
                 <a:r>
-                  <a:rPr lang="en-US" sz="1200" dirty="0" smtClean="0"/>
-                  <a:t> </a:t>
-                </a:r>
-                <a:r>
-                  <a:rPr lang="en-US" sz="1200" dirty="0" err="1" smtClean="0"/>
+                  <a:rPr lang="en-US" sz="1200" dirty="0"/>
+                  <a:t> </a:t>
+                </a:r>
+                <a:r>
+                  <a:rPr lang="en-US" sz="1200" dirty="0" err="1"/>
                   <a:t>điểm</a:t>
                 </a:r>
                 <a:r>
-                  <a:rPr lang="en-US" sz="1200" dirty="0" smtClean="0"/>
+                  <a:rPr lang="en-US" sz="1200" dirty="0"/>
                   <a:t> </a:t>
                 </a:r>
               </a:p>
@@ -10082,93 +9898,89 @@
                 </a:pPr>
                 <a:r>
                   <a:rPr lang="en-US" sz="1200" dirty="0" err="1"/>
-                  <a:t>n</a:t>
-                </a:r>
-                <a:r>
-                  <a:rPr lang="en-US" sz="1200" dirty="0" err="1" smtClean="0"/>
-                  <a:t>ằm</a:t>
-                </a:r>
-                <a:r>
-                  <a:rPr lang="en-US" sz="1200" dirty="0" smtClean="0"/>
-                  <a:t> </a:t>
-                </a:r>
-                <a:r>
-                  <a:rPr lang="en-US" sz="1200" dirty="0" err="1" smtClean="0"/>
+                  <a:t>nằm</a:t>
+                </a:r>
+                <a:r>
+                  <a:rPr lang="en-US" sz="1200" dirty="0"/>
+                  <a:t> </a:t>
+                </a:r>
+                <a:r>
+                  <a:rPr lang="en-US" sz="1200" dirty="0" err="1"/>
                   <a:t>bên</a:t>
                 </a:r>
                 <a:r>
-                  <a:rPr lang="en-US" sz="1200" dirty="0" smtClean="0"/>
-                  <a:t> </a:t>
-                </a:r>
-                <a:r>
-                  <a:rPr lang="en-US" sz="1200" dirty="0" err="1" smtClean="0"/>
+                  <a:rPr lang="en-US" sz="1200" dirty="0"/>
+                  <a:t> </a:t>
+                </a:r>
+                <a:r>
+                  <a:rPr lang="en-US" sz="1200" dirty="0" err="1"/>
                   <a:t>phải</a:t>
                 </a:r>
                 <a:r>
-                  <a:rPr lang="en-US" sz="1200" dirty="0" smtClean="0"/>
-                  <a:t> </a:t>
-                </a:r>
-                <a:r>
-                  <a:rPr lang="en-US" sz="1200" dirty="0" err="1" smtClean="0"/>
+                  <a:rPr lang="en-US" sz="1200" dirty="0"/>
+                  <a:t> </a:t>
+                </a:r>
+                <a:r>
+                  <a:rPr lang="en-US" sz="1200" dirty="0" err="1"/>
                   <a:t>điểm</a:t>
                 </a:r>
                 <a:r>
-                  <a:rPr lang="en-US" sz="1200" dirty="0" smtClean="0"/>
+                  <a:rPr lang="en-US" sz="1200" dirty="0"/>
                   <a:t> S </a:t>
                 </a:r>
                 <a:r>
-                  <a:rPr lang="en-US" sz="1200" dirty="0" err="1" smtClean="0"/>
+                  <a:rPr lang="en-US" sz="1200" dirty="0" err="1"/>
                   <a:t>thì</a:t>
                 </a:r>
                 <a:r>
-                  <a:rPr lang="en-US" sz="1200" dirty="0" smtClean="0"/>
-                  <a:t> </a:t>
-                </a:r>
-                <a:r>
-                  <a:rPr lang="en-US" sz="1200" dirty="0" err="1" smtClean="0"/>
+                  <a:rPr lang="en-US" sz="1200" dirty="0"/>
+                  <a:t> </a:t>
+                </a:r>
+                <a:r>
+                  <a:rPr lang="en-US" sz="1200" dirty="0" err="1"/>
                   <a:t>chúng</a:t>
                 </a:r>
                 <a:r>
-                  <a:rPr lang="en-US" sz="1200" dirty="0" smtClean="0"/>
+                  <a:rPr lang="en-US" sz="1200" dirty="0"/>
                   <a:t> ta </a:t>
                 </a:r>
                 <a:r>
-                  <a:rPr lang="en-US" sz="1200" dirty="0" err="1" smtClean="0"/>
+                  <a:rPr lang="en-US" sz="1200" dirty="0" err="1"/>
                   <a:t>chỉ</a:t>
                 </a:r>
                 <a:r>
-                  <a:rPr lang="en-US" sz="1200" dirty="0" smtClean="0"/>
-                  <a:t> </a:t>
-                </a:r>
-                <a:r>
-                  <a:rPr lang="en-US" sz="1200" dirty="0" err="1" smtClean="0"/>
+                  <a:rPr lang="en-US" sz="1200" dirty="0"/>
+                  <a:t> </a:t>
+                </a:r>
+                <a:r>
+                  <a:rPr lang="en-US" sz="1200" dirty="0" err="1"/>
                   <a:t>dịch</a:t>
                 </a:r>
                 <a:r>
-                  <a:rPr lang="en-US" sz="1200" dirty="0" smtClean="0"/>
-                  <a:t> </a:t>
-                </a:r>
-                <a:r>
-                  <a:rPr lang="en-US" sz="1200" dirty="0" err="1" smtClean="0"/>
+                  <a:rPr lang="en-US" sz="1200" dirty="0"/>
+                  <a:t> </a:t>
+                </a:r>
+                <a:r>
+                  <a:rPr lang="en-US" sz="1200" dirty="0" err="1"/>
                   <a:t>chuyển</a:t>
                 </a:r>
                 <a:r>
-                  <a:rPr lang="en-US" sz="1200" dirty="0" smtClean="0"/>
-                  <a:t> </a:t>
-                </a:r>
-                <a:r>
-                  <a:rPr lang="en-US" sz="1200" dirty="0" err="1" smtClean="0"/>
+                  <a:rPr lang="en-US" sz="1200" dirty="0"/>
+                  <a:t> </a:t>
+                </a:r>
+                <a:r>
+                  <a:rPr lang="en-US" sz="1200" dirty="0" err="1"/>
                   <a:t>điểm</a:t>
                 </a:r>
                 <a:r>
-                  <a:rPr lang="en-US" sz="1200" dirty="0" smtClean="0"/>
-                  <a:t> </a:t>
-                </a:r>
-                <a:r>
-                  <a:rPr lang="en-US" sz="1200" dirty="0" err="1" smtClean="0"/>
+                  <a:rPr lang="en-US" sz="1200" dirty="0"/>
+                  <a:t> </a:t>
+                </a:r>
+                <a:r>
+                  <a:rPr lang="en-US" sz="1200" dirty="0" err="1"/>
                   <a:t>đấy</a:t>
                 </a:r>
-                <a:endParaRPr lang="en-US" sz="1200" dirty="0" smtClean="0"/>
+                <a:endParaRPr lang="en-US" sz="1200" dirty="0"/>
               </a:p>
               <a:p>
                 <a:pPr marL="457200" lvl="1" indent="0">
@@ -10176,164 +9988,160 @@
                 </a:pPr>
                 <a:r>
                   <a:rPr lang="en-US" sz="1200" dirty="0" err="1"/>
-                  <a:t>t</a:t>
-                </a:r>
-                <a:r>
-                  <a:rPr lang="en-US" sz="1200" dirty="0" err="1" smtClean="0"/>
-                  <a:t>ới</a:t>
-                </a:r>
-                <a:r>
-                  <a:rPr lang="en-US" sz="1200" dirty="0" smtClean="0"/>
-                  <a:t> </a:t>
-                </a:r>
-                <a:r>
-                  <a:rPr lang="en-US" sz="1200" dirty="0" err="1" smtClean="0"/>
+                  <a:t>tới</a:t>
+                </a:r>
+                <a:r>
+                  <a:rPr lang="en-US" sz="1200" dirty="0"/>
+                  <a:t> </a:t>
+                </a:r>
+                <a:r>
+                  <a:rPr lang="en-US" sz="1200" dirty="0" err="1"/>
                   <a:t>điểm</a:t>
                 </a:r>
                 <a:r>
-                  <a:rPr lang="en-US" sz="1200" dirty="0" smtClean="0"/>
+                  <a:rPr lang="en-US" sz="1200" dirty="0"/>
                   <a:t> S (</a:t>
                 </a:r>
                 <a:r>
-                  <a:rPr lang="en-US" sz="1200" dirty="0" err="1" smtClean="0"/>
+                  <a:rPr lang="en-US" sz="1200" dirty="0" err="1"/>
                   <a:t>tương</a:t>
                 </a:r>
                 <a:r>
-                  <a:rPr lang="en-US" sz="1200" dirty="0" smtClean="0"/>
-                  <a:t> </a:t>
-                </a:r>
-                <a:r>
-                  <a:rPr lang="en-US" sz="1200" dirty="0" err="1" smtClean="0"/>
+                  <a:rPr lang="en-US" sz="1200" dirty="0"/>
+                  <a:t> </a:t>
+                </a:r>
+                <a:r>
+                  <a:rPr lang="en-US" sz="1200" dirty="0" err="1"/>
                   <a:t>đương</a:t>
                 </a:r>
                 <a:r>
-                  <a:rPr lang="en-US" sz="1200" dirty="0" smtClean="0"/>
-                  <a:t> </a:t>
-                </a:r>
-                <a:r>
-                  <a:rPr lang="en-US" sz="1200" dirty="0" err="1" smtClean="0"/>
+                  <a:rPr lang="en-US" sz="1200" dirty="0"/>
+                  <a:t> </a:t>
+                </a:r>
+                <a:r>
+                  <a:rPr lang="en-US" sz="1200" dirty="0" err="1"/>
                   <a:t>điểm</a:t>
                 </a:r>
                 <a:r>
-                  <a:rPr lang="en-US" sz="1200" dirty="0" smtClean="0"/>
+                  <a:rPr lang="en-US" sz="1200" dirty="0"/>
                   <a:t> C </a:t>
                 </a:r>
                 <a:r>
-                  <a:rPr lang="en-US" sz="1200" dirty="0" err="1" smtClean="0"/>
+                  <a:rPr lang="en-US" sz="1200" dirty="0" err="1"/>
                   <a:t>trên</a:t>
                 </a:r>
                 <a:r>
-                  <a:rPr lang="en-US" sz="1200" dirty="0" smtClean="0"/>
-                  <a:t> </a:t>
-                </a:r>
-                <a:r>
-                  <a:rPr lang="en-US" sz="1200" dirty="0" err="1" smtClean="0"/>
+                  <a:rPr lang="en-US" sz="1200" dirty="0"/>
+                  <a:t> </a:t>
+                </a:r>
+                <a:r>
+                  <a:rPr lang="en-US" sz="1200" dirty="0" err="1"/>
                   <a:t>đồ</a:t>
                 </a:r>
                 <a:r>
-                  <a:rPr lang="en-US" sz="1200" dirty="0" smtClean="0"/>
-                  <a:t> </a:t>
-                </a:r>
-                <a:r>
-                  <a:rPr lang="en-US" sz="1200" dirty="0" err="1" smtClean="0"/>
+                  <a:rPr lang="en-US" sz="1200" dirty="0"/>
+                  <a:t> </a:t>
+                </a:r>
+                <a:r>
+                  <a:rPr lang="en-US" sz="1200" dirty="0" err="1"/>
                   <a:t>thị</a:t>
                 </a:r>
                 <a:r>
-                  <a:rPr lang="en-US" sz="1200" dirty="0" smtClean="0"/>
+                  <a:rPr lang="en-US" sz="1200" dirty="0"/>
                   <a:t>). </a:t>
                 </a:r>
                 <a:r>
-                  <a:rPr lang="en-US" sz="1200" dirty="0" err="1" smtClean="0"/>
+                  <a:rPr lang="en-US" sz="1200" dirty="0" err="1"/>
                   <a:t>Thực</a:t>
                 </a:r>
                 <a:r>
-                  <a:rPr lang="en-US" sz="1200" dirty="0" smtClean="0"/>
-                  <a:t> </a:t>
-                </a:r>
-                <a:r>
-                  <a:rPr lang="en-US" sz="1200" dirty="0" err="1" smtClean="0"/>
+                  <a:rPr lang="en-US" sz="1200" dirty="0"/>
+                  <a:t> </a:t>
+                </a:r>
+                <a:r>
+                  <a:rPr lang="en-US" sz="1200" dirty="0" err="1"/>
                   <a:t>tế</a:t>
                 </a:r>
                 <a:r>
-                  <a:rPr lang="en-US" sz="1200" dirty="0" smtClean="0"/>
+                  <a:rPr lang="en-US" sz="1200" dirty="0"/>
                   <a:t>, </a:t>
                 </a:r>
                 <a:r>
-                  <a:rPr lang="en-US" sz="1200" dirty="0" err="1" smtClean="0"/>
+                  <a:rPr lang="en-US" sz="1200" dirty="0" err="1"/>
                   <a:t>điểm</a:t>
                 </a:r>
-                <a:endParaRPr lang="en-US" sz="1200" dirty="0" smtClean="0"/>
+                <a:endParaRPr lang="en-US" sz="1200" dirty="0"/>
               </a:p>
               <a:p>
                 <a:pPr marL="457200" lvl="1" indent="0">
                   <a:buNone/>
                 </a:pPr>
                 <a:r>
-                  <a:rPr lang="en-US" sz="1200" dirty="0" smtClean="0"/>
+                  <a:rPr lang="en-US" sz="1200" dirty="0"/>
                   <a:t>A </a:t>
                 </a:r>
                 <a:r>
-                  <a:rPr lang="en-US" sz="1200" dirty="0" err="1" smtClean="0"/>
+                  <a:rPr lang="en-US" sz="1200" dirty="0" err="1"/>
                   <a:t>mới</a:t>
                 </a:r>
                 <a:r>
-                  <a:rPr lang="en-US" sz="1200" dirty="0" smtClean="0"/>
-                  <a:t> </a:t>
-                </a:r>
-                <a:r>
-                  <a:rPr lang="en-US" sz="1200" dirty="0" err="1" smtClean="0"/>
+                  <a:rPr lang="en-US" sz="1200" dirty="0"/>
+                  <a:t> </a:t>
+                </a:r>
+                <a:r>
+                  <a:rPr lang="en-US" sz="1200" dirty="0" err="1"/>
                   <a:t>là</a:t>
                 </a:r>
                 <a:r>
-                  <a:rPr lang="en-US" sz="1200" dirty="0" smtClean="0"/>
-                  <a:t> </a:t>
-                </a:r>
-                <a:r>
-                  <a:rPr lang="en-US" sz="1200" dirty="0" err="1" smtClean="0"/>
+                  <a:rPr lang="en-US" sz="1200" dirty="0"/>
+                  <a:t> </a:t>
+                </a:r>
+                <a:r>
+                  <a:rPr lang="en-US" sz="1200" dirty="0" err="1"/>
                   <a:t>kết</a:t>
                 </a:r>
                 <a:r>
-                  <a:rPr lang="en-US" sz="1200" dirty="0" smtClean="0"/>
-                  <a:t> </a:t>
-                </a:r>
-                <a:r>
-                  <a:rPr lang="en-US" sz="1200" dirty="0" err="1" smtClean="0"/>
+                  <a:rPr lang="en-US" sz="1200" dirty="0"/>
+                  <a:t> </a:t>
+                </a:r>
+                <a:r>
+                  <a:rPr lang="en-US" sz="1200" dirty="0" err="1"/>
                   <a:t>quả</a:t>
                 </a:r>
                 <a:r>
-                  <a:rPr lang="en-US" sz="1200" dirty="0" smtClean="0"/>
-                  <a:t> </a:t>
-                </a:r>
-                <a:r>
-                  <a:rPr lang="en-US" sz="1200" dirty="0" err="1" smtClean="0"/>
+                  <a:rPr lang="en-US" sz="1200" dirty="0"/>
+                  <a:t> </a:t>
+                </a:r>
+                <a:r>
+                  <a:rPr lang="en-US" sz="1200" dirty="0" err="1"/>
                   <a:t>mong</a:t>
                 </a:r>
                 <a:r>
-                  <a:rPr lang="en-US" sz="1200" dirty="0" smtClean="0"/>
-                  <a:t> </a:t>
-                </a:r>
-                <a:r>
-                  <a:rPr lang="en-US" sz="1200" dirty="0" err="1" smtClean="0"/>
+                  <a:rPr lang="en-US" sz="1200" dirty="0"/>
+                  <a:t> </a:t>
+                </a:r>
+                <a:r>
+                  <a:rPr lang="en-US" sz="1200" dirty="0" err="1"/>
                   <a:t>muốn</a:t>
                 </a:r>
                 <a:r>
-                  <a:rPr lang="en-US" sz="1200" dirty="0" smtClean="0"/>
-                  <a:t> </a:t>
-                </a:r>
-                <a:r>
-                  <a:rPr lang="en-US" sz="1200" dirty="0" err="1" smtClean="0"/>
+                  <a:rPr lang="en-US" sz="1200" dirty="0"/>
+                  <a:t> </a:t>
+                </a:r>
+                <a:r>
+                  <a:rPr lang="en-US" sz="1200" dirty="0" err="1"/>
                   <a:t>của</a:t>
                 </a:r>
                 <a:r>
-                  <a:rPr lang="en-US" sz="1200" dirty="0" smtClean="0"/>
-                  <a:t> </a:t>
-                </a:r>
-                <a:r>
-                  <a:rPr lang="en-US" sz="1200" dirty="0" err="1" smtClean="0"/>
+                  <a:rPr lang="en-US" sz="1200" dirty="0"/>
+                  <a:t> </a:t>
+                </a:r>
+                <a:r>
+                  <a:rPr lang="en-US" sz="1200" dirty="0" err="1"/>
                   <a:t>chúng</a:t>
                 </a:r>
                 <a:r>
-                  <a:rPr lang="en-US" sz="1200" dirty="0" smtClean="0"/>
+                  <a:rPr lang="en-US" sz="1200" dirty="0"/>
                   <a:t> ta</a:t>
                 </a:r>
               </a:p>
@@ -10341,11 +10149,11 @@
                 <a:pPr marL="457200" lvl="1" indent="0">
                   <a:buNone/>
                 </a:pPr>
-                <a:endParaRPr lang="en-US" sz="1200" dirty="0" smtClean="0"/>
+                <a:endParaRPr lang="en-US" sz="1200" dirty="0"/>
               </a:p>
               <a:p>
                 <a:pPr lvl="1"/>
-                <a:endParaRPr lang="en-US" sz="1400" dirty="0" smtClean="0"/>
+                <a:endParaRPr lang="en-US" sz="1400" dirty="0"/>
               </a:p>
               <a:p>
                 <a:pPr marL="457200" lvl="1" indent="0">
@@ -10356,7 +10164,7 @@
             </p:txBody>
           </p:sp>
         </mc:Choice>
-        <mc:Fallback>
+        <mc:Fallback xmlns="">
           <p:sp>
             <p:nvSpPr>
               <p:cNvPr id="3" name="Content Placeholder 2"/>
@@ -10484,8 +10292,8 @@
           </a:prstGeom>
         </p:spPr>
       </p:pic>
-      <mc:AlternateContent xmlns:mc="http://schemas.openxmlformats.org/markup-compatibility/2006">
-        <mc:Choice xmlns:a14="http://schemas.microsoft.com/office/drawing/2010/main" Requires="a14">
+      <mc:AlternateContent xmlns:mc="http://schemas.openxmlformats.org/markup-compatibility/2006" xmlns:a14="http://schemas.microsoft.com/office/drawing/2010/main">
+        <mc:Choice Requires="a14">
           <p:sp>
             <p:nvSpPr>
               <p:cNvPr id="7" name="TextBox 6"/>
@@ -10510,31 +10318,31 @@
               <a:p>
                 <a:pPr algn="ctr"/>
                 <a:r>
-                  <a:rPr lang="en-US" sz="1200" dirty="0" smtClean="0"/>
+                  <a:rPr lang="en-US" sz="1200" dirty="0"/>
                   <a:t>Đồ </a:t>
                 </a:r>
                 <a:r>
-                  <a:rPr lang="en-US" sz="1200" dirty="0" err="1" smtClean="0"/>
+                  <a:rPr lang="en-US" sz="1200" dirty="0" err="1"/>
                   <a:t>thị</a:t>
                 </a:r>
                 <a:r>
-                  <a:rPr lang="en-US" sz="1200" dirty="0" smtClean="0"/>
-                  <a:t> </a:t>
-                </a:r>
-                <a:r>
-                  <a:rPr lang="en-US" sz="1200" dirty="0" err="1" smtClean="0"/>
+                  <a:rPr lang="en-US" sz="1200" dirty="0"/>
+                  <a:t> </a:t>
+                </a:r>
+                <a:r>
+                  <a:rPr lang="en-US" sz="1200" dirty="0" err="1"/>
                   <a:t>đạo</a:t>
                 </a:r>
                 <a:r>
-                  <a:rPr lang="en-US" sz="1200" dirty="0" smtClean="0"/>
-                  <a:t> </a:t>
-                </a:r>
-                <a:r>
-                  <a:rPr lang="en-US" sz="1200" dirty="0" err="1" smtClean="0"/>
+                  <a:rPr lang="en-US" sz="1200" dirty="0"/>
+                  <a:t> </a:t>
+                </a:r>
+                <a:r>
+                  <a:rPr lang="en-US" sz="1200" dirty="0" err="1"/>
                   <a:t>hàm</a:t>
                 </a:r>
                 <a:r>
-                  <a:rPr lang="en-US" sz="1200" dirty="0" smtClean="0"/>
+                  <a:rPr lang="en-US" sz="1200" dirty="0"/>
                   <a:t> </a:t>
                 </a:r>
                 <a14:m>
@@ -10589,7 +10397,7 @@
             </p:txBody>
           </p:sp>
         </mc:Choice>
-        <mc:Fallback>
+        <mc:Fallback xmlns="">
           <p:sp>
             <p:nvSpPr>
               <p:cNvPr id="7" name="TextBox 6"/>
@@ -10654,31 +10462,31 @@
               <a:p>
                 <a:pPr algn="ctr"/>
                 <a:r>
-                  <a:rPr lang="en-US" sz="1200" dirty="0" smtClean="0"/>
+                  <a:rPr lang="en-US" sz="1200" dirty="0"/>
                   <a:t>Đồ </a:t>
                 </a:r>
                 <a:r>
-                  <a:rPr lang="en-US" sz="1200" dirty="0" err="1" smtClean="0"/>
+                  <a:rPr lang="en-US" sz="1200" dirty="0" err="1"/>
                   <a:t>thị</a:t>
                 </a:r>
                 <a:r>
-                  <a:rPr lang="en-US" sz="1200" dirty="0" smtClean="0"/>
-                  <a:t> </a:t>
-                </a:r>
-                <a:r>
-                  <a:rPr lang="en-US" sz="1200" dirty="0" err="1" smtClean="0"/>
+                  <a:rPr lang="en-US" sz="1200" dirty="0"/>
+                  <a:t> </a:t>
+                </a:r>
+                <a:r>
+                  <a:rPr lang="en-US" sz="1200" dirty="0" err="1"/>
                   <a:t>đạo</a:t>
                 </a:r>
                 <a:r>
-                  <a:rPr lang="en-US" sz="1200" dirty="0" smtClean="0"/>
-                  <a:t> </a:t>
-                </a:r>
-                <a:r>
-                  <a:rPr lang="en-US" sz="1200" dirty="0" err="1" smtClean="0"/>
+                  <a:rPr lang="en-US" sz="1200" dirty="0"/>
+                  <a:t> </a:t>
+                </a:r>
+                <a:r>
+                  <a:rPr lang="en-US" sz="1200" dirty="0" err="1"/>
                   <a:t>hàm</a:t>
                 </a:r>
                 <a:r>
-                  <a:rPr lang="en-US" sz="1200" dirty="0" smtClean="0"/>
+                  <a:rPr lang="en-US" sz="1200" dirty="0"/>
                   <a:t> </a:t>
                 </a:r>
                 <a14:m>
@@ -10786,13 +10594,6 @@
   <p:clrMapOvr>
     <a:masterClrMapping/>
   </p:clrMapOvr>
-  <p:timing>
-    <p:tnLst>
-      <p:par>
-        <p:cTn id="1" dur="indefinite" restart="never" nodeType="tmRoot"/>
-      </p:par>
-    </p:tnLst>
-  </p:timing>
 </p:sld>
 </file>
 
@@ -10829,34 +10630,34 @@
           <a:lstStyle/>
           <a:p>
             <a:r>
-              <a:rPr lang="en-US" dirty="0" smtClean="0"/>
+              <a:rPr lang="en-US" dirty="0"/>
               <a:t>Gradient Descent </a:t>
             </a:r>
             <a:br>
-              <a:rPr lang="en-US" dirty="0" smtClean="0"/>
+              <a:rPr lang="en-US" dirty="0"/>
             </a:br>
             <a:r>
-              <a:rPr lang="en-US" sz="1600" dirty="0" err="1" smtClean="0"/>
+              <a:rPr lang="en-US" sz="1600" dirty="0" err="1"/>
               <a:t>Tối</a:t>
             </a:r>
             <a:r>
-              <a:rPr lang="en-US" sz="1600" dirty="0" smtClean="0"/>
+              <a:rPr lang="en-US" sz="1600" dirty="0"/>
               <a:t> </a:t>
             </a:r>
             <a:r>
-              <a:rPr lang="en-US" sz="1600" dirty="0" err="1" smtClean="0"/>
+              <a:rPr lang="en-US" sz="1600" dirty="0" err="1"/>
               <a:t>ưu</a:t>
             </a:r>
             <a:r>
-              <a:rPr lang="en-US" sz="1600" dirty="0" smtClean="0"/>
+              <a:rPr lang="en-US" sz="1600" dirty="0"/>
               <a:t> Gradient Descent</a:t>
             </a:r>
             <a:endParaRPr lang="en-US" dirty="0"/>
           </a:p>
         </p:txBody>
       </p:sp>
-      <mc:AlternateContent xmlns:mc="http://schemas.openxmlformats.org/markup-compatibility/2006">
-        <mc:Choice xmlns:a14="http://schemas.microsoft.com/office/drawing/2010/main" Requires="a14">
+      <mc:AlternateContent xmlns:mc="http://schemas.openxmlformats.org/markup-compatibility/2006" xmlns:a14="http://schemas.microsoft.com/office/drawing/2010/main">
+        <mc:Choice Requires="a14">
           <p:sp>
             <p:nvSpPr>
               <p:cNvPr id="3" name="Content Placeholder 2"/>
@@ -10879,7 +10680,7 @@
                   <a:buChar char="§"/>
                 </a:pPr>
                 <a:r>
-                  <a:rPr lang="en-US" sz="1800" dirty="0" smtClean="0"/>
+                  <a:rPr lang="en-US" sz="1800" dirty="0"/>
                   <a:t>Gradient Descent </a:t>
                 </a:r>
                 <a:r>
@@ -10888,275 +10689,271 @@
                 </a:r>
                 <a:r>
                   <a:rPr lang="en-US" sz="1800" dirty="0"/>
-                  <a:t> </a:t>
-                </a:r>
-                <a:r>
-                  <a:rPr lang="en-US" sz="1800" dirty="0" smtClean="0"/>
-                  <a:t>Momentum</a:t>
+                  <a:t> Momentum</a:t>
                 </a:r>
               </a:p>
               <a:p>
                 <a:pPr lvl="1"/>
                 <a:r>
-                  <a:rPr lang="en-US" sz="1400" dirty="0" err="1" smtClean="0"/>
+                  <a:rPr lang="en-US" sz="1400" dirty="0" err="1"/>
                   <a:t>Tối</a:t>
                 </a:r>
                 <a:r>
-                  <a:rPr lang="en-US" sz="1400" dirty="0" smtClean="0"/>
-                  <a:t> </a:t>
-                </a:r>
-                <a:r>
-                  <a:rPr lang="en-US" sz="1400" dirty="0" err="1" smtClean="0"/>
+                  <a:rPr lang="en-US" sz="1400" dirty="0"/>
+                  <a:t> </a:t>
+                </a:r>
+                <a:r>
+                  <a:rPr lang="en-US" sz="1400" dirty="0" err="1"/>
                   <a:t>ưu</a:t>
                 </a:r>
                 <a:r>
-                  <a:rPr lang="en-US" sz="1400" dirty="0" smtClean="0"/>
-                  <a:t> </a:t>
-                </a:r>
-                <a:r>
-                  <a:rPr lang="en-US" sz="1400" dirty="0" err="1" smtClean="0"/>
+                  <a:rPr lang="en-US" sz="1400" dirty="0"/>
+                  <a:t> </a:t>
+                </a:r>
+                <a:r>
+                  <a:rPr lang="en-US" sz="1400" dirty="0" err="1"/>
                   <a:t>thuật</a:t>
                 </a:r>
                 <a:r>
-                  <a:rPr lang="en-US" sz="1400" dirty="0" smtClean="0"/>
-                  <a:t> </a:t>
-                </a:r>
-                <a:r>
-                  <a:rPr lang="en-US" sz="1400" dirty="0" err="1" smtClean="0"/>
+                  <a:rPr lang="en-US" sz="1400" dirty="0"/>
+                  <a:t> </a:t>
+                </a:r>
+                <a:r>
+                  <a:rPr lang="en-US" sz="1400" dirty="0" err="1"/>
                   <a:t>toán</a:t>
                 </a:r>
                 <a:r>
-                  <a:rPr lang="en-US" sz="1400" dirty="0" smtClean="0"/>
-                  <a:t> </a:t>
-                </a:r>
-                <a:r>
-                  <a:rPr lang="en-US" sz="1400" dirty="0" err="1" smtClean="0"/>
+                  <a:rPr lang="en-US" sz="1400" dirty="0"/>
+                  <a:t> </a:t>
+                </a:r>
+                <a:r>
+                  <a:rPr lang="en-US" sz="1400" dirty="0" err="1"/>
                   <a:t>bằng</a:t>
                 </a:r>
                 <a:r>
-                  <a:rPr lang="en-US" sz="1400" dirty="0" smtClean="0"/>
-                  <a:t> </a:t>
-                </a:r>
-                <a:r>
-                  <a:rPr lang="en-US" sz="1400" dirty="0" err="1" smtClean="0"/>
+                  <a:rPr lang="en-US" sz="1400" dirty="0"/>
+                  <a:t> </a:t>
+                </a:r>
+                <a:r>
+                  <a:rPr lang="en-US" sz="1400" dirty="0" err="1"/>
                   <a:t>cách</a:t>
                 </a:r>
                 <a:r>
-                  <a:rPr lang="en-US" sz="1400" dirty="0" smtClean="0"/>
-                  <a:t> </a:t>
-                </a:r>
-                <a:r>
-                  <a:rPr lang="en-US" sz="1400" dirty="0" err="1" smtClean="0"/>
+                  <a:rPr lang="en-US" sz="1400" dirty="0"/>
+                  <a:t> </a:t>
+                </a:r>
+                <a:r>
+                  <a:rPr lang="en-US" sz="1400" dirty="0" err="1"/>
                   <a:t>chúng</a:t>
                 </a:r>
                 <a:r>
-                  <a:rPr lang="en-US" sz="1400" dirty="0" smtClean="0"/>
+                  <a:rPr lang="en-US" sz="1400" dirty="0"/>
                   <a:t> ta </a:t>
                 </a:r>
                 <a:r>
-                  <a:rPr lang="en-US" sz="1400" dirty="0" err="1" smtClean="0"/>
+                  <a:rPr lang="en-US" sz="1400" dirty="0" err="1"/>
                   <a:t>sẽ</a:t>
                 </a:r>
                 <a:r>
-                  <a:rPr lang="en-US" sz="1400" dirty="0" smtClean="0"/>
-                  <a:t> </a:t>
-                </a:r>
-                <a:r>
-                  <a:rPr lang="en-US" sz="1400" dirty="0" err="1" smtClean="0"/>
+                  <a:rPr lang="en-US" sz="1400" dirty="0"/>
+                  <a:t> </a:t>
+                </a:r>
+                <a:r>
+                  <a:rPr lang="en-US" sz="1400" dirty="0" err="1"/>
                   <a:t>cộng</a:t>
                 </a:r>
                 <a:r>
-                  <a:rPr lang="en-US" sz="1400" dirty="0" smtClean="0"/>
+                  <a:rPr lang="en-US" sz="1400" dirty="0"/>
                   <a:t> them 1 </a:t>
                 </a:r>
                 <a:r>
-                  <a:rPr lang="en-US" sz="1400" dirty="0" err="1" smtClean="0"/>
+                  <a:rPr lang="en-US" sz="1400" dirty="0" err="1"/>
                   <a:t>động</a:t>
                 </a:r>
                 <a:r>
-                  <a:rPr lang="en-US" sz="1400" dirty="0" smtClean="0"/>
-                  <a:t> </a:t>
-                </a:r>
-                <a:r>
-                  <a:rPr lang="en-US" sz="1400" dirty="0" err="1" smtClean="0"/>
+                  <a:rPr lang="en-US" sz="1400" dirty="0"/>
+                  <a:t> </a:t>
+                </a:r>
+                <a:r>
+                  <a:rPr lang="en-US" sz="1400" dirty="0" err="1"/>
                   <a:t>lượng</a:t>
                 </a:r>
                 <a:r>
-                  <a:rPr lang="en-US" sz="1400" dirty="0" smtClean="0"/>
-                  <a:t> </a:t>
-                </a:r>
-                <a:r>
-                  <a:rPr lang="en-US" sz="1400" dirty="0" err="1" smtClean="0"/>
+                  <a:rPr lang="en-US" sz="1400" dirty="0"/>
+                  <a:t> </a:t>
+                </a:r>
+                <a:r>
+                  <a:rPr lang="en-US" sz="1400" dirty="0" err="1"/>
                   <a:t>để</a:t>
                 </a:r>
                 <a:r>
-                  <a:rPr lang="en-US" sz="1400" dirty="0" smtClean="0"/>
-                  <a:t> </a:t>
-                </a:r>
-                <a:r>
-                  <a:rPr lang="en-US" sz="1400" dirty="0" err="1" smtClean="0"/>
+                  <a:rPr lang="en-US" sz="1400" dirty="0"/>
+                  <a:t> </a:t>
+                </a:r>
+                <a:r>
+                  <a:rPr lang="en-US" sz="1400" dirty="0" err="1"/>
                   <a:t>tìm</a:t>
                 </a:r>
                 <a:r>
-                  <a:rPr lang="en-US" sz="1400" dirty="0" smtClean="0"/>
-                  <a:t> </a:t>
-                </a:r>
-                <a:r>
-                  <a:rPr lang="en-US" sz="1400" dirty="0" err="1" smtClean="0"/>
+                  <a:rPr lang="en-US" sz="1400" dirty="0"/>
+                  <a:t> </a:t>
+                </a:r>
+                <a:r>
+                  <a:rPr lang="en-US" sz="1400" dirty="0" err="1"/>
                   <a:t>được</a:t>
                 </a:r>
                 <a:r>
-                  <a:rPr lang="en-US" sz="1400" dirty="0" smtClean="0"/>
-                  <a:t> </a:t>
-                </a:r>
-                <a:r>
-                  <a:rPr lang="en-US" sz="1400" dirty="0" err="1" smtClean="0"/>
+                  <a:rPr lang="en-US" sz="1400" dirty="0"/>
+                  <a:t> </a:t>
+                </a:r>
+                <a:r>
+                  <a:rPr lang="en-US" sz="1400" dirty="0" err="1"/>
                   <a:t>điểm</a:t>
                 </a:r>
                 <a:r>
-                  <a:rPr lang="en-US" sz="1400" dirty="0" smtClean="0"/>
-                  <a:t> </a:t>
-                </a:r>
-                <a:r>
-                  <a:rPr lang="en-US" sz="1400" dirty="0" err="1" smtClean="0"/>
+                  <a:rPr lang="en-US" sz="1400" dirty="0"/>
+                  <a:t> </a:t>
+                </a:r>
+                <a:r>
+                  <a:rPr lang="en-US" sz="1400" dirty="0" err="1"/>
                   <a:t>tối</a:t>
                 </a:r>
                 <a:r>
-                  <a:rPr lang="en-US" sz="1400" dirty="0" smtClean="0"/>
-                  <a:t> </a:t>
-                </a:r>
-                <a:r>
-                  <a:rPr lang="en-US" sz="1400" dirty="0" err="1" smtClean="0"/>
+                  <a:rPr lang="en-US" sz="1400" dirty="0"/>
+                  <a:t> </a:t>
+                </a:r>
+                <a:r>
+                  <a:rPr lang="en-US" sz="1400" dirty="0" err="1"/>
                   <a:t>ưu</a:t>
                 </a:r>
                 <a:r>
-                  <a:rPr lang="en-US" sz="1400" dirty="0" smtClean="0"/>
-                  <a:t> </a:t>
-                </a:r>
-                <a:r>
-                  <a:rPr lang="en-US" sz="1400" dirty="0" err="1" smtClean="0"/>
+                  <a:rPr lang="en-US" sz="1400" dirty="0"/>
+                  <a:t> </a:t>
+                </a:r>
+                <a:r>
+                  <a:rPr lang="en-US" sz="1400" dirty="0" err="1"/>
                   <a:t>của</a:t>
                 </a:r>
                 <a:r>
-                  <a:rPr lang="en-US" sz="1400" dirty="0" smtClean="0"/>
-                  <a:t> </a:t>
-                </a:r>
-                <a:r>
-                  <a:rPr lang="en-US" sz="1400" dirty="0" err="1" smtClean="0"/>
+                  <a:rPr lang="en-US" sz="1400" dirty="0"/>
+                  <a:t> </a:t>
+                </a:r>
+                <a:r>
+                  <a:rPr lang="en-US" sz="1400" dirty="0" err="1"/>
                   <a:t>bài</a:t>
                 </a:r>
                 <a:r>
-                  <a:rPr lang="en-US" sz="1400" dirty="0" smtClean="0"/>
-                  <a:t> </a:t>
-                </a:r>
-                <a:r>
-                  <a:rPr lang="en-US" sz="1400" dirty="0" err="1" smtClean="0"/>
+                  <a:rPr lang="en-US" sz="1400" dirty="0"/>
+                  <a:t> </a:t>
+                </a:r>
+                <a:r>
+                  <a:rPr lang="en-US" sz="1400" dirty="0" err="1"/>
                   <a:t>toán</a:t>
                 </a:r>
-                <a:endParaRPr lang="en-US" sz="1400" dirty="0" smtClean="0"/>
+                <a:endParaRPr lang="en-US" sz="1400" dirty="0"/>
               </a:p>
               <a:p>
                 <a:pPr lvl="1"/>
                 <a:r>
-                  <a:rPr lang="en-US" sz="1400" dirty="0" err="1" smtClean="0"/>
+                  <a:rPr lang="en-US" sz="1400" dirty="0" err="1"/>
                   <a:t>Các</a:t>
                 </a:r>
                 <a:r>
-                  <a:rPr lang="en-US" sz="1400" dirty="0" smtClean="0"/>
-                  <a:t> </a:t>
-                </a:r>
-                <a:r>
-                  <a:rPr lang="en-US" sz="1400" dirty="0" err="1" smtClean="0"/>
+                  <a:rPr lang="en-US" sz="1400" dirty="0"/>
+                  <a:t> </a:t>
+                </a:r>
+                <a:r>
+                  <a:rPr lang="en-US" sz="1400" dirty="0" err="1"/>
                   <a:t>bước</a:t>
                 </a:r>
                 <a:r>
-                  <a:rPr lang="en-US" sz="1400" dirty="0" smtClean="0"/>
+                  <a:rPr lang="en-US" sz="1400" dirty="0"/>
                   <a:t>:</a:t>
                 </a:r>
               </a:p>
               <a:p>
                 <a:pPr lvl="2"/>
                 <a:r>
-                  <a:rPr lang="en-US" sz="1200" dirty="0" err="1" smtClean="0"/>
+                  <a:rPr lang="en-US" sz="1200" dirty="0" err="1"/>
                   <a:t>Sau</a:t>
                 </a:r>
                 <a:r>
-                  <a:rPr lang="en-US" sz="1200" dirty="0" smtClean="0"/>
-                  <a:t> </a:t>
-                </a:r>
-                <a:r>
-                  <a:rPr lang="en-US" sz="1200" dirty="0" err="1" smtClean="0"/>
+                  <a:rPr lang="en-US" sz="1200" dirty="0"/>
+                  <a:t> </a:t>
+                </a:r>
+                <a:r>
+                  <a:rPr lang="en-US" sz="1200" dirty="0" err="1"/>
                   <a:t>mỗi</a:t>
                 </a:r>
                 <a:r>
-                  <a:rPr lang="en-US" sz="1200" dirty="0" smtClean="0"/>
-                  <a:t> </a:t>
-                </a:r>
-                <a:r>
-                  <a:rPr lang="en-US" sz="1200" dirty="0" err="1" smtClean="0"/>
+                  <a:rPr lang="en-US" sz="1200" dirty="0"/>
+                  <a:t> </a:t>
+                </a:r>
+                <a:r>
+                  <a:rPr lang="en-US" sz="1200" dirty="0" err="1"/>
                   <a:t>lần</a:t>
                 </a:r>
                 <a:r>
-                  <a:rPr lang="en-US" sz="1200" dirty="0" smtClean="0"/>
-                  <a:t> </a:t>
-                </a:r>
-                <a:r>
-                  <a:rPr lang="en-US" sz="1200" dirty="0" err="1" smtClean="0"/>
+                  <a:rPr lang="en-US" sz="1200" dirty="0"/>
+                  <a:t> </a:t>
+                </a:r>
+                <a:r>
+                  <a:rPr lang="en-US" sz="1200" dirty="0" err="1"/>
                   <a:t>lặp</a:t>
                 </a:r>
                 <a:r>
-                  <a:rPr lang="en-US" sz="1200" dirty="0" smtClean="0"/>
-                  <a:t> </a:t>
-                </a:r>
-                <a:r>
-                  <a:rPr lang="en-US" sz="1200" dirty="0" err="1" smtClean="0"/>
+                  <a:rPr lang="en-US" sz="1200" dirty="0"/>
+                  <a:t> </a:t>
+                </a:r>
+                <a:r>
+                  <a:rPr lang="en-US" sz="1200" dirty="0" err="1"/>
                   <a:t>lại</a:t>
                 </a:r>
                 <a:r>
-                  <a:rPr lang="en-US" sz="1200" dirty="0" smtClean="0"/>
+                  <a:rPr lang="en-US" sz="1200" dirty="0"/>
                   <a:t>, </a:t>
                 </a:r>
                 <a:r>
-                  <a:rPr lang="en-US" sz="1200" dirty="0" err="1" smtClean="0"/>
+                  <a:rPr lang="en-US" sz="1200" dirty="0" err="1"/>
                   <a:t>chúng</a:t>
                 </a:r>
                 <a:r>
-                  <a:rPr lang="en-US" sz="1200" dirty="0" smtClean="0"/>
+                  <a:rPr lang="en-US" sz="1200" dirty="0"/>
                   <a:t> ta </a:t>
                 </a:r>
                 <a:r>
-                  <a:rPr lang="en-US" sz="1200" dirty="0" err="1" smtClean="0"/>
+                  <a:rPr lang="en-US" sz="1200" dirty="0" err="1"/>
                   <a:t>sẽ</a:t>
                 </a:r>
                 <a:r>
-                  <a:rPr lang="en-US" sz="1000" dirty="0" smtClean="0"/>
-                  <a:t> </a:t>
-                </a:r>
-                <a:r>
-                  <a:rPr lang="vi-VN" sz="1200" dirty="0" smtClean="0"/>
+                  <a:rPr lang="en-US" sz="1000" dirty="0"/>
+                  <a:t> </a:t>
+                </a:r>
+                <a:r>
+                  <a:rPr lang="vi-VN" sz="1200" dirty="0"/>
                   <a:t>thay đổi </a:t>
                 </a:r>
                 <a:r>
-                  <a:rPr lang="en-US" sz="1200" dirty="0" err="1" smtClean="0"/>
+                  <a:rPr lang="en-US" sz="1200" dirty="0" err="1"/>
                   <a:t>một</a:t>
                 </a:r>
                 <a:r>
-                  <a:rPr lang="en-US" sz="1200" dirty="0" smtClean="0"/>
-                  <a:t> </a:t>
-                </a:r>
-                <a:r>
-                  <a:rPr lang="en-US" sz="1200" dirty="0" err="1" smtClean="0"/>
+                  <a:rPr lang="en-US" sz="1200" dirty="0"/>
+                  <a:t> </a:t>
+                </a:r>
+                <a:r>
+                  <a:rPr lang="en-US" sz="1200" dirty="0" err="1"/>
                   <a:t>lượng</a:t>
                 </a:r>
                 <a:r>
-                  <a:rPr lang="en-US" sz="1200" dirty="0" smtClean="0"/>
-                  <a:t> </a:t>
-                </a:r>
-                <a:r>
-                  <a:rPr lang="vi-VN" sz="1200" dirty="0" smtClean="0"/>
+                  <a:rPr lang="en-US" sz="1200" dirty="0"/>
+                  <a:t> </a:t>
+                </a:r>
+                <a:r>
+                  <a:rPr lang="vi-VN" sz="1200" dirty="0"/>
                   <a:t>được sử dụng ở thời điểm trước đó (t-1) được trọng số bởi siêu tham số động lượng</a:t>
                 </a:r>
-                <a:endParaRPr lang="en-US" sz="1200" dirty="0" smtClean="0"/>
+                <a:endParaRPr lang="en-US" sz="1200" dirty="0"/>
               </a:p>
               <a:p>
                 <a:pPr marL="914400" lvl="2" indent="0">
@@ -11322,7 +11119,7 @@
                     </m:oMath>
                   </m:oMathPara>
                 </a14:m>
-                <a:endParaRPr lang="en-US" sz="1200" dirty="0" smtClean="0"/>
+                <a:endParaRPr lang="en-US" sz="1200" dirty="0"/>
               </a:p>
               <a:p>
                 <a:pPr>
@@ -11335,109 +11132,105 @@
                 </a:r>
                 <a:r>
                   <a:rPr lang="en-US" sz="1800" dirty="0"/>
-                  <a:t> accelerated gradient (NAG</a:t>
-                </a:r>
-                <a:r>
-                  <a:rPr lang="en-US" sz="1800" dirty="0" smtClean="0"/>
-                  <a:t>)</a:t>
+                  <a:t> accelerated gradient (NAG)</a:t>
                 </a:r>
               </a:p>
               <a:p>
                 <a:pPr lvl="1"/>
                 <a:r>
-                  <a:rPr lang="en-US" sz="1400" dirty="0" err="1" smtClean="0"/>
+                  <a:rPr lang="en-US" sz="1400" dirty="0" err="1"/>
                   <a:t>Dự</a:t>
                 </a:r>
                 <a:r>
-                  <a:rPr lang="en-US" sz="1400" dirty="0" smtClean="0"/>
-                  <a:t> </a:t>
-                </a:r>
-                <a:r>
-                  <a:rPr lang="en-US" sz="1400" dirty="0" err="1" smtClean="0"/>
+                  <a:rPr lang="en-US" sz="1400" dirty="0"/>
+                  <a:t> </a:t>
+                </a:r>
+                <a:r>
+                  <a:rPr lang="en-US" sz="1400" dirty="0" err="1"/>
                   <a:t>đoán</a:t>
                 </a:r>
                 <a:r>
-                  <a:rPr lang="en-US" sz="1400" dirty="0" smtClean="0"/>
-                  <a:t> </a:t>
-                </a:r>
-                <a:r>
-                  <a:rPr lang="en-US" sz="1400" dirty="0" err="1" smtClean="0"/>
+                  <a:rPr lang="en-US" sz="1400" dirty="0"/>
+                  <a:t> </a:t>
+                </a:r>
+                <a:r>
+                  <a:rPr lang="en-US" sz="1400" dirty="0" err="1"/>
                   <a:t>hướng</a:t>
                 </a:r>
                 <a:r>
-                  <a:rPr lang="en-US" sz="1400" dirty="0" smtClean="0"/>
-                  <a:t> </a:t>
-                </a:r>
-                <a:r>
-                  <a:rPr lang="en-US" sz="1400" dirty="0" err="1" smtClean="0"/>
+                  <a:rPr lang="en-US" sz="1400" dirty="0"/>
+                  <a:t> </a:t>
+                </a:r>
+                <a:r>
+                  <a:rPr lang="en-US" sz="1400" dirty="0" err="1"/>
                   <a:t>đi</a:t>
                 </a:r>
                 <a:r>
-                  <a:rPr lang="en-US" sz="1400" dirty="0" smtClean="0"/>
-                  <a:t> </a:t>
-                </a:r>
-                <a:r>
-                  <a:rPr lang="en-US" sz="1400" dirty="0" err="1" smtClean="0"/>
+                  <a:rPr lang="en-US" sz="1400" dirty="0"/>
+                  <a:t> </a:t>
+                </a:r>
+                <a:r>
+                  <a:rPr lang="en-US" sz="1400" dirty="0" err="1"/>
                   <a:t>tiếp</a:t>
                 </a:r>
                 <a:r>
-                  <a:rPr lang="en-US" sz="1400" dirty="0" smtClean="0"/>
-                  <a:t> </a:t>
-                </a:r>
-                <a:r>
-                  <a:rPr lang="en-US" sz="1400" dirty="0" err="1" smtClean="0"/>
+                  <a:rPr lang="en-US" sz="1400" dirty="0"/>
+                  <a:t> </a:t>
+                </a:r>
+                <a:r>
+                  <a:rPr lang="en-US" sz="1400" dirty="0" err="1"/>
                   <a:t>theo</a:t>
                 </a:r>
                 <a:r>
-                  <a:rPr lang="en-US" sz="1400" dirty="0" smtClean="0"/>
-                  <a:t> </a:t>
-                </a:r>
-                <a:r>
-                  <a:rPr lang="en-US" sz="1400" dirty="0" err="1" smtClean="0"/>
+                  <a:rPr lang="en-US" sz="1400" dirty="0"/>
+                  <a:t> </a:t>
+                </a:r>
+                <a:r>
+                  <a:rPr lang="en-US" sz="1400" dirty="0" err="1"/>
                   <a:t>của</a:t>
                 </a:r>
                 <a:r>
-                  <a:rPr lang="en-US" sz="1400" dirty="0" smtClean="0"/>
-                  <a:t> </a:t>
-                </a:r>
-                <a:r>
-                  <a:rPr lang="en-US" sz="1400" dirty="0" err="1" smtClean="0"/>
+                  <a:rPr lang="en-US" sz="1400" dirty="0"/>
+                  <a:t> </a:t>
+                </a:r>
+                <a:r>
+                  <a:rPr lang="en-US" sz="1400" dirty="0" err="1"/>
                   <a:t>điểm</a:t>
                 </a:r>
                 <a:r>
-                  <a:rPr lang="en-US" sz="1400" dirty="0" smtClean="0"/>
-                  <a:t> </a:t>
-                </a:r>
-                <a:r>
-                  <a:rPr lang="en-US" sz="1400" dirty="0" err="1" smtClean="0"/>
+                  <a:rPr lang="en-US" sz="1400" dirty="0"/>
+                  <a:t> </a:t>
+                </a:r>
+                <a:r>
+                  <a:rPr lang="en-US" sz="1400" dirty="0" err="1"/>
                   <a:t>dữ</a:t>
                 </a:r>
                 <a:r>
-                  <a:rPr lang="en-US" sz="1400" dirty="0" smtClean="0"/>
-                  <a:t> </a:t>
-                </a:r>
-                <a:r>
-                  <a:rPr lang="en-US" sz="1400" dirty="0" err="1" smtClean="0"/>
+                  <a:rPr lang="en-US" sz="1400" dirty="0"/>
+                  <a:t> </a:t>
+                </a:r>
+                <a:r>
+                  <a:rPr lang="en-US" sz="1400" dirty="0" err="1"/>
                   <a:t>liệu</a:t>
                 </a:r>
-                <a:endParaRPr lang="en-US" sz="1400" dirty="0" smtClean="0"/>
+                <a:endParaRPr lang="en-US" sz="1400" dirty="0"/>
               </a:p>
               <a:p>
                 <a:pPr lvl="1"/>
                 <a:r>
-                  <a:rPr lang="en-US" sz="1400" dirty="0" err="1" smtClean="0"/>
+                  <a:rPr lang="en-US" sz="1400" dirty="0" err="1"/>
                   <a:t>Thuật</a:t>
                 </a:r>
                 <a:r>
-                  <a:rPr lang="en-US" sz="1400" dirty="0" smtClean="0"/>
-                  <a:t> </a:t>
-                </a:r>
-                <a:r>
-                  <a:rPr lang="en-US" sz="1400" dirty="0" err="1" smtClean="0"/>
+                  <a:rPr lang="en-US" sz="1400" dirty="0"/>
+                  <a:t> </a:t>
+                </a:r>
+                <a:r>
+                  <a:rPr lang="en-US" sz="1400" dirty="0" err="1"/>
                   <a:t>toán</a:t>
                 </a:r>
                 <a:r>
-                  <a:rPr lang="en-US" sz="1400" dirty="0" smtClean="0"/>
+                  <a:rPr lang="en-US" sz="1400" dirty="0"/>
                   <a:t>:</a:t>
                 </a:r>
               </a:p>
@@ -11546,7 +11339,7 @@
                     </m:d>
                   </m:oMath>
                 </a14:m>
-                <a:endParaRPr lang="en-US" sz="1200" b="0" dirty="0" smtClean="0"/>
+                <a:endParaRPr lang="en-US" sz="1200" b="0" dirty="0"/>
               </a:p>
               <a:p>
                 <a:pPr lvl="2"/>
@@ -11654,7 +11447,7 @@
                     </m:d>
                   </m:oMath>
                 </a14:m>
-                <a:endParaRPr lang="en-US" sz="1200" b="0" dirty="0" smtClean="0"/>
+                <a:endParaRPr lang="en-US" sz="1200" b="0" dirty="0"/>
               </a:p>
               <a:p>
                 <a:pPr lvl="2"/>
@@ -11785,7 +11578,7 @@
                     </m:d>
                   </m:oMath>
                 </a14:m>
-                <a:endParaRPr lang="en-US" sz="1200" b="0" dirty="0" smtClean="0"/>
+                <a:endParaRPr lang="en-US" sz="1200" b="0" dirty="0"/>
               </a:p>
               <a:p>
                 <a:pPr lvl="2"/>
@@ -11888,7 +11681,7 @@
                   <a:buFont typeface="Wingdings" panose="05000000000000000000" pitchFamily="2" charset="2"/>
                   <a:buChar char="§"/>
                 </a:pPr>
-                <a:endParaRPr lang="en-US" sz="1800" dirty="0" smtClean="0"/>
+                <a:endParaRPr lang="en-US" sz="1800" dirty="0"/>
               </a:p>
               <a:p>
                 <a:endParaRPr lang="en-US" sz="1800" dirty="0"/>
@@ -11896,7 +11689,7 @@
             </p:txBody>
           </p:sp>
         </mc:Choice>
-        <mc:Fallback>
+        <mc:Fallback xmlns="">
           <p:sp>
             <p:nvSpPr>
               <p:cNvPr id="3" name="Content Placeholder 2"/>
@@ -11997,13 +11790,6 @@
   <p:clrMapOvr>
     <a:masterClrMapping/>
   </p:clrMapOvr>
-  <p:timing>
-    <p:tnLst>
-      <p:par>
-        <p:cTn id="1" dur="indefinite" restart="never" nodeType="tmRoot"/>
-      </p:par>
-    </p:tnLst>
-  </p:timing>
 </p:sld>
 </file>
 
